--- a/Finance/FITM - Finance quiz.pptx
+++ b/Finance/FITM - Finance quiz.pptx
@@ -240,7 +240,7 @@
           <a:p>
             <a:fld id="{0D9F7FC8-EDF1-B745-B794-DEBC2B28F3A5}" type="datetimeFigureOut">
               <a:rPr lang="en-US" smtClean="0"/>
-              <a:t>6/10/22</a:t>
+              <a:t>5/4/22</a:t>
             </a:fld>
             <a:endParaRPr lang="en-US"/>
           </a:p>
@@ -405,7 +405,7 @@
           <a:p>
             <a:fld id="{4E97C15C-9360-D846-82FF-FB09835C3991}" type="datetimeFigureOut">
               <a:rPr lang="en-US" smtClean="0"/>
-              <a:t>6/10/22</a:t>
+              <a:t>5/4/22</a:t>
             </a:fld>
             <a:endParaRPr lang="en-US"/>
           </a:p>
@@ -2486,7 +2486,7 @@
             <a:fld id="{E30E2307-1E40-4E12-8716-25BFDA8E7013}" type="datetime1">
               <a:rPr lang="en-US" smtClean="0"/>
               <a:pPr/>
-              <a:t>6/10/22</a:t>
+              <a:t>5/4/22</a:t>
             </a:fld>
             <a:endParaRPr lang="en-US"/>
           </a:p>
@@ -2669,7 +2669,7 @@
             <a:fld id="{E5CFCF5A-EA79-452C-A52C-1A2668C2E7DF}" type="datetime1">
               <a:rPr lang="en-US" smtClean="0"/>
               <a:pPr/>
-              <a:t>6/10/22</a:t>
+              <a:t>5/4/22</a:t>
             </a:fld>
             <a:endParaRPr lang="en-US"/>
           </a:p>
@@ -2822,7 +2822,7 @@
             <a:fld id="{2E5C4C28-BD4B-4892-9A2D-6E19BD753A9A}" type="datetime1">
               <a:rPr lang="en-US" smtClean="0"/>
               <a:pPr/>
-              <a:t>6/10/22</a:t>
+              <a:t>5/4/22</a:t>
             </a:fld>
             <a:endParaRPr lang="en-US"/>
           </a:p>
@@ -4734,7 +4734,7 @@
             <a:fld id="{61FD9D02-426E-46C9-9EE9-0DE1EF8B2838}" type="datetime1">
               <a:rPr lang="en-US" smtClean="0"/>
               <a:pPr/>
-              <a:t>6/10/22</a:t>
+              <a:t>5/4/22</a:t>
             </a:fld>
             <a:endParaRPr lang="en-US"/>
           </a:p>
@@ -6606,7 +6606,7 @@
             <a:fld id="{7B8AEBBE-F8B2-42CF-9895-E86A608384EB}" type="datetime1">
               <a:rPr lang="en-US" smtClean="0"/>
               <a:pPr/>
-              <a:t>6/10/22</a:t>
+              <a:t>5/4/22</a:t>
             </a:fld>
             <a:endParaRPr lang="en-US"/>
           </a:p>
@@ -6721,7 +6721,7 @@
             <a:fld id="{E1FAA6B6-10E5-4810-BC9F-DA72D8452E73}" type="datetime1">
               <a:rPr lang="en-US" smtClean="0"/>
               <a:pPr/>
-              <a:t>6/10/22</a:t>
+              <a:t>5/4/22</a:t>
             </a:fld>
             <a:endParaRPr lang="en-US"/>
           </a:p>
@@ -7264,7 +7264,7 @@
             <a:fld id="{6D18D072-EF12-4AA2-BD71-ABC68B06D0E2}" type="datetime1">
               <a:rPr lang="en-US" smtClean="0"/>
               <a:pPr/>
-              <a:t>6/10/22</a:t>
+              <a:t>5/4/22</a:t>
             </a:fld>
             <a:endParaRPr lang="en-US"/>
           </a:p>
@@ -7379,7 +7379,7 @@
             <a:fld id="{B8CDBF60-6CC3-4B74-A60D-3486985E4346}" type="datetime1">
               <a:rPr lang="en-US" smtClean="0"/>
               <a:pPr/>
-              <a:t>6/10/22</a:t>
+              <a:t>5/4/22</a:t>
             </a:fld>
             <a:endParaRPr lang="en-US"/>
           </a:p>
@@ -9092,7 +9092,7 @@
             <a:fld id="{22714818-984F-4759-BF72-A33BDC1963BD}" type="datetime1">
               <a:rPr lang="en-US" smtClean="0"/>
               <a:pPr/>
-              <a:t>6/10/22</a:t>
+              <a:t>5/4/22</a:t>
             </a:fld>
             <a:endParaRPr lang="en-US"/>
           </a:p>
@@ -9245,7 +9245,7 @@
             <a:fld id="{9EA7E191-5F94-4FC1-B823-BD7CABF7FA06}" type="datetime1">
               <a:rPr lang="en-US" smtClean="0"/>
               <a:pPr/>
-              <a:t>6/10/22</a:t>
+              <a:t>5/4/22</a:t>
             </a:fld>
             <a:endParaRPr lang="en-US"/>
           </a:p>
@@ -12862,7 +12862,7 @@
             <a:fld id="{88856D55-EFBE-4F9B-8A5F-09D42CA22A9B}" type="datetime1">
               <a:rPr lang="en-US" smtClean="0"/>
               <a:pPr/>
-              <a:t>6/10/22</a:t>
+              <a:t>5/4/22</a:t>
             </a:fld>
             <a:endParaRPr lang="en-US"/>
           </a:p>
@@ -14723,7 +14723,7 @@
             <a:fld id="{9D1D110F-3F4E-48D9-B8AA-5D0E825AFDBA}" type="datetime1">
               <a:rPr lang="en-US" smtClean="0"/>
               <a:pPr/>
-              <a:t>6/10/22</a:t>
+              <a:t>5/4/22</a:t>
             </a:fld>
             <a:endParaRPr lang="en-US"/>
           </a:p>
@@ -15421,9 +15421,7 @@
           </a:xfrm>
         </p:spPr>
         <p:txBody>
-          <a:bodyPr>
-            <a:normAutofit fontScale="90000"/>
-          </a:bodyPr>
+          <a:bodyPr/>
           <a:lstStyle/>
           <a:p>
             <a:pPr eaLnBrk="1" hangingPunct="1"/>
@@ -15472,14 +15470,14 @@
           </a:ln>
           <a:extLst>
             <a:ext uri="{909E8E84-426E-40dd-AFC4-6F175D3DCCD1}">
-              <a14:hiddenFill xmlns="" xmlns:a14="http://schemas.microsoft.com/office/drawing/2010/main">
+              <a14:hiddenFill xmlns:a14="http://schemas.microsoft.com/office/drawing/2010/main" xmlns="">
                 <a:solidFill>
                   <a:srgbClr val="FFFFFF"/>
                 </a:solidFill>
               </a14:hiddenFill>
             </a:ext>
             <a:ext uri="{91240B29-F687-4f45-9708-019B960494DF}">
-              <a14:hiddenLine xmlns="" xmlns:a14="http://schemas.microsoft.com/office/drawing/2010/main" w="9525">
+              <a14:hiddenLine xmlns:a14="http://schemas.microsoft.com/office/drawing/2010/main" xmlns="" w="9525">
                 <a:solidFill>
                   <a:srgbClr val="000000"/>
                 </a:solidFill>
@@ -15530,14 +15528,14 @@
           </a:ln>
           <a:extLst>
             <a:ext uri="{909E8E84-426E-40dd-AFC4-6F175D3DCCD1}">
-              <a14:hiddenFill xmlns="" xmlns:a14="http://schemas.microsoft.com/office/drawing/2010/main">
+              <a14:hiddenFill xmlns:a14="http://schemas.microsoft.com/office/drawing/2010/main" xmlns="">
                 <a:solidFill>
                   <a:srgbClr val="FFFFFF"/>
                 </a:solidFill>
               </a14:hiddenFill>
             </a:ext>
             <a:ext uri="{91240B29-F687-4f45-9708-019B960494DF}">
-              <a14:hiddenLine xmlns="" xmlns:a14="http://schemas.microsoft.com/office/drawing/2010/main" w="9525">
+              <a14:hiddenLine xmlns:a14="http://schemas.microsoft.com/office/drawing/2010/main" xmlns="" w="9525">
                 <a:solidFill>
                   <a:srgbClr val="000000"/>
                 </a:solidFill>
@@ -15716,14 +15714,14 @@
           </a:ln>
           <a:extLst>
             <a:ext uri="{909E8E84-426E-40dd-AFC4-6F175D3DCCD1}">
-              <a14:hiddenFill xmlns="" xmlns:a14="http://schemas.microsoft.com/office/drawing/2010/main">
+              <a14:hiddenFill xmlns:a14="http://schemas.microsoft.com/office/drawing/2010/main" xmlns="">
                 <a:solidFill>
                   <a:srgbClr val="FFFFFF"/>
                 </a:solidFill>
               </a14:hiddenFill>
             </a:ext>
             <a:ext uri="{91240B29-F687-4f45-9708-019B960494DF}">
-              <a14:hiddenLine xmlns="" xmlns:a14="http://schemas.microsoft.com/office/drawing/2010/main" w="9525">
+              <a14:hiddenLine xmlns:a14="http://schemas.microsoft.com/office/drawing/2010/main" xmlns="" w="9525">
                 <a:solidFill>
                   <a:srgbClr val="000000"/>
                 </a:solidFill>
@@ -15830,14 +15828,14 @@
           </a:ln>
           <a:extLst>
             <a:ext uri="{909E8E84-426E-40dd-AFC4-6F175D3DCCD1}">
-              <a14:hiddenFill xmlns="" xmlns:a14="http://schemas.microsoft.com/office/drawing/2010/main">
+              <a14:hiddenFill xmlns:a14="http://schemas.microsoft.com/office/drawing/2010/main" xmlns="">
                 <a:solidFill>
                   <a:srgbClr val="FFFFFF"/>
                 </a:solidFill>
               </a14:hiddenFill>
             </a:ext>
             <a:ext uri="{91240B29-F687-4f45-9708-019B960494DF}">
-              <a14:hiddenLine xmlns="" xmlns:a14="http://schemas.microsoft.com/office/drawing/2010/main" w="9525">
+              <a14:hiddenLine xmlns:a14="http://schemas.microsoft.com/office/drawing/2010/main" xmlns="" w="9525">
                 <a:solidFill>
                   <a:srgbClr val="000000"/>
                 </a:solidFill>
@@ -15944,14 +15942,14 @@
           </a:ln>
           <a:extLst>
             <a:ext uri="{909E8E84-426E-40dd-AFC4-6F175D3DCCD1}">
-              <a14:hiddenFill xmlns="" xmlns:a14="http://schemas.microsoft.com/office/drawing/2010/main">
+              <a14:hiddenFill xmlns:a14="http://schemas.microsoft.com/office/drawing/2010/main" xmlns="">
                 <a:solidFill>
                   <a:srgbClr val="FFFFFF"/>
                 </a:solidFill>
               </a14:hiddenFill>
             </a:ext>
             <a:ext uri="{91240B29-F687-4f45-9708-019B960494DF}">
-              <a14:hiddenLine xmlns="" xmlns:a14="http://schemas.microsoft.com/office/drawing/2010/main" w="9525">
+              <a14:hiddenLine xmlns:a14="http://schemas.microsoft.com/office/drawing/2010/main" xmlns="" w="9525">
                 <a:solidFill>
                   <a:srgbClr val="000000"/>
                 </a:solidFill>
@@ -16058,14 +16056,14 @@
           </a:ln>
           <a:extLst>
             <a:ext uri="{909E8E84-426E-40dd-AFC4-6F175D3DCCD1}">
-              <a14:hiddenFill xmlns="" xmlns:a14="http://schemas.microsoft.com/office/drawing/2010/main">
+              <a14:hiddenFill xmlns:a14="http://schemas.microsoft.com/office/drawing/2010/main" xmlns="">
                 <a:solidFill>
                   <a:srgbClr val="FFFFFF"/>
                 </a:solidFill>
               </a14:hiddenFill>
             </a:ext>
             <a:ext uri="{91240B29-F687-4f45-9708-019B960494DF}">
-              <a14:hiddenLine xmlns="" xmlns:a14="http://schemas.microsoft.com/office/drawing/2010/main" w="9525">
+              <a14:hiddenLine xmlns:a14="http://schemas.microsoft.com/office/drawing/2010/main" xmlns="" w="9525">
                 <a:solidFill>
                   <a:srgbClr val="000000"/>
                 </a:solidFill>
@@ -16094,7 +16092,7 @@
               <a:buFont typeface="Wingdings" charset="0"/>
               <a:buNone/>
             </a:pPr>
-            <a:endParaRPr lang="en-US" b="1" dirty="0"/>
+            <a:endParaRPr lang="en-US" b="1"/>
           </a:p>
           <a:p>
             <a:pPr marL="236538" indent="-236538" algn="l" defTabSz="814388">
@@ -16111,7 +16109,7 @@
               <a:buFont typeface="Wingdings" charset="0"/>
               <a:buChar char="§"/>
             </a:pPr>
-            <a:endParaRPr lang="fr-FR" b="1" dirty="0"/>
+            <a:endParaRPr lang="fr-FR" b="1"/>
           </a:p>
           <a:p>
             <a:pPr marL="236538" indent="-236538" algn="l" defTabSz="814388">
@@ -16129,41 +16127,24 @@
               <a:buChar char="§"/>
             </a:pPr>
             <a:r>
-              <a:rPr lang="fr-FR" b="1" dirty="0">
-                <a:highlight>
-                  <a:srgbClr val="00FF00"/>
-                </a:highlight>
-              </a:rPr>
-              <a:t>Balance </a:t>
-            </a:r>
-            <a:r>
-              <a:rPr lang="fr-FR" b="1" dirty="0" err="1">
-                <a:highlight>
-                  <a:srgbClr val="00FF00"/>
-                </a:highlight>
-              </a:rPr>
-              <a:t>Sheet</a:t>
-            </a:r>
-            <a:endParaRPr lang="fr-FR" b="1" dirty="0">
-              <a:highlight>
-                <a:srgbClr val="00FF00"/>
-              </a:highlight>
-            </a:endParaRPr>
-          </a:p>
-          <a:p>
-            <a:pPr marL="236538" indent="-236538" algn="l" defTabSz="814388">
-              <a:lnSpc>
-                <a:spcPct val="95000"/>
-              </a:lnSpc>
-              <a:spcBef>
-                <a:spcPct val="50000"/>
-              </a:spcBef>
-              <a:buClr>
-                <a:schemeClr val="tx2"/>
-              </a:buClr>
-              <a:buSzPct val="100000"/>
-            </a:pPr>
-            <a:endParaRPr lang="fr-FR" b="1" dirty="0"/>
+              <a:rPr lang="fr-FR" b="1"/>
+              <a:t>Balance Sheet</a:t>
+            </a:r>
+          </a:p>
+          <a:p>
+            <a:pPr marL="236538" indent="-236538" algn="l" defTabSz="814388">
+              <a:lnSpc>
+                <a:spcPct val="95000"/>
+              </a:lnSpc>
+              <a:spcBef>
+                <a:spcPct val="50000"/>
+              </a:spcBef>
+              <a:buClr>
+                <a:schemeClr val="tx2"/>
+              </a:buClr>
+              <a:buSzPct val="100000"/>
+            </a:pPr>
+            <a:endParaRPr lang="fr-FR" b="1"/>
           </a:p>
         </p:txBody>
       </p:sp>
@@ -16252,14 +16233,14 @@
           </a:ln>
           <a:extLst>
             <a:ext uri="{909E8E84-426E-40dd-AFC4-6F175D3DCCD1}">
-              <a14:hiddenFill xmlns="" xmlns:a14="http://schemas.microsoft.com/office/drawing/2010/main">
+              <a14:hiddenFill xmlns:a14="http://schemas.microsoft.com/office/drawing/2010/main" xmlns="">
                 <a:solidFill>
                   <a:srgbClr val="FFFFFF"/>
                 </a:solidFill>
               </a14:hiddenFill>
             </a:ext>
             <a:ext uri="{91240B29-F687-4f45-9708-019B960494DF}">
-              <a14:hiddenLine xmlns="" xmlns:a14="http://schemas.microsoft.com/office/drawing/2010/main" w="9525">
+              <a14:hiddenLine xmlns:a14="http://schemas.microsoft.com/office/drawing/2010/main" xmlns="" w="9525">
                 <a:solidFill>
                   <a:srgbClr val="000000"/>
                 </a:solidFill>
@@ -16310,14 +16291,14 @@
           </a:ln>
           <a:extLst>
             <a:ext uri="{909E8E84-426E-40dd-AFC4-6F175D3DCCD1}">
-              <a14:hiddenFill xmlns="" xmlns:a14="http://schemas.microsoft.com/office/drawing/2010/main">
+              <a14:hiddenFill xmlns:a14="http://schemas.microsoft.com/office/drawing/2010/main" xmlns="">
                 <a:solidFill>
                   <a:srgbClr val="FFFFFF"/>
                 </a:solidFill>
               </a14:hiddenFill>
             </a:ext>
             <a:ext uri="{91240B29-F687-4f45-9708-019B960494DF}">
-              <a14:hiddenLine xmlns="" xmlns:a14="http://schemas.microsoft.com/office/drawing/2010/main" w="9525">
+              <a14:hiddenLine xmlns:a14="http://schemas.microsoft.com/office/drawing/2010/main" xmlns="" w="9525">
                 <a:solidFill>
                   <a:srgbClr val="000000"/>
                 </a:solidFill>
@@ -16468,7 +16449,7 @@
         </p:nvSpPr>
         <p:spPr bwMode="auto">
           <a:xfrm>
-            <a:off x="796925" y="3191435"/>
+            <a:off x="687388" y="3181350"/>
             <a:ext cx="7883525" cy="2019300"/>
           </a:xfrm>
           <a:prstGeom prst="rect">
@@ -16480,14 +16461,14 @@
           </a:ln>
           <a:extLst>
             <a:ext uri="{909E8E84-426E-40dd-AFC4-6F175D3DCCD1}">
-              <a14:hiddenFill xmlns="" xmlns:a14="http://schemas.microsoft.com/office/drawing/2010/main">
+              <a14:hiddenFill xmlns:a14="http://schemas.microsoft.com/office/drawing/2010/main" xmlns="">
                 <a:solidFill>
                   <a:srgbClr val="FFFFFF"/>
                 </a:solidFill>
               </a14:hiddenFill>
             </a:ext>
             <a:ext uri="{91240B29-F687-4f45-9708-019B960494DF}">
-              <a14:hiddenLine xmlns="" xmlns:a14="http://schemas.microsoft.com/office/drawing/2010/main" w="9525">
+              <a14:hiddenLine xmlns:a14="http://schemas.microsoft.com/office/drawing/2010/main" xmlns="" w="9525">
                 <a:solidFill>
                   <a:srgbClr val="000000"/>
                 </a:solidFill>
@@ -16516,7 +16497,7 @@
               <a:buFont typeface="Wingdings" charset="0"/>
               <a:buNone/>
             </a:pPr>
-            <a:endParaRPr lang="en-US" b="1" dirty="0"/>
+            <a:endParaRPr lang="en-US" b="1"/>
           </a:p>
           <a:p>
             <a:pPr marL="236538" indent="-236538" algn="l" defTabSz="814388">
@@ -16533,7 +16514,7 @@
               <a:buFont typeface="Wingdings" charset="0"/>
               <a:buChar char="§"/>
             </a:pPr>
-            <a:endParaRPr lang="fr-FR" b="1" dirty="0"/>
+            <a:endParaRPr lang="fr-FR" b="1"/>
           </a:p>
           <a:p>
             <a:pPr marL="236538" indent="-236538" algn="l" defTabSz="814388">
@@ -16551,11 +16532,7 @@
               <a:buChar char="§"/>
             </a:pPr>
             <a:r>
-              <a:rPr lang="fr-FR" b="1" dirty="0">
-                <a:highlight>
-                  <a:srgbClr val="00FF00"/>
-                </a:highlight>
-              </a:rPr>
+              <a:rPr lang="fr-FR" b="1"/>
               <a:t>False</a:t>
             </a:r>
           </a:p>
@@ -16572,7 +16549,7 @@
               </a:buClr>
               <a:buSzPct val="100000"/>
             </a:pPr>
-            <a:endParaRPr lang="fr-FR" b="1" dirty="0"/>
+            <a:endParaRPr lang="fr-FR" b="1"/>
           </a:p>
         </p:txBody>
       </p:sp>
@@ -16586,8 +16563,8 @@
         </p:nvSpPr>
         <p:spPr bwMode="auto">
           <a:xfrm>
-            <a:off x="827087" y="3731097"/>
-            <a:ext cx="7883525" cy="1242074"/>
+            <a:off x="687388" y="3733800"/>
+            <a:ext cx="7883525" cy="2019300"/>
           </a:xfrm>
           <a:prstGeom prst="rect">
             <a:avLst/>
@@ -16598,14 +16575,14 @@
           </a:ln>
           <a:extLst>
             <a:ext uri="{909E8E84-426E-40dd-AFC4-6F175D3DCCD1}">
-              <a14:hiddenFill xmlns="" xmlns:a14="http://schemas.microsoft.com/office/drawing/2010/main">
+              <a14:hiddenFill xmlns:a14="http://schemas.microsoft.com/office/drawing/2010/main" xmlns="">
                 <a:solidFill>
                   <a:srgbClr val="FFFFFF"/>
                 </a:solidFill>
               </a14:hiddenFill>
             </a:ext>
             <a:ext uri="{91240B29-F687-4f45-9708-019B960494DF}">
-              <a14:hiddenLine xmlns="" xmlns:a14="http://schemas.microsoft.com/office/drawing/2010/main" w="9525">
+              <a14:hiddenLine xmlns:a14="http://schemas.microsoft.com/office/drawing/2010/main" xmlns="" w="9525">
                 <a:solidFill>
                   <a:srgbClr val="000000"/>
                 </a:solidFill>
@@ -16634,7 +16611,7 @@
               <a:buFont typeface="Wingdings" charset="0"/>
               <a:buNone/>
             </a:pPr>
-            <a:endParaRPr lang="en-US" b="1" dirty="0"/>
+            <a:endParaRPr lang="en-US" b="1"/>
           </a:p>
           <a:p>
             <a:pPr marL="236538" indent="-236538" algn="l" defTabSz="814388">
@@ -16651,7 +16628,7 @@
               <a:buFont typeface="Wingdings" charset="0"/>
               <a:buChar char="§"/>
             </a:pPr>
-            <a:endParaRPr lang="fr-FR" b="1" dirty="0"/>
+            <a:endParaRPr lang="fr-FR" b="1"/>
           </a:p>
           <a:p>
             <a:pPr marL="236538" indent="-236538" algn="l" defTabSz="814388">
@@ -16669,25 +16646,24 @@
               <a:buChar char="§"/>
             </a:pPr>
             <a:r>
-              <a:rPr lang="fr-FR" b="1" dirty="0" err="1"/>
+              <a:rPr lang="fr-FR" b="1"/>
               <a:t>True</a:t>
             </a:r>
-            <a:endParaRPr lang="fr-FR" b="1" dirty="0"/>
-          </a:p>
-          <a:p>
-            <a:pPr marL="236538" indent="-236538" algn="l" defTabSz="814388">
-              <a:lnSpc>
-                <a:spcPct val="95000"/>
-              </a:lnSpc>
-              <a:spcBef>
-                <a:spcPct val="50000"/>
-              </a:spcBef>
-              <a:buClr>
-                <a:schemeClr val="tx2"/>
-              </a:buClr>
-              <a:buSzPct val="100000"/>
-            </a:pPr>
-            <a:endParaRPr lang="fr-FR" b="1" dirty="0"/>
+          </a:p>
+          <a:p>
+            <a:pPr marL="236538" indent="-236538" algn="l" defTabSz="814388">
+              <a:lnSpc>
+                <a:spcPct val="95000"/>
+              </a:lnSpc>
+              <a:spcBef>
+                <a:spcPct val="50000"/>
+              </a:spcBef>
+              <a:buClr>
+                <a:schemeClr val="tx2"/>
+              </a:buClr>
+              <a:buSzPct val="100000"/>
+            </a:pPr>
+            <a:endParaRPr lang="fr-FR" b="1"/>
           </a:p>
         </p:txBody>
       </p:sp>
@@ -16724,123 +16700,6 @@
       </p:grpSpPr>
       <p:sp>
         <p:nvSpPr>
-          <p:cNvPr id="16389" name="Rectangle 5"/>
-          <p:cNvSpPr>
-            <a:spLocks noChangeArrowheads="1"/>
-          </p:cNvSpPr>
-          <p:nvPr/>
-        </p:nvSpPr>
-        <p:spPr bwMode="auto">
-          <a:xfrm>
-            <a:off x="687388" y="3733800"/>
-            <a:ext cx="7883525" cy="2019300"/>
-          </a:xfrm>
-          <a:prstGeom prst="rect">
-            <a:avLst/>
-          </a:prstGeom>
-          <a:noFill/>
-          <a:ln>
-            <a:noFill/>
-          </a:ln>
-          <a:extLst>
-            <a:ext uri="{909E8E84-426E-40dd-AFC4-6F175D3DCCD1}">
-              <a14:hiddenFill xmlns="" xmlns:a14="http://schemas.microsoft.com/office/drawing/2010/main">
-                <a:solidFill>
-                  <a:srgbClr val="FFFFFF"/>
-                </a:solidFill>
-              </a14:hiddenFill>
-            </a:ext>
-            <a:ext uri="{91240B29-F687-4f45-9708-019B960494DF}">
-              <a14:hiddenLine xmlns="" xmlns:a14="http://schemas.microsoft.com/office/drawing/2010/main" w="9525">
-                <a:solidFill>
-                  <a:srgbClr val="000000"/>
-                </a:solidFill>
-                <a:miter lim="800000"/>
-                <a:headEnd/>
-                <a:tailEnd/>
-              </a14:hiddenLine>
-            </a:ext>
-          </a:extLst>
-        </p:spPr>
-        <p:txBody>
-          <a:bodyPr lIns="82124" tIns="41061" rIns="82124" bIns="41061"/>
-          <a:lstStyle/>
-          <a:p>
-            <a:pPr marL="236538" indent="-236538" algn="l" defTabSz="814388">
-              <a:lnSpc>
-                <a:spcPct val="95000"/>
-              </a:lnSpc>
-              <a:spcBef>
-                <a:spcPct val="50000"/>
-              </a:spcBef>
-              <a:buClr>
-                <a:schemeClr val="tx2"/>
-              </a:buClr>
-              <a:buSzPct val="100000"/>
-              <a:buFont typeface="Wingdings" charset="0"/>
-              <a:buNone/>
-            </a:pPr>
-            <a:r>
-              <a:rPr lang="en-US" b="1" dirty="0"/>
-              <a:t>			</a:t>
-            </a:r>
-          </a:p>
-          <a:p>
-            <a:pPr marL="236538" indent="-236538" algn="l" defTabSz="814388">
-              <a:lnSpc>
-                <a:spcPct val="95000"/>
-              </a:lnSpc>
-              <a:spcBef>
-                <a:spcPct val="50000"/>
-              </a:spcBef>
-              <a:buClr>
-                <a:schemeClr val="tx2"/>
-              </a:buClr>
-              <a:buSzPct val="100000"/>
-              <a:buFont typeface="Wingdings" charset="0"/>
-              <a:buChar char="§"/>
-            </a:pPr>
-            <a:endParaRPr lang="fr-FR" b="1" dirty="0"/>
-          </a:p>
-          <a:p>
-            <a:pPr marL="236538" indent="-236538" algn="l" defTabSz="814388">
-              <a:lnSpc>
-                <a:spcPct val="95000"/>
-              </a:lnSpc>
-              <a:spcBef>
-                <a:spcPct val="50000"/>
-              </a:spcBef>
-              <a:buClr>
-                <a:schemeClr val="tx2"/>
-              </a:buClr>
-              <a:buSzPct val="100000"/>
-              <a:buFont typeface="Wingdings" charset="0"/>
-              <a:buChar char="§"/>
-            </a:pPr>
-            <a:r>
-              <a:rPr lang="fr-FR" b="1" dirty="0"/>
-              <a:t>False</a:t>
-            </a:r>
-          </a:p>
-          <a:p>
-            <a:pPr marL="236538" indent="-236538" algn="l" defTabSz="814388">
-              <a:lnSpc>
-                <a:spcPct val="95000"/>
-              </a:lnSpc>
-              <a:spcBef>
-                <a:spcPct val="50000"/>
-              </a:spcBef>
-              <a:buClr>
-                <a:schemeClr val="tx2"/>
-              </a:buClr>
-              <a:buSzPct val="100000"/>
-            </a:pPr>
-            <a:endParaRPr lang="fr-FR" b="1" dirty="0"/>
-          </a:p>
-        </p:txBody>
-      </p:sp>
-      <p:sp>
-        <p:nvSpPr>
           <p:cNvPr id="16385" name="Rectangle 2"/>
           <p:cNvSpPr>
             <a:spLocks noGrp="1" noChangeArrowheads="1"/>
@@ -16893,14 +16752,14 @@
           </a:ln>
           <a:extLst>
             <a:ext uri="{909E8E84-426E-40dd-AFC4-6F175D3DCCD1}">
-              <a14:hiddenFill xmlns="" xmlns:a14="http://schemas.microsoft.com/office/drawing/2010/main">
+              <a14:hiddenFill xmlns:a14="http://schemas.microsoft.com/office/drawing/2010/main" xmlns="">
                 <a:solidFill>
                   <a:srgbClr val="FFFFFF"/>
                 </a:solidFill>
               </a14:hiddenFill>
             </a:ext>
             <a:ext uri="{91240B29-F687-4f45-9708-019B960494DF}">
-              <a14:hiddenLine xmlns="" xmlns:a14="http://schemas.microsoft.com/office/drawing/2010/main" w="9525">
+              <a14:hiddenLine xmlns:a14="http://schemas.microsoft.com/office/drawing/2010/main" xmlns="" w="9525">
                 <a:solidFill>
                   <a:srgbClr val="000000"/>
                 </a:solidFill>
@@ -16951,14 +16810,14 @@
           </a:ln>
           <a:extLst>
             <a:ext uri="{909E8E84-426E-40dd-AFC4-6F175D3DCCD1}">
-              <a14:hiddenFill xmlns="" xmlns:a14="http://schemas.microsoft.com/office/drawing/2010/main">
+              <a14:hiddenFill xmlns:a14="http://schemas.microsoft.com/office/drawing/2010/main" xmlns="">
                 <a:solidFill>
                   <a:srgbClr val="FFFFFF"/>
                 </a:solidFill>
               </a14:hiddenFill>
             </a:ext>
             <a:ext uri="{91240B29-F687-4f45-9708-019B960494DF}">
-              <a14:hiddenLine xmlns="" xmlns:a14="http://schemas.microsoft.com/office/drawing/2010/main" w="9525">
+              <a14:hiddenLine xmlns:a14="http://schemas.microsoft.com/office/drawing/2010/main" xmlns="" w="9525">
                 <a:solidFill>
                   <a:srgbClr val="000000"/>
                 </a:solidFill>
@@ -17100,14 +16959,14 @@
           </a:ln>
           <a:extLst>
             <a:ext uri="{909E8E84-426E-40dd-AFC4-6F175D3DCCD1}">
-              <a14:hiddenFill xmlns="" xmlns:a14="http://schemas.microsoft.com/office/drawing/2010/main">
+              <a14:hiddenFill xmlns:a14="http://schemas.microsoft.com/office/drawing/2010/main" xmlns="">
                 <a:solidFill>
                   <a:srgbClr val="FFFFFF"/>
                 </a:solidFill>
               </a14:hiddenFill>
             </a:ext>
             <a:ext uri="{91240B29-F687-4f45-9708-019B960494DF}">
-              <a14:hiddenLine xmlns="" xmlns:a14="http://schemas.microsoft.com/office/drawing/2010/main" w="9525">
+              <a14:hiddenLine xmlns:a14="http://schemas.microsoft.com/office/drawing/2010/main" xmlns="" w="9525">
                 <a:solidFill>
                   <a:srgbClr val="000000"/>
                 </a:solidFill>
@@ -17136,7 +16995,7 @@
               <a:buFont typeface="Wingdings" charset="0"/>
               <a:buNone/>
             </a:pPr>
-            <a:endParaRPr lang="en-US" b="1" dirty="0"/>
+            <a:endParaRPr lang="en-US" b="1"/>
           </a:p>
           <a:p>
             <a:pPr marL="236538" indent="-236538" algn="l" defTabSz="814388">
@@ -17153,7 +17012,7 @@
               <a:buFont typeface="Wingdings" charset="0"/>
               <a:buChar char="§"/>
             </a:pPr>
-            <a:endParaRPr lang="fr-FR" b="1" dirty="0"/>
+            <a:endParaRPr lang="fr-FR" b="1"/>
           </a:p>
           <a:p>
             <a:pPr marL="236538" indent="-236538" algn="l" defTabSz="814388">
@@ -17171,33 +17030,138 @@
               <a:buChar char="§"/>
             </a:pPr>
             <a:r>
-              <a:rPr lang="fr-FR" b="1" dirty="0" err="1">
-                <a:highlight>
-                  <a:srgbClr val="00FF00"/>
-                </a:highlight>
-              </a:rPr>
+              <a:rPr lang="fr-FR" b="1"/>
               <a:t>True</a:t>
             </a:r>
-            <a:endParaRPr lang="fr-FR" b="1" dirty="0">
-              <a:highlight>
-                <a:srgbClr val="00FF00"/>
-              </a:highlight>
-            </a:endParaRPr>
-          </a:p>
-          <a:p>
-            <a:pPr marL="236538" indent="-236538" algn="l" defTabSz="814388">
-              <a:lnSpc>
-                <a:spcPct val="95000"/>
-              </a:lnSpc>
-              <a:spcBef>
-                <a:spcPct val="50000"/>
-              </a:spcBef>
-              <a:buClr>
-                <a:schemeClr val="tx2"/>
-              </a:buClr>
-              <a:buSzPct val="100000"/>
-            </a:pPr>
-            <a:endParaRPr lang="fr-FR" b="1" dirty="0"/>
+          </a:p>
+          <a:p>
+            <a:pPr marL="236538" indent="-236538" algn="l" defTabSz="814388">
+              <a:lnSpc>
+                <a:spcPct val="95000"/>
+              </a:lnSpc>
+              <a:spcBef>
+                <a:spcPct val="50000"/>
+              </a:spcBef>
+              <a:buClr>
+                <a:schemeClr val="tx2"/>
+              </a:buClr>
+              <a:buSzPct val="100000"/>
+            </a:pPr>
+            <a:endParaRPr lang="fr-FR" b="1"/>
+          </a:p>
+        </p:txBody>
+      </p:sp>
+      <p:sp>
+        <p:nvSpPr>
+          <p:cNvPr id="16389" name="Rectangle 5"/>
+          <p:cNvSpPr>
+            <a:spLocks noChangeArrowheads="1"/>
+          </p:cNvSpPr>
+          <p:nvPr/>
+        </p:nvSpPr>
+        <p:spPr bwMode="auto">
+          <a:xfrm>
+            <a:off x="687388" y="3733800"/>
+            <a:ext cx="7883525" cy="2019300"/>
+          </a:xfrm>
+          <a:prstGeom prst="rect">
+            <a:avLst/>
+          </a:prstGeom>
+          <a:noFill/>
+          <a:ln>
+            <a:noFill/>
+          </a:ln>
+          <a:extLst>
+            <a:ext uri="{909E8E84-426E-40dd-AFC4-6F175D3DCCD1}">
+              <a14:hiddenFill xmlns:a14="http://schemas.microsoft.com/office/drawing/2010/main" xmlns="">
+                <a:solidFill>
+                  <a:srgbClr val="FFFFFF"/>
+                </a:solidFill>
+              </a14:hiddenFill>
+            </a:ext>
+            <a:ext uri="{91240B29-F687-4f45-9708-019B960494DF}">
+              <a14:hiddenLine xmlns:a14="http://schemas.microsoft.com/office/drawing/2010/main" xmlns="" w="9525">
+                <a:solidFill>
+                  <a:srgbClr val="000000"/>
+                </a:solidFill>
+                <a:miter lim="800000"/>
+                <a:headEnd/>
+                <a:tailEnd/>
+              </a14:hiddenLine>
+            </a:ext>
+          </a:extLst>
+        </p:spPr>
+        <p:txBody>
+          <a:bodyPr lIns="82124" tIns="41061" rIns="82124" bIns="41061"/>
+          <a:lstStyle/>
+          <a:p>
+            <a:pPr marL="236538" indent="-236538" algn="l" defTabSz="814388">
+              <a:lnSpc>
+                <a:spcPct val="95000"/>
+              </a:lnSpc>
+              <a:spcBef>
+                <a:spcPct val="50000"/>
+              </a:spcBef>
+              <a:buClr>
+                <a:schemeClr val="tx2"/>
+              </a:buClr>
+              <a:buSzPct val="100000"/>
+              <a:buFont typeface="Wingdings" charset="0"/>
+              <a:buNone/>
+            </a:pPr>
+            <a:endParaRPr lang="en-US" b="1"/>
+          </a:p>
+          <a:p>
+            <a:pPr marL="236538" indent="-236538" algn="l" defTabSz="814388">
+              <a:lnSpc>
+                <a:spcPct val="95000"/>
+              </a:lnSpc>
+              <a:spcBef>
+                <a:spcPct val="50000"/>
+              </a:spcBef>
+              <a:buClr>
+                <a:schemeClr val="tx2"/>
+              </a:buClr>
+              <a:buSzPct val="100000"/>
+              <a:buFont typeface="Wingdings" charset="0"/>
+              <a:buChar char="§"/>
+            </a:pPr>
+            <a:endParaRPr lang="fr-FR" b="1"/>
+          </a:p>
+          <a:p>
+            <a:pPr marL="236538" indent="-236538" algn="l" defTabSz="814388">
+              <a:lnSpc>
+                <a:spcPct val="95000"/>
+              </a:lnSpc>
+              <a:spcBef>
+                <a:spcPct val="50000"/>
+              </a:spcBef>
+              <a:buClr>
+                <a:schemeClr val="tx2"/>
+              </a:buClr>
+              <a:buSzPct val="100000"/>
+              <a:buFont typeface="Wingdings" charset="0"/>
+              <a:buChar char="§"/>
+            </a:pPr>
+            <a:r>
+              <a:rPr lang="fr-FR" b="1"/>
+              <a:t>False</a:t>
+            </a:r>
+          </a:p>
+          <a:p>
+            <a:pPr marL="236538" indent="-236538" algn="l" defTabSz="814388">
+              <a:lnSpc>
+                <a:spcPct val="95000"/>
+              </a:lnSpc>
+              <a:spcBef>
+                <a:spcPct val="50000"/>
+              </a:spcBef>
+              <a:buClr>
+                <a:schemeClr val="tx2"/>
+              </a:buClr>
+              <a:buSzPct val="100000"/>
+            </a:pPr>
+            <a:endParaRPr lang="fr-FR" b="1"/>
           </a:p>
         </p:txBody>
       </p:sp>
@@ -17286,14 +17250,14 @@
           </a:ln>
           <a:extLst>
             <a:ext uri="{909E8E84-426E-40dd-AFC4-6F175D3DCCD1}">
-              <a14:hiddenFill xmlns="" xmlns:a14="http://schemas.microsoft.com/office/drawing/2010/main">
+              <a14:hiddenFill xmlns:a14="http://schemas.microsoft.com/office/drawing/2010/main" xmlns="">
                 <a:solidFill>
                   <a:srgbClr val="FFFFFF"/>
                 </a:solidFill>
               </a14:hiddenFill>
             </a:ext>
             <a:ext uri="{91240B29-F687-4f45-9708-019B960494DF}">
-              <a14:hiddenLine xmlns="" xmlns:a14="http://schemas.microsoft.com/office/drawing/2010/main" w="9525">
+              <a14:hiddenLine xmlns:a14="http://schemas.microsoft.com/office/drawing/2010/main" xmlns="" w="9525">
                 <a:solidFill>
                   <a:srgbClr val="000000"/>
                 </a:solidFill>
@@ -17344,14 +17308,14 @@
           </a:ln>
           <a:extLst>
             <a:ext uri="{909E8E84-426E-40dd-AFC4-6F175D3DCCD1}">
-              <a14:hiddenFill xmlns="" xmlns:a14="http://schemas.microsoft.com/office/drawing/2010/main">
+              <a14:hiddenFill xmlns:a14="http://schemas.microsoft.com/office/drawing/2010/main" xmlns="">
                 <a:solidFill>
                   <a:srgbClr val="FFFFFF"/>
                 </a:solidFill>
               </a14:hiddenFill>
             </a:ext>
             <a:ext uri="{91240B29-F687-4f45-9708-019B960494DF}">
-              <a14:hiddenLine xmlns="" xmlns:a14="http://schemas.microsoft.com/office/drawing/2010/main" w="9525">
+              <a14:hiddenLine xmlns:a14="http://schemas.microsoft.com/office/drawing/2010/main" xmlns="" w="9525">
                 <a:solidFill>
                   <a:srgbClr val="000000"/>
                 </a:solidFill>
@@ -17524,6 +17488,120 @@
               <a:rPr lang="fr-FR" b="1" dirty="0"/>
               <a:t> </a:t>
             </a:r>
+          </a:p>
+        </p:txBody>
+      </p:sp>
+      <p:sp>
+        <p:nvSpPr>
+          <p:cNvPr id="17412" name="Rectangle 4"/>
+          <p:cNvSpPr>
+            <a:spLocks noChangeArrowheads="1"/>
+          </p:cNvSpPr>
+          <p:nvPr/>
+        </p:nvSpPr>
+        <p:spPr bwMode="auto">
+          <a:xfrm>
+            <a:off x="687388" y="3181350"/>
+            <a:ext cx="7883525" cy="2019300"/>
+          </a:xfrm>
+          <a:prstGeom prst="rect">
+            <a:avLst/>
+          </a:prstGeom>
+          <a:noFill/>
+          <a:ln>
+            <a:noFill/>
+          </a:ln>
+          <a:extLst>
+            <a:ext uri="{909E8E84-426E-40dd-AFC4-6F175D3DCCD1}">
+              <a14:hiddenFill xmlns:a14="http://schemas.microsoft.com/office/drawing/2010/main" xmlns="">
+                <a:solidFill>
+                  <a:srgbClr val="FFFFFF"/>
+                </a:solidFill>
+              </a14:hiddenFill>
+            </a:ext>
+            <a:ext uri="{91240B29-F687-4f45-9708-019B960494DF}">
+              <a14:hiddenLine xmlns:a14="http://schemas.microsoft.com/office/drawing/2010/main" xmlns="" w="9525">
+                <a:solidFill>
+                  <a:srgbClr val="000000"/>
+                </a:solidFill>
+                <a:miter lim="800000"/>
+                <a:headEnd/>
+                <a:tailEnd/>
+              </a14:hiddenLine>
+            </a:ext>
+          </a:extLst>
+        </p:spPr>
+        <p:txBody>
+          <a:bodyPr lIns="82124" tIns="41061" rIns="82124" bIns="41061"/>
+          <a:lstStyle/>
+          <a:p>
+            <a:pPr marL="236538" indent="-236538" algn="l" defTabSz="814388">
+              <a:lnSpc>
+                <a:spcPct val="95000"/>
+              </a:lnSpc>
+              <a:spcBef>
+                <a:spcPct val="50000"/>
+              </a:spcBef>
+              <a:buClr>
+                <a:schemeClr val="tx2"/>
+              </a:buClr>
+              <a:buSzPct val="100000"/>
+              <a:buFont typeface="Wingdings" charset="0"/>
+              <a:buNone/>
+            </a:pPr>
+            <a:endParaRPr lang="en-US" b="1"/>
+          </a:p>
+          <a:p>
+            <a:pPr marL="236538" indent="-236538" algn="l" defTabSz="814388">
+              <a:lnSpc>
+                <a:spcPct val="95000"/>
+              </a:lnSpc>
+              <a:spcBef>
+                <a:spcPct val="50000"/>
+              </a:spcBef>
+              <a:buClr>
+                <a:schemeClr val="tx2"/>
+              </a:buClr>
+              <a:buSzPct val="100000"/>
+              <a:buFont typeface="Wingdings" charset="0"/>
+              <a:buChar char="§"/>
+            </a:pPr>
+            <a:endParaRPr lang="fr-FR" b="1"/>
+          </a:p>
+          <a:p>
+            <a:pPr marL="236538" indent="-236538" algn="l" defTabSz="814388">
+              <a:lnSpc>
+                <a:spcPct val="95000"/>
+              </a:lnSpc>
+              <a:spcBef>
+                <a:spcPct val="50000"/>
+              </a:spcBef>
+              <a:buClr>
+                <a:schemeClr val="tx2"/>
+              </a:buClr>
+              <a:buSzPct val="100000"/>
+              <a:buFont typeface="Wingdings" charset="0"/>
+              <a:buChar char="§"/>
+            </a:pPr>
+            <a:r>
+              <a:rPr lang="fr-FR" b="1"/>
+              <a:t>True</a:t>
+            </a:r>
+          </a:p>
+          <a:p>
+            <a:pPr marL="236538" indent="-236538" algn="l" defTabSz="814388">
+              <a:lnSpc>
+                <a:spcPct val="95000"/>
+              </a:lnSpc>
+              <a:spcBef>
+                <a:spcPct val="50000"/>
+              </a:spcBef>
+              <a:buClr>
+                <a:schemeClr val="tx2"/>
+              </a:buClr>
+              <a:buSzPct val="100000"/>
+            </a:pPr>
+            <a:endParaRPr lang="fr-FR" b="1"/>
           </a:p>
         </p:txBody>
       </p:sp>
@@ -17549,14 +17627,14 @@
           </a:ln>
           <a:extLst>
             <a:ext uri="{909E8E84-426E-40dd-AFC4-6F175D3DCCD1}">
-              <a14:hiddenFill xmlns="" xmlns:a14="http://schemas.microsoft.com/office/drawing/2010/main">
+              <a14:hiddenFill xmlns:a14="http://schemas.microsoft.com/office/drawing/2010/main" xmlns="">
                 <a:solidFill>
                   <a:srgbClr val="FFFFFF"/>
                 </a:solidFill>
               </a14:hiddenFill>
             </a:ext>
             <a:ext uri="{91240B29-F687-4f45-9708-019B960494DF}">
-              <a14:hiddenLine xmlns="" xmlns:a14="http://schemas.microsoft.com/office/drawing/2010/main" w="9525">
+              <a14:hiddenLine xmlns:a14="http://schemas.microsoft.com/office/drawing/2010/main" xmlns="" w="9525">
                 <a:solidFill>
                   <a:srgbClr val="000000"/>
                 </a:solidFill>
@@ -17585,7 +17663,7 @@
               <a:buFont typeface="Wingdings" charset="0"/>
               <a:buNone/>
             </a:pPr>
-            <a:endParaRPr lang="en-US" b="1" dirty="0"/>
+            <a:endParaRPr lang="en-US" b="1"/>
           </a:p>
           <a:p>
             <a:pPr marL="236538" indent="-236538" algn="l" defTabSz="814388">
@@ -17602,7 +17680,7 @@
               <a:buFont typeface="Wingdings" charset="0"/>
               <a:buChar char="§"/>
             </a:pPr>
-            <a:endParaRPr lang="fr-FR" b="1" dirty="0"/>
+            <a:endParaRPr lang="fr-FR" b="1"/>
           </a:p>
           <a:p>
             <a:pPr marL="236538" indent="-236538" algn="l" defTabSz="814388">
@@ -17620,7 +17698,7 @@
               <a:buChar char="§"/>
             </a:pPr>
             <a:r>
-              <a:rPr lang="fr-FR" b="1" dirty="0"/>
+              <a:rPr lang="fr-FR" b="1"/>
               <a:t>False</a:t>
             </a:r>
           </a:p>
@@ -17637,142 +17715,7 @@
               </a:buClr>
               <a:buSzPct val="100000"/>
             </a:pPr>
-            <a:endParaRPr lang="fr-FR" b="1" dirty="0"/>
-          </a:p>
-        </p:txBody>
-      </p:sp>
-      <p:sp>
-        <p:nvSpPr>
-          <p:cNvPr id="17412" name="Rectangle 4"/>
-          <p:cNvSpPr>
-            <a:spLocks noChangeArrowheads="1"/>
-          </p:cNvSpPr>
-          <p:nvPr/>
-        </p:nvSpPr>
-        <p:spPr bwMode="auto">
-          <a:xfrm>
-            <a:off x="687388" y="3181350"/>
-            <a:ext cx="7883525" cy="2019300"/>
-          </a:xfrm>
-          <a:prstGeom prst="rect">
-            <a:avLst/>
-          </a:prstGeom>
-          <a:noFill/>
-          <a:ln>
-            <a:noFill/>
-          </a:ln>
-          <a:extLst>
-            <a:ext uri="{909E8E84-426E-40dd-AFC4-6F175D3DCCD1}">
-              <a14:hiddenFill xmlns="" xmlns:a14="http://schemas.microsoft.com/office/drawing/2010/main">
-                <a:solidFill>
-                  <a:srgbClr val="FFFFFF"/>
-                </a:solidFill>
-              </a14:hiddenFill>
-            </a:ext>
-            <a:ext uri="{91240B29-F687-4f45-9708-019B960494DF}">
-              <a14:hiddenLine xmlns="" xmlns:a14="http://schemas.microsoft.com/office/drawing/2010/main" w="9525">
-                <a:solidFill>
-                  <a:srgbClr val="000000"/>
-                </a:solidFill>
-                <a:miter lim="800000"/>
-                <a:headEnd/>
-                <a:tailEnd/>
-              </a14:hiddenLine>
-            </a:ext>
-          </a:extLst>
-        </p:spPr>
-        <p:txBody>
-          <a:bodyPr lIns="82124" tIns="41061" rIns="82124" bIns="41061"/>
-          <a:lstStyle/>
-          <a:p>
-            <a:pPr marL="236538" indent="-236538" algn="l" defTabSz="814388">
-              <a:lnSpc>
-                <a:spcPct val="95000"/>
-              </a:lnSpc>
-              <a:spcBef>
-                <a:spcPct val="50000"/>
-              </a:spcBef>
-              <a:buClr>
-                <a:schemeClr val="tx2"/>
-              </a:buClr>
-              <a:buSzPct val="100000"/>
-              <a:buFont typeface="Wingdings" charset="0"/>
-              <a:buNone/>
-            </a:pPr>
-            <a:endParaRPr lang="en-US" b="1" dirty="0">
-              <a:highlight>
-                <a:srgbClr val="00FF00"/>
-              </a:highlight>
-            </a:endParaRPr>
-          </a:p>
-          <a:p>
-            <a:pPr marL="236538" indent="-236538" algn="l" defTabSz="814388">
-              <a:lnSpc>
-                <a:spcPct val="95000"/>
-              </a:lnSpc>
-              <a:spcBef>
-                <a:spcPct val="50000"/>
-              </a:spcBef>
-              <a:buClr>
-                <a:schemeClr val="tx2"/>
-              </a:buClr>
-              <a:buSzPct val="100000"/>
-              <a:buFont typeface="Wingdings" charset="0"/>
-              <a:buChar char="§"/>
-            </a:pPr>
-            <a:endParaRPr lang="fr-FR" b="1" dirty="0">
-              <a:highlight>
-                <a:srgbClr val="00FF00"/>
-              </a:highlight>
-            </a:endParaRPr>
-          </a:p>
-          <a:p>
-            <a:pPr marL="236538" indent="-236538" algn="l" defTabSz="814388">
-              <a:lnSpc>
-                <a:spcPct val="95000"/>
-              </a:lnSpc>
-              <a:spcBef>
-                <a:spcPct val="50000"/>
-              </a:spcBef>
-              <a:buClr>
-                <a:schemeClr val="tx2"/>
-              </a:buClr>
-              <a:buSzPct val="100000"/>
-              <a:buFont typeface="Wingdings" charset="0"/>
-              <a:buChar char="§"/>
-            </a:pPr>
-            <a:r>
-              <a:rPr lang="fr-FR" b="1" dirty="0" err="1">
-                <a:highlight>
-                  <a:srgbClr val="00FF00"/>
-                </a:highlight>
-              </a:rPr>
-              <a:t>True</a:t>
-            </a:r>
-            <a:endParaRPr lang="fr-FR" b="1" dirty="0">
-              <a:highlight>
-                <a:srgbClr val="00FF00"/>
-              </a:highlight>
-            </a:endParaRPr>
-          </a:p>
-          <a:p>
-            <a:pPr marL="236538" indent="-236538" algn="l" defTabSz="814388">
-              <a:lnSpc>
-                <a:spcPct val="95000"/>
-              </a:lnSpc>
-              <a:spcBef>
-                <a:spcPct val="50000"/>
-              </a:spcBef>
-              <a:buClr>
-                <a:schemeClr val="tx2"/>
-              </a:buClr>
-              <a:buSzPct val="100000"/>
-            </a:pPr>
-            <a:endParaRPr lang="fr-FR" b="1" dirty="0">
-              <a:highlight>
-                <a:srgbClr val="00FF00"/>
-              </a:highlight>
-            </a:endParaRPr>
+            <a:endParaRPr lang="fr-FR" b="1"/>
           </a:p>
         </p:txBody>
       </p:sp>
@@ -17861,14 +17804,14 @@
           </a:ln>
           <a:extLst>
             <a:ext uri="{909E8E84-426E-40dd-AFC4-6F175D3DCCD1}">
-              <a14:hiddenFill xmlns="" xmlns:a14="http://schemas.microsoft.com/office/drawing/2010/main">
+              <a14:hiddenFill xmlns:a14="http://schemas.microsoft.com/office/drawing/2010/main" xmlns="">
                 <a:solidFill>
                   <a:srgbClr val="FFFFFF"/>
                 </a:solidFill>
               </a14:hiddenFill>
             </a:ext>
             <a:ext uri="{91240B29-F687-4f45-9708-019B960494DF}">
-              <a14:hiddenLine xmlns="" xmlns:a14="http://schemas.microsoft.com/office/drawing/2010/main" w="9525">
+              <a14:hiddenLine xmlns:a14="http://schemas.microsoft.com/office/drawing/2010/main" xmlns="" w="9525">
                 <a:solidFill>
                   <a:srgbClr val="000000"/>
                 </a:solidFill>
@@ -17919,14 +17862,14 @@
           </a:ln>
           <a:extLst>
             <a:ext uri="{909E8E84-426E-40dd-AFC4-6F175D3DCCD1}">
-              <a14:hiddenFill xmlns="" xmlns:a14="http://schemas.microsoft.com/office/drawing/2010/main">
+              <a14:hiddenFill xmlns:a14="http://schemas.microsoft.com/office/drawing/2010/main" xmlns="">
                 <a:solidFill>
                   <a:srgbClr val="FFFFFF"/>
                 </a:solidFill>
               </a14:hiddenFill>
             </a:ext>
             <a:ext uri="{91240B29-F687-4f45-9708-019B960494DF}">
-              <a14:hiddenLine xmlns="" xmlns:a14="http://schemas.microsoft.com/office/drawing/2010/main" w="9525">
+              <a14:hiddenLine xmlns:a14="http://schemas.microsoft.com/office/drawing/2010/main" xmlns="" w="9525">
                 <a:solidFill>
                   <a:srgbClr val="000000"/>
                 </a:solidFill>
@@ -18080,14 +18023,14 @@
           </a:ln>
           <a:extLst>
             <a:ext uri="{909E8E84-426E-40dd-AFC4-6F175D3DCCD1}">
-              <a14:hiddenFill xmlns="" xmlns:a14="http://schemas.microsoft.com/office/drawing/2010/main">
+              <a14:hiddenFill xmlns:a14="http://schemas.microsoft.com/office/drawing/2010/main" xmlns="">
                 <a:solidFill>
                   <a:srgbClr val="FFFFFF"/>
                 </a:solidFill>
               </a14:hiddenFill>
             </a:ext>
             <a:ext uri="{91240B29-F687-4f45-9708-019B960494DF}">
-              <a14:hiddenLine xmlns="" xmlns:a14="http://schemas.microsoft.com/office/drawing/2010/main" w="9525">
+              <a14:hiddenLine xmlns:a14="http://schemas.microsoft.com/office/drawing/2010/main" xmlns="" w="9525">
                 <a:solidFill>
                   <a:srgbClr val="000000"/>
                 </a:solidFill>
@@ -18116,7 +18059,7 @@
               <a:buFont typeface="Wingdings" charset="0"/>
               <a:buNone/>
             </a:pPr>
-            <a:endParaRPr lang="en-US" b="1" dirty="0"/>
+            <a:endParaRPr lang="en-US" b="1"/>
           </a:p>
           <a:p>
             <a:pPr marL="236538" indent="-236538" algn="l" defTabSz="814388">
@@ -18133,7 +18076,7 @@
               <a:buFont typeface="Wingdings" charset="0"/>
               <a:buChar char="§"/>
             </a:pPr>
-            <a:endParaRPr lang="fr-FR" b="1" dirty="0"/>
+            <a:endParaRPr lang="fr-FR" b="1"/>
           </a:p>
           <a:p>
             <a:pPr marL="236538" indent="-236538" algn="l" defTabSz="814388">
@@ -18151,33 +18094,24 @@
               <a:buChar char="§"/>
             </a:pPr>
             <a:r>
-              <a:rPr lang="fr-FR" b="1" dirty="0" err="1">
-                <a:highlight>
-                  <a:srgbClr val="00FF00"/>
-                </a:highlight>
-              </a:rPr>
+              <a:rPr lang="fr-FR" b="1"/>
               <a:t>True</a:t>
             </a:r>
-            <a:endParaRPr lang="fr-FR" b="1" dirty="0">
-              <a:highlight>
-                <a:srgbClr val="00FF00"/>
-              </a:highlight>
-            </a:endParaRPr>
-          </a:p>
-          <a:p>
-            <a:pPr marL="236538" indent="-236538" algn="l" defTabSz="814388">
-              <a:lnSpc>
-                <a:spcPct val="95000"/>
-              </a:lnSpc>
-              <a:spcBef>
-                <a:spcPct val="50000"/>
-              </a:spcBef>
-              <a:buClr>
-                <a:schemeClr val="tx2"/>
-              </a:buClr>
-              <a:buSzPct val="100000"/>
-            </a:pPr>
-            <a:endParaRPr lang="fr-FR" b="1" dirty="0"/>
+          </a:p>
+          <a:p>
+            <a:pPr marL="236538" indent="-236538" algn="l" defTabSz="814388">
+              <a:lnSpc>
+                <a:spcPct val="95000"/>
+              </a:lnSpc>
+              <a:spcBef>
+                <a:spcPct val="50000"/>
+              </a:spcBef>
+              <a:buClr>
+                <a:schemeClr val="tx2"/>
+              </a:buClr>
+              <a:buSzPct val="100000"/>
+            </a:pPr>
+            <a:endParaRPr lang="fr-FR" b="1"/>
           </a:p>
         </p:txBody>
       </p:sp>
@@ -18191,7 +18125,7 @@
         </p:nvSpPr>
         <p:spPr bwMode="auto">
           <a:xfrm>
-            <a:off x="687388" y="3600450"/>
+            <a:off x="687388" y="3733800"/>
             <a:ext cx="7883525" cy="2019300"/>
           </a:xfrm>
           <a:prstGeom prst="rect">
@@ -18203,14 +18137,14 @@
           </a:ln>
           <a:extLst>
             <a:ext uri="{909E8E84-426E-40dd-AFC4-6F175D3DCCD1}">
-              <a14:hiddenFill xmlns="" xmlns:a14="http://schemas.microsoft.com/office/drawing/2010/main">
+              <a14:hiddenFill xmlns:a14="http://schemas.microsoft.com/office/drawing/2010/main" xmlns="">
                 <a:solidFill>
                   <a:srgbClr val="FFFFFF"/>
                 </a:solidFill>
               </a14:hiddenFill>
             </a:ext>
             <a:ext uri="{91240B29-F687-4f45-9708-019B960494DF}">
-              <a14:hiddenLine xmlns="" xmlns:a14="http://schemas.microsoft.com/office/drawing/2010/main" w="9525">
+              <a14:hiddenLine xmlns:a14="http://schemas.microsoft.com/office/drawing/2010/main" xmlns="" w="9525">
                 <a:solidFill>
                   <a:srgbClr val="000000"/>
                 </a:solidFill>
@@ -18239,7 +18173,7 @@
               <a:buFont typeface="Wingdings" charset="0"/>
               <a:buNone/>
             </a:pPr>
-            <a:endParaRPr lang="en-US" b="1" dirty="0"/>
+            <a:endParaRPr lang="en-US" b="1"/>
           </a:p>
           <a:p>
             <a:pPr marL="236538" indent="-236538" algn="l" defTabSz="814388">
@@ -18256,7 +18190,7 @@
               <a:buFont typeface="Wingdings" charset="0"/>
               <a:buChar char="§"/>
             </a:pPr>
-            <a:endParaRPr lang="fr-FR" b="1" dirty="0"/>
+            <a:endParaRPr lang="fr-FR" b="1"/>
           </a:p>
           <a:p>
             <a:pPr marL="236538" indent="-236538" algn="l" defTabSz="814388">
@@ -18274,7 +18208,7 @@
               <a:buChar char="§"/>
             </a:pPr>
             <a:r>
-              <a:rPr lang="fr-FR" b="1" dirty="0"/>
+              <a:rPr lang="fr-FR" b="1"/>
               <a:t>False</a:t>
             </a:r>
           </a:p>
@@ -18291,7 +18225,7 @@
               </a:buClr>
               <a:buSzPct val="100000"/>
             </a:pPr>
-            <a:endParaRPr lang="fr-FR" b="1" dirty="0"/>
+            <a:endParaRPr lang="fr-FR" b="1"/>
           </a:p>
         </p:txBody>
       </p:sp>
@@ -18380,14 +18314,14 @@
           </a:ln>
           <a:extLst>
             <a:ext uri="{909E8E84-426E-40dd-AFC4-6F175D3DCCD1}">
-              <a14:hiddenFill xmlns="" xmlns:a14="http://schemas.microsoft.com/office/drawing/2010/main">
+              <a14:hiddenFill xmlns:a14="http://schemas.microsoft.com/office/drawing/2010/main" xmlns="">
                 <a:solidFill>
                   <a:srgbClr val="FFFFFF"/>
                 </a:solidFill>
               </a14:hiddenFill>
             </a:ext>
             <a:ext uri="{91240B29-F687-4f45-9708-019B960494DF}">
-              <a14:hiddenLine xmlns="" xmlns:a14="http://schemas.microsoft.com/office/drawing/2010/main" w="9525">
+              <a14:hiddenLine xmlns:a14="http://schemas.microsoft.com/office/drawing/2010/main" xmlns="" w="9525">
                 <a:solidFill>
                   <a:srgbClr val="000000"/>
                 </a:solidFill>
@@ -18438,14 +18372,14 @@
           </a:ln>
           <a:extLst>
             <a:ext uri="{909E8E84-426E-40dd-AFC4-6F175D3DCCD1}">
-              <a14:hiddenFill xmlns="" xmlns:a14="http://schemas.microsoft.com/office/drawing/2010/main">
+              <a14:hiddenFill xmlns:a14="http://schemas.microsoft.com/office/drawing/2010/main" xmlns="">
                 <a:solidFill>
                   <a:srgbClr val="FFFFFF"/>
                 </a:solidFill>
               </a14:hiddenFill>
             </a:ext>
             <a:ext uri="{91240B29-F687-4f45-9708-019B960494DF}">
-              <a14:hiddenLine xmlns="" xmlns:a14="http://schemas.microsoft.com/office/drawing/2010/main" w="9525">
+              <a14:hiddenLine xmlns:a14="http://schemas.microsoft.com/office/drawing/2010/main" xmlns="" w="9525">
                 <a:solidFill>
                   <a:srgbClr val="000000"/>
                 </a:solidFill>
@@ -18603,14 +18537,14 @@
           </a:ln>
           <a:extLst>
             <a:ext uri="{909E8E84-426E-40dd-AFC4-6F175D3DCCD1}">
-              <a14:hiddenFill xmlns="" xmlns:a14="http://schemas.microsoft.com/office/drawing/2010/main">
+              <a14:hiddenFill xmlns:a14="http://schemas.microsoft.com/office/drawing/2010/main" xmlns="">
                 <a:solidFill>
                   <a:srgbClr val="FFFFFF"/>
                 </a:solidFill>
               </a14:hiddenFill>
             </a:ext>
             <a:ext uri="{91240B29-F687-4f45-9708-019B960494DF}">
-              <a14:hiddenLine xmlns="" xmlns:a14="http://schemas.microsoft.com/office/drawing/2010/main" w="9525">
+              <a14:hiddenLine xmlns:a14="http://schemas.microsoft.com/office/drawing/2010/main" xmlns="" w="9525">
                 <a:solidFill>
                   <a:srgbClr val="000000"/>
                 </a:solidFill>
@@ -18717,14 +18651,14 @@
           </a:ln>
           <a:extLst>
             <a:ext uri="{909E8E84-426E-40dd-AFC4-6F175D3DCCD1}">
-              <a14:hiddenFill xmlns="" xmlns:a14="http://schemas.microsoft.com/office/drawing/2010/main">
+              <a14:hiddenFill xmlns:a14="http://schemas.microsoft.com/office/drawing/2010/main" xmlns="">
                 <a:solidFill>
                   <a:srgbClr val="FFFFFF"/>
                 </a:solidFill>
               </a14:hiddenFill>
             </a:ext>
             <a:ext uri="{91240B29-F687-4f45-9708-019B960494DF}">
-              <a14:hiddenLine xmlns="" xmlns:a14="http://schemas.microsoft.com/office/drawing/2010/main" w="9525">
+              <a14:hiddenLine xmlns:a14="http://schemas.microsoft.com/office/drawing/2010/main" xmlns="" w="9525">
                 <a:solidFill>
                   <a:srgbClr val="000000"/>
                 </a:solidFill>
@@ -18753,7 +18687,7 @@
               <a:buFont typeface="Wingdings" charset="0"/>
               <a:buNone/>
             </a:pPr>
-            <a:endParaRPr lang="en-US" b="1" dirty="0"/>
+            <a:endParaRPr lang="en-US" b="1"/>
           </a:p>
           <a:p>
             <a:pPr marL="236538" indent="-236538" algn="l" defTabSz="814388">
@@ -18770,7 +18704,7 @@
               <a:buFont typeface="Wingdings" charset="0"/>
               <a:buChar char="§"/>
             </a:pPr>
-            <a:endParaRPr lang="fr-FR" b="1" dirty="0"/>
+            <a:endParaRPr lang="fr-FR" b="1"/>
           </a:p>
           <a:p>
             <a:pPr marL="236538" indent="-236538" algn="l" defTabSz="814388">
@@ -18788,11 +18722,7 @@
               <a:buChar char="§"/>
             </a:pPr>
             <a:r>
-              <a:rPr lang="fr-FR" b="1" dirty="0">
-                <a:highlight>
-                  <a:srgbClr val="00FF00"/>
-                </a:highlight>
-              </a:rPr>
+              <a:rPr lang="fr-FR" b="1"/>
               <a:t>False</a:t>
             </a:r>
           </a:p>
@@ -18809,7 +18739,7 @@
               </a:buClr>
               <a:buSzPct val="100000"/>
             </a:pPr>
-            <a:endParaRPr lang="fr-FR" b="1" dirty="0"/>
+            <a:endParaRPr lang="fr-FR" b="1"/>
           </a:p>
         </p:txBody>
       </p:sp>
@@ -18898,14 +18828,14 @@
           </a:ln>
           <a:extLst>
             <a:ext uri="{909E8E84-426E-40dd-AFC4-6F175D3DCCD1}">
-              <a14:hiddenFill xmlns="" xmlns:a14="http://schemas.microsoft.com/office/drawing/2010/main">
+              <a14:hiddenFill xmlns:a14="http://schemas.microsoft.com/office/drawing/2010/main" xmlns="">
                 <a:solidFill>
                   <a:srgbClr val="FFFFFF"/>
                 </a:solidFill>
               </a14:hiddenFill>
             </a:ext>
             <a:ext uri="{91240B29-F687-4f45-9708-019B960494DF}">
-              <a14:hiddenLine xmlns="" xmlns:a14="http://schemas.microsoft.com/office/drawing/2010/main" w="9525">
+              <a14:hiddenLine xmlns:a14="http://schemas.microsoft.com/office/drawing/2010/main" xmlns="" w="9525">
                 <a:solidFill>
                   <a:srgbClr val="000000"/>
                 </a:solidFill>
@@ -18956,14 +18886,14 @@
           </a:ln>
           <a:extLst>
             <a:ext uri="{909E8E84-426E-40dd-AFC4-6F175D3DCCD1}">
-              <a14:hiddenFill xmlns="" xmlns:a14="http://schemas.microsoft.com/office/drawing/2010/main">
+              <a14:hiddenFill xmlns:a14="http://schemas.microsoft.com/office/drawing/2010/main" xmlns="">
                 <a:solidFill>
                   <a:srgbClr val="FFFFFF"/>
                 </a:solidFill>
               </a14:hiddenFill>
             </a:ext>
             <a:ext uri="{91240B29-F687-4f45-9708-019B960494DF}">
-              <a14:hiddenLine xmlns="" xmlns:a14="http://schemas.microsoft.com/office/drawing/2010/main" w="9525">
+              <a14:hiddenLine xmlns:a14="http://schemas.microsoft.com/office/drawing/2010/main" xmlns="" w="9525">
                 <a:solidFill>
                   <a:srgbClr val="000000"/>
                 </a:solidFill>
@@ -19239,14 +19169,14 @@
           </a:ln>
           <a:extLst>
             <a:ext uri="{909E8E84-426E-40dd-AFC4-6F175D3DCCD1}">
-              <a14:hiddenFill xmlns="" xmlns:a14="http://schemas.microsoft.com/office/drawing/2010/main">
+              <a14:hiddenFill xmlns:a14="http://schemas.microsoft.com/office/drawing/2010/main" xmlns="">
                 <a:solidFill>
                   <a:srgbClr val="FFFFFF"/>
                 </a:solidFill>
               </a14:hiddenFill>
             </a:ext>
             <a:ext uri="{91240B29-F687-4f45-9708-019B960494DF}">
-              <a14:hiddenLine xmlns="" xmlns:a14="http://schemas.microsoft.com/office/drawing/2010/main" w="9525">
+              <a14:hiddenLine xmlns:a14="http://schemas.microsoft.com/office/drawing/2010/main" xmlns="" w="9525">
                 <a:solidFill>
                   <a:srgbClr val="000000"/>
                 </a:solidFill>
@@ -19297,14 +19227,14 @@
           </a:ln>
           <a:extLst>
             <a:ext uri="{909E8E84-426E-40dd-AFC4-6F175D3DCCD1}">
-              <a14:hiddenFill xmlns="" xmlns:a14="http://schemas.microsoft.com/office/drawing/2010/main">
+              <a14:hiddenFill xmlns:a14="http://schemas.microsoft.com/office/drawing/2010/main" xmlns="">
                 <a:solidFill>
                   <a:srgbClr val="FFFFFF"/>
                 </a:solidFill>
               </a14:hiddenFill>
             </a:ext>
             <a:ext uri="{91240B29-F687-4f45-9708-019B960494DF}">
-              <a14:hiddenLine xmlns="" xmlns:a14="http://schemas.microsoft.com/office/drawing/2010/main" w="9525">
+              <a14:hiddenLine xmlns:a14="http://schemas.microsoft.com/office/drawing/2010/main" xmlns="" w="9525">
                 <a:solidFill>
                   <a:srgbClr val="000000"/>
                 </a:solidFill>
@@ -19613,14 +19543,14 @@
           </a:ln>
           <a:extLst>
             <a:ext uri="{909E8E84-426E-40dd-AFC4-6F175D3DCCD1}">
-              <a14:hiddenFill xmlns="" xmlns:a14="http://schemas.microsoft.com/office/drawing/2010/main">
+              <a14:hiddenFill xmlns:a14="http://schemas.microsoft.com/office/drawing/2010/main" xmlns="">
                 <a:solidFill>
                   <a:srgbClr val="FFFFFF"/>
                 </a:solidFill>
               </a14:hiddenFill>
             </a:ext>
             <a:ext uri="{91240B29-F687-4f45-9708-019B960494DF}">
-              <a14:hiddenLine xmlns="" xmlns:a14="http://schemas.microsoft.com/office/drawing/2010/main" w="9525">
+              <a14:hiddenLine xmlns:a14="http://schemas.microsoft.com/office/drawing/2010/main" xmlns="" w="9525">
                 <a:solidFill>
                   <a:srgbClr val="000000"/>
                 </a:solidFill>
@@ -19671,14 +19601,14 @@
           </a:ln>
           <a:extLst>
             <a:ext uri="{909E8E84-426E-40dd-AFC4-6F175D3DCCD1}">
-              <a14:hiddenFill xmlns="" xmlns:a14="http://schemas.microsoft.com/office/drawing/2010/main">
+              <a14:hiddenFill xmlns:a14="http://schemas.microsoft.com/office/drawing/2010/main" xmlns="">
                 <a:solidFill>
                   <a:srgbClr val="FFFFFF"/>
                 </a:solidFill>
               </a14:hiddenFill>
             </a:ext>
             <a:ext uri="{91240B29-F687-4f45-9708-019B960494DF}">
-              <a14:hiddenLine xmlns="" xmlns:a14="http://schemas.microsoft.com/office/drawing/2010/main" w="9525">
+              <a14:hiddenLine xmlns:a14="http://schemas.microsoft.com/office/drawing/2010/main" xmlns="" w="9525">
                 <a:solidFill>
                   <a:srgbClr val="000000"/>
                 </a:solidFill>
@@ -19972,14 +19902,14 @@
           </a:ln>
           <a:extLst>
             <a:ext uri="{909E8E84-426E-40dd-AFC4-6F175D3DCCD1}">
-              <a14:hiddenFill xmlns="" xmlns:a14="http://schemas.microsoft.com/office/drawing/2010/main">
+              <a14:hiddenFill xmlns:a14="http://schemas.microsoft.com/office/drawing/2010/main" xmlns="">
                 <a:solidFill>
                   <a:srgbClr val="FFFFFF"/>
                 </a:solidFill>
               </a14:hiddenFill>
             </a:ext>
             <a:ext uri="{91240B29-F687-4f45-9708-019B960494DF}">
-              <a14:hiddenLine xmlns="" xmlns:a14="http://schemas.microsoft.com/office/drawing/2010/main" w="9525">
+              <a14:hiddenLine xmlns:a14="http://schemas.microsoft.com/office/drawing/2010/main" xmlns="" w="9525">
                 <a:solidFill>
                   <a:srgbClr val="000000"/>
                 </a:solidFill>
@@ -20030,14 +19960,14 @@
           </a:ln>
           <a:extLst>
             <a:ext uri="{909E8E84-426E-40dd-AFC4-6F175D3DCCD1}">
-              <a14:hiddenFill xmlns="" xmlns:a14="http://schemas.microsoft.com/office/drawing/2010/main">
+              <a14:hiddenFill xmlns:a14="http://schemas.microsoft.com/office/drawing/2010/main" xmlns="">
                 <a:solidFill>
                   <a:srgbClr val="FFFFFF"/>
                 </a:solidFill>
               </a14:hiddenFill>
             </a:ext>
             <a:ext uri="{91240B29-F687-4f45-9708-019B960494DF}">
-              <a14:hiddenLine xmlns="" xmlns:a14="http://schemas.microsoft.com/office/drawing/2010/main" w="9525">
+              <a14:hiddenLine xmlns:a14="http://schemas.microsoft.com/office/drawing/2010/main" xmlns="" w="9525">
                 <a:solidFill>
                   <a:srgbClr val="000000"/>
                 </a:solidFill>
@@ -20385,14 +20315,14 @@
           </a:ln>
           <a:extLst>
             <a:ext uri="{909E8E84-426E-40dd-AFC4-6F175D3DCCD1}">
-              <a14:hiddenFill xmlns="" xmlns:a14="http://schemas.microsoft.com/office/drawing/2010/main">
+              <a14:hiddenFill xmlns:a14="http://schemas.microsoft.com/office/drawing/2010/main" xmlns="">
                 <a:solidFill>
                   <a:srgbClr val="FFFFFF"/>
                 </a:solidFill>
               </a14:hiddenFill>
             </a:ext>
             <a:ext uri="{91240B29-F687-4f45-9708-019B960494DF}">
-              <a14:hiddenLine xmlns="" xmlns:a14="http://schemas.microsoft.com/office/drawing/2010/main" w="9525">
+              <a14:hiddenLine xmlns:a14="http://schemas.microsoft.com/office/drawing/2010/main" xmlns="" w="9525">
                 <a:solidFill>
                   <a:srgbClr val="000000"/>
                 </a:solidFill>
@@ -20443,14 +20373,14 @@
           </a:ln>
           <a:extLst>
             <a:ext uri="{909E8E84-426E-40dd-AFC4-6F175D3DCCD1}">
-              <a14:hiddenFill xmlns="" xmlns:a14="http://schemas.microsoft.com/office/drawing/2010/main">
+              <a14:hiddenFill xmlns:a14="http://schemas.microsoft.com/office/drawing/2010/main" xmlns="">
                 <a:solidFill>
                   <a:srgbClr val="FFFFFF"/>
                 </a:solidFill>
               </a14:hiddenFill>
             </a:ext>
             <a:ext uri="{91240B29-F687-4f45-9708-019B960494DF}">
-              <a14:hiddenLine xmlns="" xmlns:a14="http://schemas.microsoft.com/office/drawing/2010/main" w="9525">
+              <a14:hiddenLine xmlns:a14="http://schemas.microsoft.com/office/drawing/2010/main" xmlns="" w="9525">
                 <a:solidFill>
                   <a:srgbClr val="000000"/>
                 </a:solidFill>
@@ -20743,14 +20673,14 @@
           </a:ln>
           <a:extLst>
             <a:ext uri="{909E8E84-426E-40dd-AFC4-6F175D3DCCD1}">
-              <a14:hiddenFill xmlns="" xmlns:a14="http://schemas.microsoft.com/office/drawing/2010/main">
+              <a14:hiddenFill xmlns:a14="http://schemas.microsoft.com/office/drawing/2010/main" xmlns="">
                 <a:solidFill>
                   <a:srgbClr val="FFFFFF"/>
                 </a:solidFill>
               </a14:hiddenFill>
             </a:ext>
             <a:ext uri="{91240B29-F687-4f45-9708-019B960494DF}">
-              <a14:hiddenLine xmlns="" xmlns:a14="http://schemas.microsoft.com/office/drawing/2010/main" w="9525">
+              <a14:hiddenLine xmlns:a14="http://schemas.microsoft.com/office/drawing/2010/main" xmlns="" w="9525">
                 <a:solidFill>
                   <a:srgbClr val="000000"/>
                 </a:solidFill>
@@ -20801,14 +20731,14 @@
           </a:ln>
           <a:extLst>
             <a:ext uri="{909E8E84-426E-40dd-AFC4-6F175D3DCCD1}">
-              <a14:hiddenFill xmlns="" xmlns:a14="http://schemas.microsoft.com/office/drawing/2010/main">
+              <a14:hiddenFill xmlns:a14="http://schemas.microsoft.com/office/drawing/2010/main" xmlns="">
                 <a:solidFill>
                   <a:srgbClr val="FFFFFF"/>
                 </a:solidFill>
               </a14:hiddenFill>
             </a:ext>
             <a:ext uri="{91240B29-F687-4f45-9708-019B960494DF}">
-              <a14:hiddenLine xmlns="" xmlns:a14="http://schemas.microsoft.com/office/drawing/2010/main" w="9525">
+              <a14:hiddenLine xmlns:a14="http://schemas.microsoft.com/office/drawing/2010/main" xmlns="" w="9525">
                 <a:solidFill>
                   <a:srgbClr val="000000"/>
                 </a:solidFill>
@@ -21085,14 +21015,14 @@
           </a:ln>
           <a:extLst>
             <a:ext uri="{909E8E84-426E-40dd-AFC4-6F175D3DCCD1}">
-              <a14:hiddenFill xmlns="" xmlns:a14="http://schemas.microsoft.com/office/drawing/2010/main">
+              <a14:hiddenFill xmlns:a14="http://schemas.microsoft.com/office/drawing/2010/main" xmlns="">
                 <a:solidFill>
                   <a:srgbClr val="FFFFFF"/>
                 </a:solidFill>
               </a14:hiddenFill>
             </a:ext>
             <a:ext uri="{91240B29-F687-4f45-9708-019B960494DF}">
-              <a14:hiddenLine xmlns="" xmlns:a14="http://schemas.microsoft.com/office/drawing/2010/main" w="9525">
+              <a14:hiddenLine xmlns:a14="http://schemas.microsoft.com/office/drawing/2010/main" xmlns="" w="9525">
                 <a:solidFill>
                   <a:srgbClr val="000000"/>
                 </a:solidFill>
@@ -21143,14 +21073,14 @@
           </a:ln>
           <a:extLst>
             <a:ext uri="{909E8E84-426E-40dd-AFC4-6F175D3DCCD1}">
-              <a14:hiddenFill xmlns="" xmlns:a14="http://schemas.microsoft.com/office/drawing/2010/main">
+              <a14:hiddenFill xmlns:a14="http://schemas.microsoft.com/office/drawing/2010/main" xmlns="">
                 <a:solidFill>
                   <a:srgbClr val="FFFFFF"/>
                 </a:solidFill>
               </a14:hiddenFill>
             </a:ext>
             <a:ext uri="{91240B29-F687-4f45-9708-019B960494DF}">
-              <a14:hiddenLine xmlns="" xmlns:a14="http://schemas.microsoft.com/office/drawing/2010/main" w="9525">
+              <a14:hiddenLine xmlns:a14="http://schemas.microsoft.com/office/drawing/2010/main" xmlns="" w="9525">
                 <a:solidFill>
                   <a:srgbClr val="000000"/>
                 </a:solidFill>
@@ -21422,14 +21352,14 @@
           </a:ln>
           <a:extLst>
             <a:ext uri="{909E8E84-426E-40dd-AFC4-6F175D3DCCD1}">
-              <a14:hiddenFill xmlns="" xmlns:a14="http://schemas.microsoft.com/office/drawing/2010/main">
+              <a14:hiddenFill xmlns:a14="http://schemas.microsoft.com/office/drawing/2010/main" xmlns="">
                 <a:solidFill>
                   <a:srgbClr val="FFFFFF"/>
                 </a:solidFill>
               </a14:hiddenFill>
             </a:ext>
             <a:ext uri="{91240B29-F687-4f45-9708-019B960494DF}">
-              <a14:hiddenLine xmlns="" xmlns:a14="http://schemas.microsoft.com/office/drawing/2010/main" w="9525">
+              <a14:hiddenLine xmlns:a14="http://schemas.microsoft.com/office/drawing/2010/main" xmlns="" w="9525">
                 <a:solidFill>
                   <a:srgbClr val="000000"/>
                 </a:solidFill>
@@ -21480,14 +21410,14 @@
           </a:ln>
           <a:extLst>
             <a:ext uri="{909E8E84-426E-40dd-AFC4-6F175D3DCCD1}">
-              <a14:hiddenFill xmlns="" xmlns:a14="http://schemas.microsoft.com/office/drawing/2010/main">
+              <a14:hiddenFill xmlns:a14="http://schemas.microsoft.com/office/drawing/2010/main" xmlns="">
                 <a:solidFill>
                   <a:srgbClr val="FFFFFF"/>
                 </a:solidFill>
               </a14:hiddenFill>
             </a:ext>
             <a:ext uri="{91240B29-F687-4f45-9708-019B960494DF}">
-              <a14:hiddenLine xmlns="" xmlns:a14="http://schemas.microsoft.com/office/drawing/2010/main" w="9525">
+              <a14:hiddenLine xmlns:a14="http://schemas.microsoft.com/office/drawing/2010/main" xmlns="" w="9525">
                 <a:solidFill>
                   <a:srgbClr val="000000"/>
                 </a:solidFill>
@@ -21794,14 +21724,14 @@
           </a:ln>
           <a:extLst>
             <a:ext uri="{909E8E84-426E-40dd-AFC4-6F175D3DCCD1}">
-              <a14:hiddenFill xmlns="" xmlns:a14="http://schemas.microsoft.com/office/drawing/2010/main">
+              <a14:hiddenFill xmlns:a14="http://schemas.microsoft.com/office/drawing/2010/main" xmlns="">
                 <a:solidFill>
                   <a:srgbClr val="FFFFFF"/>
                 </a:solidFill>
               </a14:hiddenFill>
             </a:ext>
             <a:ext uri="{91240B29-F687-4f45-9708-019B960494DF}">
-              <a14:hiddenLine xmlns="" xmlns:a14="http://schemas.microsoft.com/office/drawing/2010/main" w="9525">
+              <a14:hiddenLine xmlns:a14="http://schemas.microsoft.com/office/drawing/2010/main" xmlns="" w="9525">
                 <a:solidFill>
                   <a:srgbClr val="000000"/>
                 </a:solidFill>
@@ -21852,14 +21782,14 @@
           </a:ln>
           <a:extLst>
             <a:ext uri="{909E8E84-426E-40dd-AFC4-6F175D3DCCD1}">
-              <a14:hiddenFill xmlns="" xmlns:a14="http://schemas.microsoft.com/office/drawing/2010/main">
+              <a14:hiddenFill xmlns:a14="http://schemas.microsoft.com/office/drawing/2010/main" xmlns="">
                 <a:solidFill>
                   <a:srgbClr val="FFFFFF"/>
                 </a:solidFill>
               </a14:hiddenFill>
             </a:ext>
             <a:ext uri="{91240B29-F687-4f45-9708-019B960494DF}">
-              <a14:hiddenLine xmlns="" xmlns:a14="http://schemas.microsoft.com/office/drawing/2010/main" w="9525">
+              <a14:hiddenLine xmlns:a14="http://schemas.microsoft.com/office/drawing/2010/main" xmlns="" w="9525">
                 <a:solidFill>
                   <a:srgbClr val="000000"/>
                 </a:solidFill>
@@ -22131,14 +22061,14 @@
           </a:ln>
           <a:extLst>
             <a:ext uri="{909E8E84-426E-40dd-AFC4-6F175D3DCCD1}">
-              <a14:hiddenFill xmlns="" xmlns:a14="http://schemas.microsoft.com/office/drawing/2010/main">
+              <a14:hiddenFill xmlns:a14="http://schemas.microsoft.com/office/drawing/2010/main" xmlns="">
                 <a:solidFill>
                   <a:srgbClr val="FFFFFF"/>
                 </a:solidFill>
               </a14:hiddenFill>
             </a:ext>
             <a:ext uri="{91240B29-F687-4f45-9708-019B960494DF}">
-              <a14:hiddenLine xmlns="" xmlns:a14="http://schemas.microsoft.com/office/drawing/2010/main" w="9525">
+              <a14:hiddenLine xmlns:a14="http://schemas.microsoft.com/office/drawing/2010/main" xmlns="" w="9525">
                 <a:solidFill>
                   <a:srgbClr val="000000"/>
                 </a:solidFill>
@@ -22189,14 +22119,14 @@
           </a:ln>
           <a:extLst>
             <a:ext uri="{909E8E84-426E-40dd-AFC4-6F175D3DCCD1}">
-              <a14:hiddenFill xmlns="" xmlns:a14="http://schemas.microsoft.com/office/drawing/2010/main">
+              <a14:hiddenFill xmlns:a14="http://schemas.microsoft.com/office/drawing/2010/main" xmlns="">
                 <a:solidFill>
                   <a:srgbClr val="FFFFFF"/>
                 </a:solidFill>
               </a14:hiddenFill>
             </a:ext>
             <a:ext uri="{91240B29-F687-4f45-9708-019B960494DF}">
-              <a14:hiddenLine xmlns="" xmlns:a14="http://schemas.microsoft.com/office/drawing/2010/main" w="9525">
+              <a14:hiddenLine xmlns:a14="http://schemas.microsoft.com/office/drawing/2010/main" xmlns="" w="9525">
                 <a:solidFill>
                   <a:srgbClr val="000000"/>
                 </a:solidFill>
@@ -22486,14 +22416,14 @@
           </a:ln>
           <a:extLst>
             <a:ext uri="{909E8E84-426E-40dd-AFC4-6F175D3DCCD1}">
-              <a14:hiddenFill xmlns="" xmlns:a14="http://schemas.microsoft.com/office/drawing/2010/main">
+              <a14:hiddenFill xmlns:a14="http://schemas.microsoft.com/office/drawing/2010/main" xmlns="">
                 <a:solidFill>
                   <a:srgbClr val="FFFFFF"/>
                 </a:solidFill>
               </a14:hiddenFill>
             </a:ext>
             <a:ext uri="{91240B29-F687-4f45-9708-019B960494DF}">
-              <a14:hiddenLine xmlns="" xmlns:a14="http://schemas.microsoft.com/office/drawing/2010/main" w="9525">
+              <a14:hiddenLine xmlns:a14="http://schemas.microsoft.com/office/drawing/2010/main" xmlns="" w="9525">
                 <a:solidFill>
                   <a:srgbClr val="000000"/>
                 </a:solidFill>
@@ -22544,14 +22474,14 @@
           </a:ln>
           <a:extLst>
             <a:ext uri="{909E8E84-426E-40dd-AFC4-6F175D3DCCD1}">
-              <a14:hiddenFill xmlns="" xmlns:a14="http://schemas.microsoft.com/office/drawing/2010/main">
+              <a14:hiddenFill xmlns:a14="http://schemas.microsoft.com/office/drawing/2010/main" xmlns="">
                 <a:solidFill>
                   <a:srgbClr val="FFFFFF"/>
                 </a:solidFill>
               </a14:hiddenFill>
             </a:ext>
             <a:ext uri="{91240B29-F687-4f45-9708-019B960494DF}">
-              <a14:hiddenLine xmlns="" xmlns:a14="http://schemas.microsoft.com/office/drawing/2010/main" w="9525">
+              <a14:hiddenLine xmlns:a14="http://schemas.microsoft.com/office/drawing/2010/main" xmlns="" w="9525">
                 <a:solidFill>
                   <a:srgbClr val="000000"/>
                 </a:solidFill>
@@ -22771,14 +22701,14 @@
           </a:ln>
           <a:extLst>
             <a:ext uri="{909E8E84-426E-40dd-AFC4-6F175D3DCCD1}">
-              <a14:hiddenFill xmlns="" xmlns:a14="http://schemas.microsoft.com/office/drawing/2010/main">
+              <a14:hiddenFill xmlns:a14="http://schemas.microsoft.com/office/drawing/2010/main" xmlns="">
                 <a:solidFill>
                   <a:srgbClr val="FFFFFF"/>
                 </a:solidFill>
               </a14:hiddenFill>
             </a:ext>
             <a:ext uri="{91240B29-F687-4f45-9708-019B960494DF}">
-              <a14:hiddenLine xmlns="" xmlns:a14="http://schemas.microsoft.com/office/drawing/2010/main" w="9525">
+              <a14:hiddenLine xmlns:a14="http://schemas.microsoft.com/office/drawing/2010/main" xmlns="" w="9525">
                 <a:solidFill>
                   <a:srgbClr val="000000"/>
                 </a:solidFill>
@@ -22829,14 +22759,14 @@
           </a:ln>
           <a:extLst>
             <a:ext uri="{909E8E84-426E-40dd-AFC4-6F175D3DCCD1}">
-              <a14:hiddenFill xmlns="" xmlns:a14="http://schemas.microsoft.com/office/drawing/2010/main">
+              <a14:hiddenFill xmlns:a14="http://schemas.microsoft.com/office/drawing/2010/main" xmlns="">
                 <a:solidFill>
                   <a:srgbClr val="FFFFFF"/>
                 </a:solidFill>
               </a14:hiddenFill>
             </a:ext>
             <a:ext uri="{91240B29-F687-4f45-9708-019B960494DF}">
-              <a14:hiddenLine xmlns="" xmlns:a14="http://schemas.microsoft.com/office/drawing/2010/main" w="9525">
+              <a14:hiddenLine xmlns:a14="http://schemas.microsoft.com/office/drawing/2010/main" xmlns="" w="9525">
                 <a:solidFill>
                   <a:srgbClr val="000000"/>
                 </a:solidFill>
@@ -23048,14 +22978,14 @@
           </a:ln>
           <a:extLst>
             <a:ext uri="{909E8E84-426E-40dd-AFC4-6F175D3DCCD1}">
-              <a14:hiddenFill xmlns="" xmlns:a14="http://schemas.microsoft.com/office/drawing/2010/main">
+              <a14:hiddenFill xmlns:a14="http://schemas.microsoft.com/office/drawing/2010/main" xmlns="">
                 <a:solidFill>
                   <a:srgbClr val="FFFFFF"/>
                 </a:solidFill>
               </a14:hiddenFill>
             </a:ext>
             <a:ext uri="{91240B29-F687-4f45-9708-019B960494DF}">
-              <a14:hiddenLine xmlns="" xmlns:a14="http://schemas.microsoft.com/office/drawing/2010/main" w="9525">
+              <a14:hiddenLine xmlns:a14="http://schemas.microsoft.com/office/drawing/2010/main" xmlns="" w="9525">
                 <a:solidFill>
                   <a:srgbClr val="000000"/>
                 </a:solidFill>
@@ -23106,14 +23036,14 @@
           </a:ln>
           <a:extLst>
             <a:ext uri="{909E8E84-426E-40dd-AFC4-6F175D3DCCD1}">
-              <a14:hiddenFill xmlns="" xmlns:a14="http://schemas.microsoft.com/office/drawing/2010/main">
+              <a14:hiddenFill xmlns:a14="http://schemas.microsoft.com/office/drawing/2010/main" xmlns="">
                 <a:solidFill>
                   <a:srgbClr val="FFFFFF"/>
                 </a:solidFill>
               </a14:hiddenFill>
             </a:ext>
             <a:ext uri="{91240B29-F687-4f45-9708-019B960494DF}">
-              <a14:hiddenLine xmlns="" xmlns:a14="http://schemas.microsoft.com/office/drawing/2010/main" w="9525">
+              <a14:hiddenLine xmlns:a14="http://schemas.microsoft.com/office/drawing/2010/main" xmlns="" w="9525">
                 <a:solidFill>
                   <a:srgbClr val="000000"/>
                 </a:solidFill>
@@ -23345,14 +23275,14 @@
           </a:ln>
           <a:extLst>
             <a:ext uri="{909E8E84-426E-40dd-AFC4-6F175D3DCCD1}">
-              <a14:hiddenFill xmlns="" xmlns:a14="http://schemas.microsoft.com/office/drawing/2010/main">
+              <a14:hiddenFill xmlns:a14="http://schemas.microsoft.com/office/drawing/2010/main" xmlns="">
                 <a:solidFill>
                   <a:srgbClr val="FFFFFF"/>
                 </a:solidFill>
               </a14:hiddenFill>
             </a:ext>
             <a:ext uri="{91240B29-F687-4f45-9708-019B960494DF}">
-              <a14:hiddenLine xmlns="" xmlns:a14="http://schemas.microsoft.com/office/drawing/2010/main" w="9525">
+              <a14:hiddenLine xmlns:a14="http://schemas.microsoft.com/office/drawing/2010/main" xmlns="" w="9525">
                 <a:solidFill>
                   <a:srgbClr val="000000"/>
                 </a:solidFill>
@@ -23403,14 +23333,14 @@
           </a:ln>
           <a:extLst>
             <a:ext uri="{909E8E84-426E-40dd-AFC4-6F175D3DCCD1}">
-              <a14:hiddenFill xmlns="" xmlns:a14="http://schemas.microsoft.com/office/drawing/2010/main">
+              <a14:hiddenFill xmlns:a14="http://schemas.microsoft.com/office/drawing/2010/main" xmlns="">
                 <a:solidFill>
                   <a:srgbClr val="FFFFFF"/>
                 </a:solidFill>
               </a14:hiddenFill>
             </a:ext>
             <a:ext uri="{91240B29-F687-4f45-9708-019B960494DF}">
-              <a14:hiddenLine xmlns="" xmlns:a14="http://schemas.microsoft.com/office/drawing/2010/main" w="9525">
+              <a14:hiddenLine xmlns:a14="http://schemas.microsoft.com/office/drawing/2010/main" xmlns="" w="9525">
                 <a:solidFill>
                   <a:srgbClr val="000000"/>
                 </a:solidFill>
@@ -23642,14 +23572,14 @@
           </a:ln>
           <a:extLst>
             <a:ext uri="{909E8E84-426E-40dd-AFC4-6F175D3DCCD1}">
-              <a14:hiddenFill xmlns="" xmlns:a14="http://schemas.microsoft.com/office/drawing/2010/main">
+              <a14:hiddenFill xmlns:a14="http://schemas.microsoft.com/office/drawing/2010/main" xmlns="">
                 <a:solidFill>
                   <a:srgbClr val="FFFFFF"/>
                 </a:solidFill>
               </a14:hiddenFill>
             </a:ext>
             <a:ext uri="{91240B29-F687-4f45-9708-019B960494DF}">
-              <a14:hiddenLine xmlns="" xmlns:a14="http://schemas.microsoft.com/office/drawing/2010/main" w="9525">
+              <a14:hiddenLine xmlns:a14="http://schemas.microsoft.com/office/drawing/2010/main" xmlns="" w="9525">
                 <a:solidFill>
                   <a:srgbClr val="000000"/>
                 </a:solidFill>
@@ -23700,14 +23630,14 @@
           </a:ln>
           <a:extLst>
             <a:ext uri="{909E8E84-426E-40dd-AFC4-6F175D3DCCD1}">
-              <a14:hiddenFill xmlns="" xmlns:a14="http://schemas.microsoft.com/office/drawing/2010/main">
+              <a14:hiddenFill xmlns:a14="http://schemas.microsoft.com/office/drawing/2010/main" xmlns="">
                 <a:solidFill>
                   <a:srgbClr val="FFFFFF"/>
                 </a:solidFill>
               </a14:hiddenFill>
             </a:ext>
             <a:ext uri="{91240B29-F687-4f45-9708-019B960494DF}">
-              <a14:hiddenLine xmlns="" xmlns:a14="http://schemas.microsoft.com/office/drawing/2010/main" w="9525">
+              <a14:hiddenLine xmlns:a14="http://schemas.microsoft.com/office/drawing/2010/main" xmlns="" w="9525">
                 <a:solidFill>
                   <a:srgbClr val="000000"/>
                 </a:solidFill>
@@ -23854,14 +23784,14 @@
           </a:ln>
           <a:extLst>
             <a:ext uri="{909E8E84-426E-40dd-AFC4-6F175D3DCCD1}">
-              <a14:hiddenFill xmlns="" xmlns:a14="http://schemas.microsoft.com/office/drawing/2010/main">
+              <a14:hiddenFill xmlns:a14="http://schemas.microsoft.com/office/drawing/2010/main" xmlns="">
                 <a:solidFill>
                   <a:srgbClr val="FFFFFF"/>
                 </a:solidFill>
               </a14:hiddenFill>
             </a:ext>
             <a:ext uri="{91240B29-F687-4f45-9708-019B960494DF}">
-              <a14:hiddenLine xmlns="" xmlns:a14="http://schemas.microsoft.com/office/drawing/2010/main" w="9525">
+              <a14:hiddenLine xmlns:a14="http://schemas.microsoft.com/office/drawing/2010/main" xmlns="" w="9525">
                 <a:solidFill>
                   <a:srgbClr val="000000"/>
                 </a:solidFill>
@@ -23968,14 +23898,14 @@
           </a:ln>
           <a:extLst>
             <a:ext uri="{909E8E84-426E-40dd-AFC4-6F175D3DCCD1}">
-              <a14:hiddenFill xmlns="" xmlns:a14="http://schemas.microsoft.com/office/drawing/2010/main">
+              <a14:hiddenFill xmlns:a14="http://schemas.microsoft.com/office/drawing/2010/main" xmlns="">
                 <a:solidFill>
                   <a:srgbClr val="FFFFFF"/>
                 </a:solidFill>
               </a14:hiddenFill>
             </a:ext>
             <a:ext uri="{91240B29-F687-4f45-9708-019B960494DF}">
-              <a14:hiddenLine xmlns="" xmlns:a14="http://schemas.microsoft.com/office/drawing/2010/main" w="9525">
+              <a14:hiddenLine xmlns:a14="http://schemas.microsoft.com/office/drawing/2010/main" xmlns="" w="9525">
                 <a:solidFill>
                   <a:srgbClr val="000000"/>
                 </a:solidFill>
@@ -24004,7 +23934,7 @@
               <a:buFont typeface="Wingdings" charset="0"/>
               <a:buNone/>
             </a:pPr>
-            <a:endParaRPr lang="en-US" b="1" dirty="0"/>
+            <a:endParaRPr lang="en-US" b="1"/>
           </a:p>
           <a:p>
             <a:pPr marL="236538" indent="-236538" algn="l" defTabSz="814388">
@@ -24021,7 +23951,7 @@
               <a:buFont typeface="Wingdings" charset="0"/>
               <a:buChar char="§"/>
             </a:pPr>
-            <a:endParaRPr lang="fr-FR" b="1" dirty="0"/>
+            <a:endParaRPr lang="fr-FR" b="1"/>
           </a:p>
           <a:p>
             <a:pPr marL="236538" indent="-236538" algn="l" defTabSz="814388">
@@ -24039,33 +23969,24 @@
               <a:buChar char="§"/>
             </a:pPr>
             <a:r>
-              <a:rPr lang="fr-FR" b="1" dirty="0" err="1">
-                <a:highlight>
-                  <a:srgbClr val="00FF00"/>
-                </a:highlight>
-              </a:rPr>
+              <a:rPr lang="fr-FR" b="1"/>
               <a:t>True</a:t>
             </a:r>
-            <a:endParaRPr lang="fr-FR" b="1" dirty="0">
-              <a:highlight>
-                <a:srgbClr val="00FF00"/>
-              </a:highlight>
-            </a:endParaRPr>
-          </a:p>
-          <a:p>
-            <a:pPr marL="236538" indent="-236538" algn="l" defTabSz="814388">
-              <a:lnSpc>
-                <a:spcPct val="95000"/>
-              </a:lnSpc>
-              <a:spcBef>
-                <a:spcPct val="50000"/>
-              </a:spcBef>
-              <a:buClr>
-                <a:schemeClr val="tx2"/>
-              </a:buClr>
-              <a:buSzPct val="100000"/>
-            </a:pPr>
-            <a:endParaRPr lang="fr-FR" b="1" dirty="0"/>
+          </a:p>
+          <a:p>
+            <a:pPr marL="236538" indent="-236538" algn="l" defTabSz="814388">
+              <a:lnSpc>
+                <a:spcPct val="95000"/>
+              </a:lnSpc>
+              <a:spcBef>
+                <a:spcPct val="50000"/>
+              </a:spcBef>
+              <a:buClr>
+                <a:schemeClr val="tx2"/>
+              </a:buClr>
+              <a:buSzPct val="100000"/>
+            </a:pPr>
+            <a:endParaRPr lang="fr-FR" b="1"/>
           </a:p>
         </p:txBody>
       </p:sp>
@@ -24237,14 +24158,14 @@
           </a:ln>
           <a:extLst>
             <a:ext uri="{909E8E84-426E-40dd-AFC4-6F175D3DCCD1}">
-              <a14:hiddenFill xmlns="" xmlns:a14="http://schemas.microsoft.com/office/drawing/2010/main">
+              <a14:hiddenFill xmlns:a14="http://schemas.microsoft.com/office/drawing/2010/main" xmlns="">
                 <a:solidFill>
                   <a:srgbClr val="FFFFFF"/>
                 </a:solidFill>
               </a14:hiddenFill>
             </a:ext>
             <a:ext uri="{91240B29-F687-4f45-9708-019B960494DF}">
-              <a14:hiddenLine xmlns="" xmlns:a14="http://schemas.microsoft.com/office/drawing/2010/main" w="9525">
+              <a14:hiddenLine xmlns:a14="http://schemas.microsoft.com/office/drawing/2010/main" xmlns="" w="9525">
                 <a:solidFill>
                   <a:srgbClr val="000000"/>
                 </a:solidFill>
@@ -24295,14 +24216,14 @@
           </a:ln>
           <a:extLst>
             <a:ext uri="{909E8E84-426E-40dd-AFC4-6F175D3DCCD1}">
-              <a14:hiddenFill xmlns="" xmlns:a14="http://schemas.microsoft.com/office/drawing/2010/main">
+              <a14:hiddenFill xmlns:a14="http://schemas.microsoft.com/office/drawing/2010/main" xmlns="">
                 <a:solidFill>
                   <a:srgbClr val="FFFFFF"/>
                 </a:solidFill>
               </a14:hiddenFill>
             </a:ext>
             <a:ext uri="{91240B29-F687-4f45-9708-019B960494DF}">
-              <a14:hiddenLine xmlns="" xmlns:a14="http://schemas.microsoft.com/office/drawing/2010/main" w="9525">
+              <a14:hiddenLine xmlns:a14="http://schemas.microsoft.com/office/drawing/2010/main" xmlns="" w="9525">
                 <a:solidFill>
                   <a:srgbClr val="000000"/>
                 </a:solidFill>
@@ -24513,14 +24434,14 @@
           </a:ln>
           <a:extLst>
             <a:ext uri="{909E8E84-426E-40dd-AFC4-6F175D3DCCD1}">
-              <a14:hiddenFill xmlns="" xmlns:a14="http://schemas.microsoft.com/office/drawing/2010/main">
+              <a14:hiddenFill xmlns:a14="http://schemas.microsoft.com/office/drawing/2010/main" xmlns="">
                 <a:solidFill>
                   <a:srgbClr val="FFFFFF"/>
                 </a:solidFill>
               </a14:hiddenFill>
             </a:ext>
             <a:ext uri="{91240B29-F687-4f45-9708-019B960494DF}">
-              <a14:hiddenLine xmlns="" xmlns:a14="http://schemas.microsoft.com/office/drawing/2010/main" w="9525">
+              <a14:hiddenLine xmlns:a14="http://schemas.microsoft.com/office/drawing/2010/main" xmlns="" w="9525">
                 <a:solidFill>
                   <a:srgbClr val="000000"/>
                 </a:solidFill>
@@ -24627,14 +24548,14 @@
           </a:ln>
           <a:extLst>
             <a:ext uri="{909E8E84-426E-40dd-AFC4-6F175D3DCCD1}">
-              <a14:hiddenFill xmlns="" xmlns:a14="http://schemas.microsoft.com/office/drawing/2010/main">
+              <a14:hiddenFill xmlns:a14="http://schemas.microsoft.com/office/drawing/2010/main" xmlns="">
                 <a:solidFill>
                   <a:srgbClr val="FFFFFF"/>
                 </a:solidFill>
               </a14:hiddenFill>
             </a:ext>
             <a:ext uri="{91240B29-F687-4f45-9708-019B960494DF}">
-              <a14:hiddenLine xmlns="" xmlns:a14="http://schemas.microsoft.com/office/drawing/2010/main" w="9525">
+              <a14:hiddenLine xmlns:a14="http://schemas.microsoft.com/office/drawing/2010/main" xmlns="" w="9525">
                 <a:solidFill>
                   <a:srgbClr val="000000"/>
                 </a:solidFill>
@@ -24663,7 +24584,7 @@
               <a:buFont typeface="Wingdings" charset="0"/>
               <a:buNone/>
             </a:pPr>
-            <a:endParaRPr lang="en-US" b="1" dirty="0"/>
+            <a:endParaRPr lang="en-US" b="1"/>
           </a:p>
           <a:p>
             <a:pPr marL="236538" indent="-236538" algn="l" defTabSz="814388">
@@ -24680,7 +24601,7 @@
               <a:buFont typeface="Wingdings" charset="0"/>
               <a:buChar char="§"/>
             </a:pPr>
-            <a:endParaRPr lang="fr-FR" b="1" dirty="0"/>
+            <a:endParaRPr lang="fr-FR" b="1"/>
           </a:p>
           <a:p>
             <a:pPr marL="236538" indent="-236538" algn="l" defTabSz="814388">
@@ -24698,33 +24619,24 @@
               <a:buChar char="§"/>
             </a:pPr>
             <a:r>
-              <a:rPr lang="fr-FR" b="1" dirty="0" err="1">
-                <a:highlight>
-                  <a:srgbClr val="00FF00"/>
-                </a:highlight>
-              </a:rPr>
+              <a:rPr lang="fr-FR" b="1"/>
               <a:t>True</a:t>
             </a:r>
-            <a:endParaRPr lang="fr-FR" b="1" dirty="0">
-              <a:highlight>
-                <a:srgbClr val="00FF00"/>
-              </a:highlight>
-            </a:endParaRPr>
-          </a:p>
-          <a:p>
-            <a:pPr marL="236538" indent="-236538" algn="l" defTabSz="814388">
-              <a:lnSpc>
-                <a:spcPct val="95000"/>
-              </a:lnSpc>
-              <a:spcBef>
-                <a:spcPct val="50000"/>
-              </a:spcBef>
-              <a:buClr>
-                <a:schemeClr val="tx2"/>
-              </a:buClr>
-              <a:buSzPct val="100000"/>
-            </a:pPr>
-            <a:endParaRPr lang="fr-FR" b="1" dirty="0"/>
+          </a:p>
+          <a:p>
+            <a:pPr marL="236538" indent="-236538" algn="l" defTabSz="814388">
+              <a:lnSpc>
+                <a:spcPct val="95000"/>
+              </a:lnSpc>
+              <a:spcBef>
+                <a:spcPct val="50000"/>
+              </a:spcBef>
+              <a:buClr>
+                <a:schemeClr val="tx2"/>
+              </a:buClr>
+              <a:buSzPct val="100000"/>
+            </a:pPr>
+            <a:endParaRPr lang="fr-FR" b="1"/>
           </a:p>
         </p:txBody>
       </p:sp>
@@ -24781,7 +24693,7 @@
           <a:p>
             <a:pPr eaLnBrk="1" hangingPunct="1"/>
             <a:r>
-              <a:rPr lang="en-US" dirty="0">
+              <a:rPr lang="en-US">
                 <a:latin typeface="Arial" charset="0"/>
                 <a:ea typeface="ＭＳ Ｐゴシック" charset="0"/>
                 <a:cs typeface="ＭＳ Ｐゴシック" charset="0"/>
@@ -24813,14 +24725,14 @@
           </a:ln>
           <a:extLst>
             <a:ext uri="{909E8E84-426E-40dd-AFC4-6F175D3DCCD1}">
-              <a14:hiddenFill xmlns="" xmlns:a14="http://schemas.microsoft.com/office/drawing/2010/main">
+              <a14:hiddenFill xmlns:a14="http://schemas.microsoft.com/office/drawing/2010/main" xmlns="">
                 <a:solidFill>
                   <a:srgbClr val="FFFFFF"/>
                 </a:solidFill>
               </a14:hiddenFill>
             </a:ext>
             <a:ext uri="{91240B29-F687-4f45-9708-019B960494DF}">
-              <a14:hiddenLine xmlns="" xmlns:a14="http://schemas.microsoft.com/office/drawing/2010/main" w="9525">
+              <a14:hiddenLine xmlns:a14="http://schemas.microsoft.com/office/drawing/2010/main" xmlns="" w="9525">
                 <a:solidFill>
                   <a:srgbClr val="000000"/>
                 </a:solidFill>
@@ -24871,14 +24783,14 @@
           </a:ln>
           <a:extLst>
             <a:ext uri="{909E8E84-426E-40dd-AFC4-6F175D3DCCD1}">
-              <a14:hiddenFill xmlns="" xmlns:a14="http://schemas.microsoft.com/office/drawing/2010/main">
+              <a14:hiddenFill xmlns:a14="http://schemas.microsoft.com/office/drawing/2010/main" xmlns="">
                 <a:solidFill>
                   <a:srgbClr val="FFFFFF"/>
                 </a:solidFill>
               </a14:hiddenFill>
             </a:ext>
             <a:ext uri="{91240B29-F687-4f45-9708-019B960494DF}">
-              <a14:hiddenLine xmlns="" xmlns:a14="http://schemas.microsoft.com/office/drawing/2010/main" w="9525">
+              <a14:hiddenLine xmlns:a14="http://schemas.microsoft.com/office/drawing/2010/main" xmlns="" w="9525">
                 <a:solidFill>
                   <a:srgbClr val="000000"/>
                 </a:solidFill>
@@ -25038,14 +24950,14 @@
           </a:ln>
           <a:extLst>
             <a:ext uri="{909E8E84-426E-40dd-AFC4-6F175D3DCCD1}">
-              <a14:hiddenFill xmlns="" xmlns:a14="http://schemas.microsoft.com/office/drawing/2010/main">
+              <a14:hiddenFill xmlns:a14="http://schemas.microsoft.com/office/drawing/2010/main" xmlns="">
                 <a:solidFill>
                   <a:srgbClr val="FFFFFF"/>
                 </a:solidFill>
               </a14:hiddenFill>
             </a:ext>
             <a:ext uri="{91240B29-F687-4f45-9708-019B960494DF}">
-              <a14:hiddenLine xmlns="" xmlns:a14="http://schemas.microsoft.com/office/drawing/2010/main" w="9525">
+              <a14:hiddenLine xmlns:a14="http://schemas.microsoft.com/office/drawing/2010/main" xmlns="" w="9525">
                 <a:solidFill>
                   <a:srgbClr val="000000"/>
                 </a:solidFill>
@@ -25152,14 +25064,14 @@
           </a:ln>
           <a:extLst>
             <a:ext uri="{909E8E84-426E-40dd-AFC4-6F175D3DCCD1}">
-              <a14:hiddenFill xmlns="" xmlns:a14="http://schemas.microsoft.com/office/drawing/2010/main">
+              <a14:hiddenFill xmlns:a14="http://schemas.microsoft.com/office/drawing/2010/main" xmlns="">
                 <a:solidFill>
                   <a:srgbClr val="FFFFFF"/>
                 </a:solidFill>
               </a14:hiddenFill>
             </a:ext>
             <a:ext uri="{91240B29-F687-4f45-9708-019B960494DF}">
-              <a14:hiddenLine xmlns="" xmlns:a14="http://schemas.microsoft.com/office/drawing/2010/main" w="9525">
+              <a14:hiddenLine xmlns:a14="http://schemas.microsoft.com/office/drawing/2010/main" xmlns="" w="9525">
                 <a:solidFill>
                   <a:srgbClr val="000000"/>
                 </a:solidFill>
@@ -25188,7 +25100,7 @@
               <a:buFont typeface="Wingdings" charset="0"/>
               <a:buNone/>
             </a:pPr>
-            <a:endParaRPr lang="en-US" b="1" dirty="0"/>
+            <a:endParaRPr lang="en-US" b="1"/>
           </a:p>
           <a:p>
             <a:pPr marL="236538" indent="-236538" algn="l" defTabSz="814388">
@@ -25205,7 +25117,7 @@
               <a:buFont typeface="Wingdings" charset="0"/>
               <a:buChar char="§"/>
             </a:pPr>
-            <a:endParaRPr lang="fr-FR" b="1" dirty="0"/>
+            <a:endParaRPr lang="fr-FR" b="1"/>
           </a:p>
           <a:p>
             <a:pPr marL="236538" indent="-236538" algn="l" defTabSz="814388">
@@ -25223,33 +25135,24 @@
               <a:buChar char="§"/>
             </a:pPr>
             <a:r>
-              <a:rPr lang="fr-FR" b="1" dirty="0" err="1">
-                <a:highlight>
-                  <a:srgbClr val="00FF00"/>
-                </a:highlight>
-              </a:rPr>
+              <a:rPr lang="fr-FR" b="1"/>
               <a:t>True</a:t>
             </a:r>
-            <a:endParaRPr lang="fr-FR" b="1" dirty="0">
-              <a:highlight>
-                <a:srgbClr val="00FF00"/>
-              </a:highlight>
-            </a:endParaRPr>
-          </a:p>
-          <a:p>
-            <a:pPr marL="236538" indent="-236538" algn="l" defTabSz="814388">
-              <a:lnSpc>
-                <a:spcPct val="95000"/>
-              </a:lnSpc>
-              <a:spcBef>
-                <a:spcPct val="50000"/>
-              </a:spcBef>
-              <a:buClr>
-                <a:schemeClr val="tx2"/>
-              </a:buClr>
-              <a:buSzPct val="100000"/>
-            </a:pPr>
-            <a:endParaRPr lang="fr-FR" b="1" dirty="0"/>
+          </a:p>
+          <a:p>
+            <a:pPr marL="236538" indent="-236538" algn="l" defTabSz="814388">
+              <a:lnSpc>
+                <a:spcPct val="95000"/>
+              </a:lnSpc>
+              <a:spcBef>
+                <a:spcPct val="50000"/>
+              </a:spcBef>
+              <a:buClr>
+                <a:schemeClr val="tx2"/>
+              </a:buClr>
+              <a:buSzPct val="100000"/>
+            </a:pPr>
+            <a:endParaRPr lang="fr-FR" b="1"/>
           </a:p>
         </p:txBody>
       </p:sp>
@@ -25338,14 +25241,14 @@
           </a:ln>
           <a:extLst>
             <a:ext uri="{909E8E84-426E-40dd-AFC4-6F175D3DCCD1}">
-              <a14:hiddenFill xmlns="" xmlns:a14="http://schemas.microsoft.com/office/drawing/2010/main">
+              <a14:hiddenFill xmlns:a14="http://schemas.microsoft.com/office/drawing/2010/main" xmlns="">
                 <a:solidFill>
                   <a:srgbClr val="FFFFFF"/>
                 </a:solidFill>
               </a14:hiddenFill>
             </a:ext>
             <a:ext uri="{91240B29-F687-4f45-9708-019B960494DF}">
-              <a14:hiddenLine xmlns="" xmlns:a14="http://schemas.microsoft.com/office/drawing/2010/main" w="9525">
+              <a14:hiddenLine xmlns:a14="http://schemas.microsoft.com/office/drawing/2010/main" xmlns="" w="9525">
                 <a:solidFill>
                   <a:srgbClr val="000000"/>
                 </a:solidFill>
@@ -25396,14 +25299,14 @@
           </a:ln>
           <a:extLst>
             <a:ext uri="{909E8E84-426E-40dd-AFC4-6F175D3DCCD1}">
-              <a14:hiddenFill xmlns="" xmlns:a14="http://schemas.microsoft.com/office/drawing/2010/main">
+              <a14:hiddenFill xmlns:a14="http://schemas.microsoft.com/office/drawing/2010/main" xmlns="">
                 <a:solidFill>
                   <a:srgbClr val="FFFFFF"/>
                 </a:solidFill>
               </a14:hiddenFill>
             </a:ext>
             <a:ext uri="{91240B29-F687-4f45-9708-019B960494DF}">
-              <a14:hiddenLine xmlns="" xmlns:a14="http://schemas.microsoft.com/office/drawing/2010/main" w="9525">
+              <a14:hiddenLine xmlns:a14="http://schemas.microsoft.com/office/drawing/2010/main" xmlns="" w="9525">
                 <a:solidFill>
                   <a:srgbClr val="000000"/>
                 </a:solidFill>
@@ -25571,14 +25474,14 @@
           </a:ln>
           <a:extLst>
             <a:ext uri="{909E8E84-426E-40dd-AFC4-6F175D3DCCD1}">
-              <a14:hiddenFill xmlns="" xmlns:a14="http://schemas.microsoft.com/office/drawing/2010/main">
+              <a14:hiddenFill xmlns:a14="http://schemas.microsoft.com/office/drawing/2010/main" xmlns="">
                 <a:solidFill>
                   <a:srgbClr val="FFFFFF"/>
                 </a:solidFill>
               </a14:hiddenFill>
             </a:ext>
             <a:ext uri="{91240B29-F687-4f45-9708-019B960494DF}">
-              <a14:hiddenLine xmlns="" xmlns:a14="http://schemas.microsoft.com/office/drawing/2010/main" w="9525">
+              <a14:hiddenLine xmlns:a14="http://schemas.microsoft.com/office/drawing/2010/main" xmlns="" w="9525">
                 <a:solidFill>
                   <a:srgbClr val="000000"/>
                 </a:solidFill>
@@ -25685,14 +25588,14 @@
           </a:ln>
           <a:extLst>
             <a:ext uri="{909E8E84-426E-40dd-AFC4-6F175D3DCCD1}">
-              <a14:hiddenFill xmlns="" xmlns:a14="http://schemas.microsoft.com/office/drawing/2010/main">
+              <a14:hiddenFill xmlns:a14="http://schemas.microsoft.com/office/drawing/2010/main" xmlns="">
                 <a:solidFill>
                   <a:srgbClr val="FFFFFF"/>
                 </a:solidFill>
               </a14:hiddenFill>
             </a:ext>
             <a:ext uri="{91240B29-F687-4f45-9708-019B960494DF}">
-              <a14:hiddenLine xmlns="" xmlns:a14="http://schemas.microsoft.com/office/drawing/2010/main" w="9525">
+              <a14:hiddenLine xmlns:a14="http://schemas.microsoft.com/office/drawing/2010/main" xmlns="" w="9525">
                 <a:solidFill>
                   <a:srgbClr val="000000"/>
                 </a:solidFill>
@@ -25721,7 +25624,7 @@
               <a:buFont typeface="Wingdings" charset="0"/>
               <a:buNone/>
             </a:pPr>
-            <a:endParaRPr lang="en-US" b="1" dirty="0"/>
+            <a:endParaRPr lang="en-US" b="1"/>
           </a:p>
           <a:p>
             <a:pPr marL="236538" indent="-236538" algn="l" defTabSz="814388">
@@ -25738,7 +25641,7 @@
               <a:buFont typeface="Wingdings" charset="0"/>
               <a:buChar char="§"/>
             </a:pPr>
-            <a:endParaRPr lang="fr-FR" b="1" dirty="0"/>
+            <a:endParaRPr lang="fr-FR" b="1"/>
           </a:p>
           <a:p>
             <a:pPr marL="236538" indent="-236538" algn="l" defTabSz="814388">
@@ -25756,33 +25659,24 @@
               <a:buChar char="§"/>
             </a:pPr>
             <a:r>
-              <a:rPr lang="fr-FR" b="1" dirty="0" err="1">
-                <a:highlight>
-                  <a:srgbClr val="00FF00"/>
-                </a:highlight>
-              </a:rPr>
+              <a:rPr lang="fr-FR" b="1"/>
               <a:t>True</a:t>
             </a:r>
-            <a:endParaRPr lang="fr-FR" b="1" dirty="0">
-              <a:highlight>
-                <a:srgbClr val="00FF00"/>
-              </a:highlight>
-            </a:endParaRPr>
-          </a:p>
-          <a:p>
-            <a:pPr marL="236538" indent="-236538" algn="l" defTabSz="814388">
-              <a:lnSpc>
-                <a:spcPct val="95000"/>
-              </a:lnSpc>
-              <a:spcBef>
-                <a:spcPct val="50000"/>
-              </a:spcBef>
-              <a:buClr>
-                <a:schemeClr val="tx2"/>
-              </a:buClr>
-              <a:buSzPct val="100000"/>
-            </a:pPr>
-            <a:endParaRPr lang="fr-FR" b="1" dirty="0"/>
+          </a:p>
+          <a:p>
+            <a:pPr marL="236538" indent="-236538" algn="l" defTabSz="814388">
+              <a:lnSpc>
+                <a:spcPct val="95000"/>
+              </a:lnSpc>
+              <a:spcBef>
+                <a:spcPct val="50000"/>
+              </a:spcBef>
+              <a:buClr>
+                <a:schemeClr val="tx2"/>
+              </a:buClr>
+              <a:buSzPct val="100000"/>
+            </a:pPr>
+            <a:endParaRPr lang="fr-FR" b="1"/>
           </a:p>
         </p:txBody>
       </p:sp>
@@ -25871,14 +25765,14 @@
           </a:ln>
           <a:extLst>
             <a:ext uri="{909E8E84-426E-40dd-AFC4-6F175D3DCCD1}">
-              <a14:hiddenFill xmlns="" xmlns:a14="http://schemas.microsoft.com/office/drawing/2010/main">
+              <a14:hiddenFill xmlns:a14="http://schemas.microsoft.com/office/drawing/2010/main" xmlns="">
                 <a:solidFill>
                   <a:srgbClr val="FFFFFF"/>
                 </a:solidFill>
               </a14:hiddenFill>
             </a:ext>
             <a:ext uri="{91240B29-F687-4f45-9708-019B960494DF}">
-              <a14:hiddenLine xmlns="" xmlns:a14="http://schemas.microsoft.com/office/drawing/2010/main" w="9525">
+              <a14:hiddenLine xmlns:a14="http://schemas.microsoft.com/office/drawing/2010/main" xmlns="" w="9525">
                 <a:solidFill>
                   <a:srgbClr val="000000"/>
                 </a:solidFill>
@@ -25929,14 +25823,14 @@
           </a:ln>
           <a:extLst>
             <a:ext uri="{909E8E84-426E-40dd-AFC4-6F175D3DCCD1}">
-              <a14:hiddenFill xmlns="" xmlns:a14="http://schemas.microsoft.com/office/drawing/2010/main">
+              <a14:hiddenFill xmlns:a14="http://schemas.microsoft.com/office/drawing/2010/main" xmlns="">
                 <a:solidFill>
                   <a:srgbClr val="FFFFFF"/>
                 </a:solidFill>
               </a14:hiddenFill>
             </a:ext>
             <a:ext uri="{91240B29-F687-4f45-9708-019B960494DF}">
-              <a14:hiddenLine xmlns="" xmlns:a14="http://schemas.microsoft.com/office/drawing/2010/main" w="9525">
+              <a14:hiddenLine xmlns:a14="http://schemas.microsoft.com/office/drawing/2010/main" xmlns="" w="9525">
                 <a:solidFill>
                   <a:srgbClr val="000000"/>
                 </a:solidFill>
@@ -26080,14 +25974,14 @@
           </a:ln>
           <a:extLst>
             <a:ext uri="{909E8E84-426E-40dd-AFC4-6F175D3DCCD1}">
-              <a14:hiddenFill xmlns="" xmlns:a14="http://schemas.microsoft.com/office/drawing/2010/main">
+              <a14:hiddenFill xmlns:a14="http://schemas.microsoft.com/office/drawing/2010/main" xmlns="">
                 <a:solidFill>
                   <a:srgbClr val="FFFFFF"/>
                 </a:solidFill>
               </a14:hiddenFill>
             </a:ext>
             <a:ext uri="{91240B29-F687-4f45-9708-019B960494DF}">
-              <a14:hiddenLine xmlns="" xmlns:a14="http://schemas.microsoft.com/office/drawing/2010/main" w="9525">
+              <a14:hiddenLine xmlns:a14="http://schemas.microsoft.com/office/drawing/2010/main" xmlns="" w="9525">
                 <a:solidFill>
                   <a:srgbClr val="000000"/>
                 </a:solidFill>
@@ -26116,7 +26010,7 @@
               <a:buFont typeface="Wingdings" charset="0"/>
               <a:buNone/>
             </a:pPr>
-            <a:endParaRPr lang="en-US" b="1" dirty="0"/>
+            <a:endParaRPr lang="en-US" b="1"/>
           </a:p>
           <a:p>
             <a:pPr marL="236538" indent="-236538" algn="l" defTabSz="814388">
@@ -26133,7 +26027,7 @@
               <a:buFont typeface="Wingdings" charset="0"/>
               <a:buChar char="§"/>
             </a:pPr>
-            <a:endParaRPr lang="fr-FR" b="1" dirty="0"/>
+            <a:endParaRPr lang="fr-FR" b="1"/>
           </a:p>
           <a:p>
             <a:pPr marL="236538" indent="-236538" algn="l" defTabSz="814388">
@@ -26151,11 +26045,7 @@
               <a:buChar char="§"/>
             </a:pPr>
             <a:r>
-              <a:rPr lang="fr-FR" b="1" dirty="0">
-                <a:highlight>
-                  <a:srgbClr val="00FF00"/>
-                </a:highlight>
-              </a:rPr>
+              <a:rPr lang="fr-FR" b="1"/>
               <a:t>False</a:t>
             </a:r>
           </a:p>
@@ -26172,7 +26062,7 @@
               </a:buClr>
               <a:buSzPct val="100000"/>
             </a:pPr>
-            <a:endParaRPr lang="fr-FR" b="1" dirty="0"/>
+            <a:endParaRPr lang="fr-FR" b="1"/>
           </a:p>
         </p:txBody>
       </p:sp>
@@ -26198,14 +26088,14 @@
           </a:ln>
           <a:extLst>
             <a:ext uri="{909E8E84-426E-40dd-AFC4-6F175D3DCCD1}">
-              <a14:hiddenFill xmlns="" xmlns:a14="http://schemas.microsoft.com/office/drawing/2010/main">
+              <a14:hiddenFill xmlns:a14="http://schemas.microsoft.com/office/drawing/2010/main" xmlns="">
                 <a:solidFill>
                   <a:srgbClr val="FFFFFF"/>
                 </a:solidFill>
               </a14:hiddenFill>
             </a:ext>
             <a:ext uri="{91240B29-F687-4f45-9708-019B960494DF}">
-              <a14:hiddenLine xmlns="" xmlns:a14="http://schemas.microsoft.com/office/drawing/2010/main" w="9525">
+              <a14:hiddenLine xmlns:a14="http://schemas.microsoft.com/office/drawing/2010/main" xmlns="" w="9525">
                 <a:solidFill>
                   <a:srgbClr val="000000"/>
                 </a:solidFill>
@@ -26234,7 +26124,7 @@
               <a:buFont typeface="Wingdings" charset="0"/>
               <a:buNone/>
             </a:pPr>
-            <a:endParaRPr lang="en-US" b="1" dirty="0"/>
+            <a:endParaRPr lang="en-US" b="1"/>
           </a:p>
           <a:p>
             <a:pPr marL="236538" indent="-236538" algn="l" defTabSz="814388">
@@ -26251,7 +26141,7 @@
               <a:buFont typeface="Wingdings" charset="0"/>
               <a:buChar char="§"/>
             </a:pPr>
-            <a:endParaRPr lang="fr-FR" b="1" dirty="0"/>
+            <a:endParaRPr lang="fr-FR" b="1"/>
           </a:p>
           <a:p>
             <a:pPr marL="236538" indent="-236538" algn="l" defTabSz="814388">
@@ -26269,25 +26159,24 @@
               <a:buChar char="§"/>
             </a:pPr>
             <a:r>
-              <a:rPr lang="fr-FR" b="1" dirty="0" err="1"/>
+              <a:rPr lang="fr-FR" b="1"/>
               <a:t>True</a:t>
             </a:r>
-            <a:endParaRPr lang="fr-FR" b="1" dirty="0"/>
-          </a:p>
-          <a:p>
-            <a:pPr marL="236538" indent="-236538" algn="l" defTabSz="814388">
-              <a:lnSpc>
-                <a:spcPct val="95000"/>
-              </a:lnSpc>
-              <a:spcBef>
-                <a:spcPct val="50000"/>
-              </a:spcBef>
-              <a:buClr>
-                <a:schemeClr val="tx2"/>
-              </a:buClr>
-              <a:buSzPct val="100000"/>
-            </a:pPr>
-            <a:endParaRPr lang="fr-FR" b="1" dirty="0"/>
+          </a:p>
+          <a:p>
+            <a:pPr marL="236538" indent="-236538" algn="l" defTabSz="814388">
+              <a:lnSpc>
+                <a:spcPct val="95000"/>
+              </a:lnSpc>
+              <a:spcBef>
+                <a:spcPct val="50000"/>
+              </a:spcBef>
+              <a:buClr>
+                <a:schemeClr val="tx2"/>
+              </a:buClr>
+              <a:buSzPct val="100000"/>
+            </a:pPr>
+            <a:endParaRPr lang="fr-FR" b="1"/>
           </a:p>
         </p:txBody>
       </p:sp>
@@ -26339,9 +26228,7 @@
           </a:xfrm>
         </p:spPr>
         <p:txBody>
-          <a:bodyPr>
-            <a:normAutofit fontScale="90000"/>
-          </a:bodyPr>
+          <a:bodyPr/>
           <a:lstStyle/>
           <a:p>
             <a:pPr eaLnBrk="1" hangingPunct="1"/>
@@ -26390,14 +26277,14 @@
           </a:ln>
           <a:extLst>
             <a:ext uri="{909E8E84-426E-40dd-AFC4-6F175D3DCCD1}">
-              <a14:hiddenFill xmlns="" xmlns:a14="http://schemas.microsoft.com/office/drawing/2010/main">
+              <a14:hiddenFill xmlns:a14="http://schemas.microsoft.com/office/drawing/2010/main" xmlns="">
                 <a:solidFill>
                   <a:srgbClr val="FFFFFF"/>
                 </a:solidFill>
               </a14:hiddenFill>
             </a:ext>
             <a:ext uri="{91240B29-F687-4f45-9708-019B960494DF}">
-              <a14:hiddenLine xmlns="" xmlns:a14="http://schemas.microsoft.com/office/drawing/2010/main" w="9525">
+              <a14:hiddenLine xmlns:a14="http://schemas.microsoft.com/office/drawing/2010/main" xmlns="" w="9525">
                 <a:solidFill>
                   <a:srgbClr val="000000"/>
                 </a:solidFill>
@@ -26448,14 +26335,14 @@
           </a:ln>
           <a:extLst>
             <a:ext uri="{909E8E84-426E-40dd-AFC4-6F175D3DCCD1}">
-              <a14:hiddenFill xmlns="" xmlns:a14="http://schemas.microsoft.com/office/drawing/2010/main">
+              <a14:hiddenFill xmlns:a14="http://schemas.microsoft.com/office/drawing/2010/main" xmlns="">
                 <a:solidFill>
                   <a:srgbClr val="FFFFFF"/>
                 </a:solidFill>
               </a14:hiddenFill>
             </a:ext>
             <a:ext uri="{91240B29-F687-4f45-9708-019B960494DF}">
-              <a14:hiddenLine xmlns="" xmlns:a14="http://schemas.microsoft.com/office/drawing/2010/main" w="9525">
+              <a14:hiddenLine xmlns:a14="http://schemas.microsoft.com/office/drawing/2010/main" xmlns="" w="9525">
                 <a:solidFill>
                   <a:srgbClr val="000000"/>
                 </a:solidFill>
@@ -26642,14 +26529,14 @@
           </a:ln>
           <a:extLst>
             <a:ext uri="{909E8E84-426E-40dd-AFC4-6F175D3DCCD1}">
-              <a14:hiddenFill xmlns="" xmlns:a14="http://schemas.microsoft.com/office/drawing/2010/main">
+              <a14:hiddenFill xmlns:a14="http://schemas.microsoft.com/office/drawing/2010/main" xmlns="">
                 <a:solidFill>
                   <a:srgbClr val="FFFFFF"/>
                 </a:solidFill>
               </a14:hiddenFill>
             </a:ext>
             <a:ext uri="{91240B29-F687-4f45-9708-019B960494DF}">
-              <a14:hiddenLine xmlns="" xmlns:a14="http://schemas.microsoft.com/office/drawing/2010/main" w="9525">
+              <a14:hiddenLine xmlns:a14="http://schemas.microsoft.com/office/drawing/2010/main" xmlns="" w="9525">
                 <a:solidFill>
                   <a:srgbClr val="000000"/>
                 </a:solidFill>
@@ -26756,14 +26643,14 @@
           </a:ln>
           <a:extLst>
             <a:ext uri="{909E8E84-426E-40dd-AFC4-6F175D3DCCD1}">
-              <a14:hiddenFill xmlns="" xmlns:a14="http://schemas.microsoft.com/office/drawing/2010/main">
+              <a14:hiddenFill xmlns:a14="http://schemas.microsoft.com/office/drawing/2010/main" xmlns="">
                 <a:solidFill>
                   <a:srgbClr val="FFFFFF"/>
                 </a:solidFill>
               </a14:hiddenFill>
             </a:ext>
             <a:ext uri="{91240B29-F687-4f45-9708-019B960494DF}">
-              <a14:hiddenLine xmlns="" xmlns:a14="http://schemas.microsoft.com/office/drawing/2010/main" w="9525">
+              <a14:hiddenLine xmlns:a14="http://schemas.microsoft.com/office/drawing/2010/main" xmlns="" w="9525">
                 <a:solidFill>
                   <a:srgbClr val="000000"/>
                 </a:solidFill>
@@ -26870,14 +26757,14 @@
           </a:ln>
           <a:extLst>
             <a:ext uri="{909E8E84-426E-40dd-AFC4-6F175D3DCCD1}">
-              <a14:hiddenFill xmlns="" xmlns:a14="http://schemas.microsoft.com/office/drawing/2010/main">
+              <a14:hiddenFill xmlns:a14="http://schemas.microsoft.com/office/drawing/2010/main" xmlns="">
                 <a:solidFill>
                   <a:srgbClr val="FFFFFF"/>
                 </a:solidFill>
               </a14:hiddenFill>
             </a:ext>
             <a:ext uri="{91240B29-F687-4f45-9708-019B960494DF}">
-              <a14:hiddenLine xmlns="" xmlns:a14="http://schemas.microsoft.com/office/drawing/2010/main" w="9525">
+              <a14:hiddenLine xmlns:a14="http://schemas.microsoft.com/office/drawing/2010/main" xmlns="" w="9525">
                 <a:solidFill>
                   <a:srgbClr val="000000"/>
                 </a:solidFill>
@@ -26984,14 +26871,14 @@
           </a:ln>
           <a:extLst>
             <a:ext uri="{909E8E84-426E-40dd-AFC4-6F175D3DCCD1}">
-              <a14:hiddenFill xmlns="" xmlns:a14="http://schemas.microsoft.com/office/drawing/2010/main">
+              <a14:hiddenFill xmlns:a14="http://schemas.microsoft.com/office/drawing/2010/main" xmlns="">
                 <a:solidFill>
                   <a:srgbClr val="FFFFFF"/>
                 </a:solidFill>
               </a14:hiddenFill>
             </a:ext>
             <a:ext uri="{91240B29-F687-4f45-9708-019B960494DF}">
-              <a14:hiddenLine xmlns="" xmlns:a14="http://schemas.microsoft.com/office/drawing/2010/main" w="9525">
+              <a14:hiddenLine xmlns:a14="http://schemas.microsoft.com/office/drawing/2010/main" xmlns="" w="9525">
                 <a:solidFill>
                   <a:srgbClr val="000000"/>
                 </a:solidFill>
@@ -27020,7 +26907,7 @@
               <a:buFont typeface="Wingdings" charset="0"/>
               <a:buNone/>
             </a:pPr>
-            <a:endParaRPr lang="en-US" b="1" dirty="0"/>
+            <a:endParaRPr lang="en-US" b="1"/>
           </a:p>
           <a:p>
             <a:pPr marL="236538" indent="-236538" algn="l" defTabSz="814388">
@@ -27037,7 +26924,7 @@
               <a:buFont typeface="Wingdings" charset="0"/>
               <a:buChar char="§"/>
             </a:pPr>
-            <a:endParaRPr lang="fr-FR" b="1" dirty="0"/>
+            <a:endParaRPr lang="fr-FR" b="1"/>
           </a:p>
           <a:p>
             <a:pPr marL="236538" indent="-236538" algn="l" defTabSz="814388">
@@ -27055,49 +26942,24 @@
               <a:buChar char="§"/>
             </a:pPr>
             <a:r>
-              <a:rPr lang="fr-FR" b="1" dirty="0" err="1">
-                <a:highlight>
-                  <a:srgbClr val="00FF00"/>
-                </a:highlight>
-              </a:rPr>
-              <a:t>Income</a:t>
-            </a:r>
-            <a:r>
-              <a:rPr lang="fr-FR" b="1" dirty="0">
-                <a:highlight>
-                  <a:srgbClr val="00FF00"/>
-                </a:highlight>
-              </a:rPr>
-              <a:t> </a:t>
-            </a:r>
-            <a:r>
-              <a:rPr lang="fr-FR" b="1" dirty="0" err="1">
-                <a:highlight>
-                  <a:srgbClr val="00FF00"/>
-                </a:highlight>
-              </a:rPr>
-              <a:t>statement</a:t>
-            </a:r>
-            <a:endParaRPr lang="fr-FR" b="1" dirty="0">
-              <a:highlight>
-                <a:srgbClr val="00FF00"/>
-              </a:highlight>
-            </a:endParaRPr>
-          </a:p>
-          <a:p>
-            <a:pPr marL="236538" indent="-236538" algn="l" defTabSz="814388">
-              <a:lnSpc>
-                <a:spcPct val="95000"/>
-              </a:lnSpc>
-              <a:spcBef>
-                <a:spcPct val="50000"/>
-              </a:spcBef>
-              <a:buClr>
-                <a:schemeClr val="tx2"/>
-              </a:buClr>
-              <a:buSzPct val="100000"/>
-            </a:pPr>
-            <a:endParaRPr lang="fr-FR" b="1" dirty="0"/>
+              <a:rPr lang="fr-FR" b="1"/>
+              <a:t>Income statement</a:t>
+            </a:r>
+          </a:p>
+          <a:p>
+            <a:pPr marL="236538" indent="-236538" algn="l" defTabSz="814388">
+              <a:lnSpc>
+                <a:spcPct val="95000"/>
+              </a:lnSpc>
+              <a:spcBef>
+                <a:spcPct val="50000"/>
+              </a:spcBef>
+              <a:buClr>
+                <a:schemeClr val="tx2"/>
+              </a:buClr>
+              <a:buSzPct val="100000"/>
+            </a:pPr>
+            <a:endParaRPr lang="fr-FR" b="1"/>
           </a:p>
         </p:txBody>
       </p:sp>
@@ -27149,9 +27011,7 @@
           </a:xfrm>
         </p:spPr>
         <p:txBody>
-          <a:bodyPr>
-            <a:normAutofit fontScale="90000"/>
-          </a:bodyPr>
+          <a:bodyPr/>
           <a:lstStyle/>
           <a:p>
             <a:pPr eaLnBrk="1" hangingPunct="1"/>
@@ -27200,14 +27060,14 @@
           </a:ln>
           <a:extLst>
             <a:ext uri="{909E8E84-426E-40dd-AFC4-6F175D3DCCD1}">
-              <a14:hiddenFill xmlns="" xmlns:a14="http://schemas.microsoft.com/office/drawing/2010/main">
+              <a14:hiddenFill xmlns:a14="http://schemas.microsoft.com/office/drawing/2010/main" xmlns="">
                 <a:solidFill>
                   <a:srgbClr val="FFFFFF"/>
                 </a:solidFill>
               </a14:hiddenFill>
             </a:ext>
             <a:ext uri="{91240B29-F687-4f45-9708-019B960494DF}">
-              <a14:hiddenLine xmlns="" xmlns:a14="http://schemas.microsoft.com/office/drawing/2010/main" w="9525">
+              <a14:hiddenLine xmlns:a14="http://schemas.microsoft.com/office/drawing/2010/main" xmlns="" w="9525">
                 <a:solidFill>
                   <a:srgbClr val="000000"/>
                 </a:solidFill>
@@ -27258,14 +27118,14 @@
           </a:ln>
           <a:extLst>
             <a:ext uri="{909E8E84-426E-40dd-AFC4-6F175D3DCCD1}">
-              <a14:hiddenFill xmlns="" xmlns:a14="http://schemas.microsoft.com/office/drawing/2010/main">
+              <a14:hiddenFill xmlns:a14="http://schemas.microsoft.com/office/drawing/2010/main" xmlns="">
                 <a:solidFill>
                   <a:srgbClr val="FFFFFF"/>
                 </a:solidFill>
               </a14:hiddenFill>
             </a:ext>
             <a:ext uri="{91240B29-F687-4f45-9708-019B960494DF}">
-              <a14:hiddenLine xmlns="" xmlns:a14="http://schemas.microsoft.com/office/drawing/2010/main" w="9525">
+              <a14:hiddenLine xmlns:a14="http://schemas.microsoft.com/office/drawing/2010/main" xmlns="" w="9525">
                 <a:solidFill>
                   <a:srgbClr val="000000"/>
                 </a:solidFill>
@@ -27432,14 +27292,14 @@
           </a:ln>
           <a:extLst>
             <a:ext uri="{909E8E84-426E-40dd-AFC4-6F175D3DCCD1}">
-              <a14:hiddenFill xmlns="" xmlns:a14="http://schemas.microsoft.com/office/drawing/2010/main">
+              <a14:hiddenFill xmlns:a14="http://schemas.microsoft.com/office/drawing/2010/main" xmlns="">
                 <a:solidFill>
                   <a:srgbClr val="FFFFFF"/>
                 </a:solidFill>
               </a14:hiddenFill>
             </a:ext>
             <a:ext uri="{91240B29-F687-4f45-9708-019B960494DF}">
-              <a14:hiddenLine xmlns="" xmlns:a14="http://schemas.microsoft.com/office/drawing/2010/main" w="9525">
+              <a14:hiddenLine xmlns:a14="http://schemas.microsoft.com/office/drawing/2010/main" xmlns="" w="9525">
                 <a:solidFill>
                   <a:srgbClr val="000000"/>
                 </a:solidFill>
@@ -27468,7 +27328,7 @@
               <a:buFont typeface="Wingdings" charset="0"/>
               <a:buNone/>
             </a:pPr>
-            <a:endParaRPr lang="en-US" b="1" dirty="0"/>
+            <a:endParaRPr lang="en-US" b="1"/>
           </a:p>
           <a:p>
             <a:pPr marL="236538" indent="-236538" algn="l" defTabSz="814388">
@@ -27485,7 +27345,7 @@
               <a:buFont typeface="Wingdings" charset="0"/>
               <a:buChar char="§"/>
             </a:pPr>
-            <a:endParaRPr lang="fr-FR" b="1" dirty="0"/>
+            <a:endParaRPr lang="fr-FR" b="1"/>
           </a:p>
           <a:p>
             <a:pPr marL="236538" indent="-236538" algn="l" defTabSz="814388">
@@ -27503,29 +27363,24 @@
               <a:buChar char="§"/>
             </a:pPr>
             <a:r>
-              <a:rPr lang="fr-FR" b="1" dirty="0"/>
-              <a:t>Management </a:t>
-            </a:r>
-            <a:r>
-              <a:rPr lang="fr-FR" b="1" dirty="0" err="1"/>
-              <a:t>summary</a:t>
-            </a:r>
-            <a:endParaRPr lang="fr-FR" b="1" dirty="0"/>
-          </a:p>
-          <a:p>
-            <a:pPr marL="236538" indent="-236538" algn="l" defTabSz="814388">
-              <a:lnSpc>
-                <a:spcPct val="95000"/>
-              </a:lnSpc>
-              <a:spcBef>
-                <a:spcPct val="50000"/>
-              </a:spcBef>
-              <a:buClr>
-                <a:schemeClr val="tx2"/>
-              </a:buClr>
-              <a:buSzPct val="100000"/>
-            </a:pPr>
-            <a:endParaRPr lang="fr-FR" b="1" dirty="0"/>
+              <a:rPr lang="fr-FR" b="1"/>
+              <a:t>Management summary</a:t>
+            </a:r>
+          </a:p>
+          <a:p>
+            <a:pPr marL="236538" indent="-236538" algn="l" defTabSz="814388">
+              <a:lnSpc>
+                <a:spcPct val="95000"/>
+              </a:lnSpc>
+              <a:spcBef>
+                <a:spcPct val="50000"/>
+              </a:spcBef>
+              <a:buClr>
+                <a:schemeClr val="tx2"/>
+              </a:buClr>
+              <a:buSzPct val="100000"/>
+            </a:pPr>
+            <a:endParaRPr lang="fr-FR" b="1"/>
           </a:p>
         </p:txBody>
       </p:sp>
@@ -27551,14 +27406,14 @@
           </a:ln>
           <a:extLst>
             <a:ext uri="{909E8E84-426E-40dd-AFC4-6F175D3DCCD1}">
-              <a14:hiddenFill xmlns="" xmlns:a14="http://schemas.microsoft.com/office/drawing/2010/main">
+              <a14:hiddenFill xmlns:a14="http://schemas.microsoft.com/office/drawing/2010/main" xmlns="">
                 <a:solidFill>
                   <a:srgbClr val="FFFFFF"/>
                 </a:solidFill>
               </a14:hiddenFill>
             </a:ext>
             <a:ext uri="{91240B29-F687-4f45-9708-019B960494DF}">
-              <a14:hiddenLine xmlns="" xmlns:a14="http://schemas.microsoft.com/office/drawing/2010/main" w="9525">
+              <a14:hiddenLine xmlns:a14="http://schemas.microsoft.com/office/drawing/2010/main" xmlns="" w="9525">
                 <a:solidFill>
                   <a:srgbClr val="000000"/>
                 </a:solidFill>
@@ -27665,14 +27520,14 @@
           </a:ln>
           <a:extLst>
             <a:ext uri="{909E8E84-426E-40dd-AFC4-6F175D3DCCD1}">
-              <a14:hiddenFill xmlns="" xmlns:a14="http://schemas.microsoft.com/office/drawing/2010/main">
+              <a14:hiddenFill xmlns:a14="http://schemas.microsoft.com/office/drawing/2010/main" xmlns="">
                 <a:solidFill>
                   <a:srgbClr val="FFFFFF"/>
                 </a:solidFill>
               </a14:hiddenFill>
             </a:ext>
             <a:ext uri="{91240B29-F687-4f45-9708-019B960494DF}">
-              <a14:hiddenLine xmlns="" xmlns:a14="http://schemas.microsoft.com/office/drawing/2010/main" w="9525">
+              <a14:hiddenLine xmlns:a14="http://schemas.microsoft.com/office/drawing/2010/main" xmlns="" w="9525">
                 <a:solidFill>
                   <a:srgbClr val="000000"/>
                 </a:solidFill>
@@ -27701,7 +27556,7 @@
               <a:buFont typeface="Wingdings" charset="0"/>
               <a:buNone/>
             </a:pPr>
-            <a:endParaRPr lang="en-US" b="1" dirty="0"/>
+            <a:endParaRPr lang="en-US" b="1"/>
           </a:p>
           <a:p>
             <a:pPr marL="236538" indent="-236538" algn="l" defTabSz="814388">
@@ -27718,7 +27573,7 @@
               <a:buFont typeface="Wingdings" charset="0"/>
               <a:buChar char="§"/>
             </a:pPr>
-            <a:endParaRPr lang="fr-FR" b="1" dirty="0"/>
+            <a:endParaRPr lang="fr-FR" b="1"/>
           </a:p>
           <a:p>
             <a:pPr marL="236538" indent="-236538" algn="l" defTabSz="814388">
@@ -27736,41 +27591,24 @@
               <a:buChar char="§"/>
             </a:pPr>
             <a:r>
-              <a:rPr lang="fr-FR" b="1" dirty="0">
-                <a:highlight>
-                  <a:srgbClr val="00FF00"/>
-                </a:highlight>
-              </a:rPr>
-              <a:t>Notes to the Financial </a:t>
-            </a:r>
-            <a:r>
-              <a:rPr lang="fr-FR" b="1" dirty="0" err="1">
-                <a:highlight>
-                  <a:srgbClr val="00FF00"/>
-                </a:highlight>
-              </a:rPr>
-              <a:t>statements</a:t>
-            </a:r>
-            <a:endParaRPr lang="fr-FR" b="1" dirty="0">
-              <a:highlight>
-                <a:srgbClr val="00FF00"/>
-              </a:highlight>
-            </a:endParaRPr>
-          </a:p>
-          <a:p>
-            <a:pPr marL="236538" indent="-236538" algn="l" defTabSz="814388">
-              <a:lnSpc>
-                <a:spcPct val="95000"/>
-              </a:lnSpc>
-              <a:spcBef>
-                <a:spcPct val="50000"/>
-              </a:spcBef>
-              <a:buClr>
-                <a:schemeClr val="tx2"/>
-              </a:buClr>
-              <a:buSzPct val="100000"/>
-            </a:pPr>
-            <a:endParaRPr lang="fr-FR" b="1" dirty="0"/>
+              <a:rPr lang="fr-FR" b="1"/>
+              <a:t>Notes to the Financial statements</a:t>
+            </a:r>
+          </a:p>
+          <a:p>
+            <a:pPr marL="236538" indent="-236538" algn="l" defTabSz="814388">
+              <a:lnSpc>
+                <a:spcPct val="95000"/>
+              </a:lnSpc>
+              <a:spcBef>
+                <a:spcPct val="50000"/>
+              </a:spcBef>
+              <a:buClr>
+                <a:schemeClr val="tx2"/>
+              </a:buClr>
+              <a:buSzPct val="100000"/>
+            </a:pPr>
+            <a:endParaRPr lang="fr-FR" b="1"/>
           </a:p>
         </p:txBody>
       </p:sp>
@@ -27796,14 +27634,14 @@
           </a:ln>
           <a:extLst>
             <a:ext uri="{909E8E84-426E-40dd-AFC4-6F175D3DCCD1}">
-              <a14:hiddenFill xmlns="" xmlns:a14="http://schemas.microsoft.com/office/drawing/2010/main">
+              <a14:hiddenFill xmlns:a14="http://schemas.microsoft.com/office/drawing/2010/main" xmlns="">
                 <a:solidFill>
                   <a:srgbClr val="FFFFFF"/>
                 </a:solidFill>
               </a14:hiddenFill>
             </a:ext>
             <a:ext uri="{91240B29-F687-4f45-9708-019B960494DF}">
-              <a14:hiddenLine xmlns="" xmlns:a14="http://schemas.microsoft.com/office/drawing/2010/main" w="9525">
+              <a14:hiddenLine xmlns:a14="http://schemas.microsoft.com/office/drawing/2010/main" xmlns="" w="9525">
                 <a:solidFill>
                   <a:srgbClr val="000000"/>
                 </a:solidFill>
@@ -27832,7 +27670,7 @@
               <a:buFont typeface="Wingdings" charset="0"/>
               <a:buNone/>
             </a:pPr>
-            <a:endParaRPr lang="en-US" b="1" dirty="0"/>
+            <a:endParaRPr lang="en-US" b="1"/>
           </a:p>
           <a:p>
             <a:pPr marL="236538" indent="-236538" algn="l" defTabSz="814388">
@@ -27849,7 +27687,7 @@
               <a:buFont typeface="Wingdings" charset="0"/>
               <a:buChar char="§"/>
             </a:pPr>
-            <a:endParaRPr lang="fr-FR" b="1" dirty="0"/>
+            <a:endParaRPr lang="fr-FR" b="1"/>
           </a:p>
           <a:p>
             <a:pPr marL="236538" indent="-236538" algn="l" defTabSz="814388">
@@ -27867,28 +27705,24 @@
               <a:buChar char="§"/>
             </a:pPr>
             <a:r>
-              <a:rPr lang="fr-FR" b="1" dirty="0" err="1"/>
-              <a:t>Creditor’s</a:t>
-            </a:r>
-            <a:r>
-              <a:rPr lang="fr-FR" b="1" dirty="0"/>
-              <a:t> notes</a:t>
-            </a:r>
-          </a:p>
-          <a:p>
-            <a:pPr marL="236538" indent="-236538" algn="l" defTabSz="814388">
-              <a:lnSpc>
-                <a:spcPct val="95000"/>
-              </a:lnSpc>
-              <a:spcBef>
-                <a:spcPct val="50000"/>
-              </a:spcBef>
-              <a:buClr>
-                <a:schemeClr val="tx2"/>
-              </a:buClr>
-              <a:buSzPct val="100000"/>
-            </a:pPr>
-            <a:endParaRPr lang="fr-FR" b="1" dirty="0"/>
+              <a:rPr lang="fr-FR" b="1"/>
+              <a:t>Creditor’s notes</a:t>
+            </a:r>
+          </a:p>
+          <a:p>
+            <a:pPr marL="236538" indent="-236538" algn="l" defTabSz="814388">
+              <a:lnSpc>
+                <a:spcPct val="95000"/>
+              </a:lnSpc>
+              <a:spcBef>
+                <a:spcPct val="50000"/>
+              </a:spcBef>
+              <a:buClr>
+                <a:schemeClr val="tx2"/>
+              </a:buClr>
+              <a:buSzPct val="100000"/>
+            </a:pPr>
+            <a:endParaRPr lang="fr-FR" b="1"/>
           </a:p>
         </p:txBody>
       </p:sp>

--- a/Finance/FITM - Finance quiz.pptx
+++ b/Finance/FITM - Finance quiz.pptx
@@ -240,7 +240,7 @@
           <a:p>
             <a:fld id="{0D9F7FC8-EDF1-B745-B794-DEBC2B28F3A5}" type="datetimeFigureOut">
               <a:rPr lang="en-US" smtClean="0"/>
-              <a:t>5/4/22</a:t>
+              <a:t>6/10/22</a:t>
             </a:fld>
             <a:endParaRPr lang="en-US"/>
           </a:p>
@@ -405,7 +405,7 @@
           <a:p>
             <a:fld id="{4E97C15C-9360-D846-82FF-FB09835C3991}" type="datetimeFigureOut">
               <a:rPr lang="en-US" smtClean="0"/>
-              <a:t>5/4/22</a:t>
+              <a:t>6/10/22</a:t>
             </a:fld>
             <a:endParaRPr lang="en-US"/>
           </a:p>
@@ -2486,7 +2486,7 @@
             <a:fld id="{E30E2307-1E40-4E12-8716-25BFDA8E7013}" type="datetime1">
               <a:rPr lang="en-US" smtClean="0"/>
               <a:pPr/>
-              <a:t>5/4/22</a:t>
+              <a:t>6/10/22</a:t>
             </a:fld>
             <a:endParaRPr lang="en-US"/>
           </a:p>
@@ -2669,7 +2669,7 @@
             <a:fld id="{E5CFCF5A-EA79-452C-A52C-1A2668C2E7DF}" type="datetime1">
               <a:rPr lang="en-US" smtClean="0"/>
               <a:pPr/>
-              <a:t>5/4/22</a:t>
+              <a:t>6/10/22</a:t>
             </a:fld>
             <a:endParaRPr lang="en-US"/>
           </a:p>
@@ -2822,7 +2822,7 @@
             <a:fld id="{2E5C4C28-BD4B-4892-9A2D-6E19BD753A9A}" type="datetime1">
               <a:rPr lang="en-US" smtClean="0"/>
               <a:pPr/>
-              <a:t>5/4/22</a:t>
+              <a:t>6/10/22</a:t>
             </a:fld>
             <a:endParaRPr lang="en-US"/>
           </a:p>
@@ -4734,7 +4734,7 @@
             <a:fld id="{61FD9D02-426E-46C9-9EE9-0DE1EF8B2838}" type="datetime1">
               <a:rPr lang="en-US" smtClean="0"/>
               <a:pPr/>
-              <a:t>5/4/22</a:t>
+              <a:t>6/10/22</a:t>
             </a:fld>
             <a:endParaRPr lang="en-US"/>
           </a:p>
@@ -6606,7 +6606,7 @@
             <a:fld id="{7B8AEBBE-F8B2-42CF-9895-E86A608384EB}" type="datetime1">
               <a:rPr lang="en-US" smtClean="0"/>
               <a:pPr/>
-              <a:t>5/4/22</a:t>
+              <a:t>6/10/22</a:t>
             </a:fld>
             <a:endParaRPr lang="en-US"/>
           </a:p>
@@ -6721,7 +6721,7 @@
             <a:fld id="{E1FAA6B6-10E5-4810-BC9F-DA72D8452E73}" type="datetime1">
               <a:rPr lang="en-US" smtClean="0"/>
               <a:pPr/>
-              <a:t>5/4/22</a:t>
+              <a:t>6/10/22</a:t>
             </a:fld>
             <a:endParaRPr lang="en-US"/>
           </a:p>
@@ -7264,7 +7264,7 @@
             <a:fld id="{6D18D072-EF12-4AA2-BD71-ABC68B06D0E2}" type="datetime1">
               <a:rPr lang="en-US" smtClean="0"/>
               <a:pPr/>
-              <a:t>5/4/22</a:t>
+              <a:t>6/10/22</a:t>
             </a:fld>
             <a:endParaRPr lang="en-US"/>
           </a:p>
@@ -7379,7 +7379,7 @@
             <a:fld id="{B8CDBF60-6CC3-4B74-A60D-3486985E4346}" type="datetime1">
               <a:rPr lang="en-US" smtClean="0"/>
               <a:pPr/>
-              <a:t>5/4/22</a:t>
+              <a:t>6/10/22</a:t>
             </a:fld>
             <a:endParaRPr lang="en-US"/>
           </a:p>
@@ -9092,7 +9092,7 @@
             <a:fld id="{22714818-984F-4759-BF72-A33BDC1963BD}" type="datetime1">
               <a:rPr lang="en-US" smtClean="0"/>
               <a:pPr/>
-              <a:t>5/4/22</a:t>
+              <a:t>6/10/22</a:t>
             </a:fld>
             <a:endParaRPr lang="en-US"/>
           </a:p>
@@ -9245,7 +9245,7 @@
             <a:fld id="{9EA7E191-5F94-4FC1-B823-BD7CABF7FA06}" type="datetime1">
               <a:rPr lang="en-US" smtClean="0"/>
               <a:pPr/>
-              <a:t>5/4/22</a:t>
+              <a:t>6/10/22</a:t>
             </a:fld>
             <a:endParaRPr lang="en-US"/>
           </a:p>
@@ -12862,7 +12862,7 @@
             <a:fld id="{88856D55-EFBE-4F9B-8A5F-09D42CA22A9B}" type="datetime1">
               <a:rPr lang="en-US" smtClean="0"/>
               <a:pPr/>
-              <a:t>5/4/22</a:t>
+              <a:t>6/10/22</a:t>
             </a:fld>
             <a:endParaRPr lang="en-US"/>
           </a:p>
@@ -14723,7 +14723,7 @@
             <a:fld id="{9D1D110F-3F4E-48D9-B8AA-5D0E825AFDBA}" type="datetime1">
               <a:rPr lang="en-US" smtClean="0"/>
               <a:pPr/>
-              <a:t>5/4/22</a:t>
+              <a:t>6/10/22</a:t>
             </a:fld>
             <a:endParaRPr lang="en-US"/>
           </a:p>
@@ -15421,7 +15421,9 @@
           </a:xfrm>
         </p:spPr>
         <p:txBody>
-          <a:bodyPr/>
+          <a:bodyPr>
+            <a:normAutofit fontScale="90000"/>
+          </a:bodyPr>
           <a:lstStyle/>
           <a:p>
             <a:pPr eaLnBrk="1" hangingPunct="1"/>
@@ -15470,14 +15472,14 @@
           </a:ln>
           <a:extLst>
             <a:ext uri="{909E8E84-426E-40dd-AFC4-6F175D3DCCD1}">
-              <a14:hiddenFill xmlns:a14="http://schemas.microsoft.com/office/drawing/2010/main" xmlns="">
+              <a14:hiddenFill xmlns="" xmlns:a14="http://schemas.microsoft.com/office/drawing/2010/main">
                 <a:solidFill>
                   <a:srgbClr val="FFFFFF"/>
                 </a:solidFill>
               </a14:hiddenFill>
             </a:ext>
             <a:ext uri="{91240B29-F687-4f45-9708-019B960494DF}">
-              <a14:hiddenLine xmlns:a14="http://schemas.microsoft.com/office/drawing/2010/main" xmlns="" w="9525">
+              <a14:hiddenLine xmlns="" xmlns:a14="http://schemas.microsoft.com/office/drawing/2010/main" w="9525">
                 <a:solidFill>
                   <a:srgbClr val="000000"/>
                 </a:solidFill>
@@ -15528,14 +15530,14 @@
           </a:ln>
           <a:extLst>
             <a:ext uri="{909E8E84-426E-40dd-AFC4-6F175D3DCCD1}">
-              <a14:hiddenFill xmlns:a14="http://schemas.microsoft.com/office/drawing/2010/main" xmlns="">
+              <a14:hiddenFill xmlns="" xmlns:a14="http://schemas.microsoft.com/office/drawing/2010/main">
                 <a:solidFill>
                   <a:srgbClr val="FFFFFF"/>
                 </a:solidFill>
               </a14:hiddenFill>
             </a:ext>
             <a:ext uri="{91240B29-F687-4f45-9708-019B960494DF}">
-              <a14:hiddenLine xmlns:a14="http://schemas.microsoft.com/office/drawing/2010/main" xmlns="" w="9525">
+              <a14:hiddenLine xmlns="" xmlns:a14="http://schemas.microsoft.com/office/drawing/2010/main" w="9525">
                 <a:solidFill>
                   <a:srgbClr val="000000"/>
                 </a:solidFill>
@@ -15714,14 +15716,14 @@
           </a:ln>
           <a:extLst>
             <a:ext uri="{909E8E84-426E-40dd-AFC4-6F175D3DCCD1}">
-              <a14:hiddenFill xmlns:a14="http://schemas.microsoft.com/office/drawing/2010/main" xmlns="">
+              <a14:hiddenFill xmlns="" xmlns:a14="http://schemas.microsoft.com/office/drawing/2010/main">
                 <a:solidFill>
                   <a:srgbClr val="FFFFFF"/>
                 </a:solidFill>
               </a14:hiddenFill>
             </a:ext>
             <a:ext uri="{91240B29-F687-4f45-9708-019B960494DF}">
-              <a14:hiddenLine xmlns:a14="http://schemas.microsoft.com/office/drawing/2010/main" xmlns="" w="9525">
+              <a14:hiddenLine xmlns="" xmlns:a14="http://schemas.microsoft.com/office/drawing/2010/main" w="9525">
                 <a:solidFill>
                   <a:srgbClr val="000000"/>
                 </a:solidFill>
@@ -15828,14 +15830,14 @@
           </a:ln>
           <a:extLst>
             <a:ext uri="{909E8E84-426E-40dd-AFC4-6F175D3DCCD1}">
-              <a14:hiddenFill xmlns:a14="http://schemas.microsoft.com/office/drawing/2010/main" xmlns="">
+              <a14:hiddenFill xmlns="" xmlns:a14="http://schemas.microsoft.com/office/drawing/2010/main">
                 <a:solidFill>
                   <a:srgbClr val="FFFFFF"/>
                 </a:solidFill>
               </a14:hiddenFill>
             </a:ext>
             <a:ext uri="{91240B29-F687-4f45-9708-019B960494DF}">
-              <a14:hiddenLine xmlns:a14="http://schemas.microsoft.com/office/drawing/2010/main" xmlns="" w="9525">
+              <a14:hiddenLine xmlns="" xmlns:a14="http://schemas.microsoft.com/office/drawing/2010/main" w="9525">
                 <a:solidFill>
                   <a:srgbClr val="000000"/>
                 </a:solidFill>
@@ -15942,14 +15944,14 @@
           </a:ln>
           <a:extLst>
             <a:ext uri="{909E8E84-426E-40dd-AFC4-6F175D3DCCD1}">
-              <a14:hiddenFill xmlns:a14="http://schemas.microsoft.com/office/drawing/2010/main" xmlns="">
+              <a14:hiddenFill xmlns="" xmlns:a14="http://schemas.microsoft.com/office/drawing/2010/main">
                 <a:solidFill>
                   <a:srgbClr val="FFFFFF"/>
                 </a:solidFill>
               </a14:hiddenFill>
             </a:ext>
             <a:ext uri="{91240B29-F687-4f45-9708-019B960494DF}">
-              <a14:hiddenLine xmlns:a14="http://schemas.microsoft.com/office/drawing/2010/main" xmlns="" w="9525">
+              <a14:hiddenLine xmlns="" xmlns:a14="http://schemas.microsoft.com/office/drawing/2010/main" w="9525">
                 <a:solidFill>
                   <a:srgbClr val="000000"/>
                 </a:solidFill>
@@ -16056,14 +16058,14 @@
           </a:ln>
           <a:extLst>
             <a:ext uri="{909E8E84-426E-40dd-AFC4-6F175D3DCCD1}">
-              <a14:hiddenFill xmlns:a14="http://schemas.microsoft.com/office/drawing/2010/main" xmlns="">
+              <a14:hiddenFill xmlns="" xmlns:a14="http://schemas.microsoft.com/office/drawing/2010/main">
                 <a:solidFill>
                   <a:srgbClr val="FFFFFF"/>
                 </a:solidFill>
               </a14:hiddenFill>
             </a:ext>
             <a:ext uri="{91240B29-F687-4f45-9708-019B960494DF}">
-              <a14:hiddenLine xmlns:a14="http://schemas.microsoft.com/office/drawing/2010/main" xmlns="" w="9525">
+              <a14:hiddenLine xmlns="" xmlns:a14="http://schemas.microsoft.com/office/drawing/2010/main" w="9525">
                 <a:solidFill>
                   <a:srgbClr val="000000"/>
                 </a:solidFill>
@@ -16092,7 +16094,7 @@
               <a:buFont typeface="Wingdings" charset="0"/>
               <a:buNone/>
             </a:pPr>
-            <a:endParaRPr lang="en-US" b="1"/>
+            <a:endParaRPr lang="en-US" b="1" dirty="0"/>
           </a:p>
           <a:p>
             <a:pPr marL="236538" indent="-236538" algn="l" defTabSz="814388">
@@ -16109,7 +16111,7 @@
               <a:buFont typeface="Wingdings" charset="0"/>
               <a:buChar char="§"/>
             </a:pPr>
-            <a:endParaRPr lang="fr-FR" b="1"/>
+            <a:endParaRPr lang="fr-FR" b="1" dirty="0"/>
           </a:p>
           <a:p>
             <a:pPr marL="236538" indent="-236538" algn="l" defTabSz="814388">
@@ -16127,24 +16129,41 @@
               <a:buChar char="§"/>
             </a:pPr>
             <a:r>
-              <a:rPr lang="fr-FR" b="1"/>
-              <a:t>Balance Sheet</a:t>
-            </a:r>
-          </a:p>
-          <a:p>
-            <a:pPr marL="236538" indent="-236538" algn="l" defTabSz="814388">
-              <a:lnSpc>
-                <a:spcPct val="95000"/>
-              </a:lnSpc>
-              <a:spcBef>
-                <a:spcPct val="50000"/>
-              </a:spcBef>
-              <a:buClr>
-                <a:schemeClr val="tx2"/>
-              </a:buClr>
-              <a:buSzPct val="100000"/>
-            </a:pPr>
-            <a:endParaRPr lang="fr-FR" b="1"/>
+              <a:rPr lang="fr-FR" b="1" dirty="0">
+                <a:highlight>
+                  <a:srgbClr val="00FF00"/>
+                </a:highlight>
+              </a:rPr>
+              <a:t>Balance </a:t>
+            </a:r>
+            <a:r>
+              <a:rPr lang="fr-FR" b="1" dirty="0" err="1">
+                <a:highlight>
+                  <a:srgbClr val="00FF00"/>
+                </a:highlight>
+              </a:rPr>
+              <a:t>Sheet</a:t>
+            </a:r>
+            <a:endParaRPr lang="fr-FR" b="1" dirty="0">
+              <a:highlight>
+                <a:srgbClr val="00FF00"/>
+              </a:highlight>
+            </a:endParaRPr>
+          </a:p>
+          <a:p>
+            <a:pPr marL="236538" indent="-236538" algn="l" defTabSz="814388">
+              <a:lnSpc>
+                <a:spcPct val="95000"/>
+              </a:lnSpc>
+              <a:spcBef>
+                <a:spcPct val="50000"/>
+              </a:spcBef>
+              <a:buClr>
+                <a:schemeClr val="tx2"/>
+              </a:buClr>
+              <a:buSzPct val="100000"/>
+            </a:pPr>
+            <a:endParaRPr lang="fr-FR" b="1" dirty="0"/>
           </a:p>
         </p:txBody>
       </p:sp>
@@ -16233,14 +16252,14 @@
           </a:ln>
           <a:extLst>
             <a:ext uri="{909E8E84-426E-40dd-AFC4-6F175D3DCCD1}">
-              <a14:hiddenFill xmlns:a14="http://schemas.microsoft.com/office/drawing/2010/main" xmlns="">
+              <a14:hiddenFill xmlns="" xmlns:a14="http://schemas.microsoft.com/office/drawing/2010/main">
                 <a:solidFill>
                   <a:srgbClr val="FFFFFF"/>
                 </a:solidFill>
               </a14:hiddenFill>
             </a:ext>
             <a:ext uri="{91240B29-F687-4f45-9708-019B960494DF}">
-              <a14:hiddenLine xmlns:a14="http://schemas.microsoft.com/office/drawing/2010/main" xmlns="" w="9525">
+              <a14:hiddenLine xmlns="" xmlns:a14="http://schemas.microsoft.com/office/drawing/2010/main" w="9525">
                 <a:solidFill>
                   <a:srgbClr val="000000"/>
                 </a:solidFill>
@@ -16291,14 +16310,14 @@
           </a:ln>
           <a:extLst>
             <a:ext uri="{909E8E84-426E-40dd-AFC4-6F175D3DCCD1}">
-              <a14:hiddenFill xmlns:a14="http://schemas.microsoft.com/office/drawing/2010/main" xmlns="">
+              <a14:hiddenFill xmlns="" xmlns:a14="http://schemas.microsoft.com/office/drawing/2010/main">
                 <a:solidFill>
                   <a:srgbClr val="FFFFFF"/>
                 </a:solidFill>
               </a14:hiddenFill>
             </a:ext>
             <a:ext uri="{91240B29-F687-4f45-9708-019B960494DF}">
-              <a14:hiddenLine xmlns:a14="http://schemas.microsoft.com/office/drawing/2010/main" xmlns="" w="9525">
+              <a14:hiddenLine xmlns="" xmlns:a14="http://schemas.microsoft.com/office/drawing/2010/main" w="9525">
                 <a:solidFill>
                   <a:srgbClr val="000000"/>
                 </a:solidFill>
@@ -16449,7 +16468,7 @@
         </p:nvSpPr>
         <p:spPr bwMode="auto">
           <a:xfrm>
-            <a:off x="687388" y="3181350"/>
+            <a:off x="796925" y="3191435"/>
             <a:ext cx="7883525" cy="2019300"/>
           </a:xfrm>
           <a:prstGeom prst="rect">
@@ -16461,14 +16480,14 @@
           </a:ln>
           <a:extLst>
             <a:ext uri="{909E8E84-426E-40dd-AFC4-6F175D3DCCD1}">
-              <a14:hiddenFill xmlns:a14="http://schemas.microsoft.com/office/drawing/2010/main" xmlns="">
+              <a14:hiddenFill xmlns="" xmlns:a14="http://schemas.microsoft.com/office/drawing/2010/main">
                 <a:solidFill>
                   <a:srgbClr val="FFFFFF"/>
                 </a:solidFill>
               </a14:hiddenFill>
             </a:ext>
             <a:ext uri="{91240B29-F687-4f45-9708-019B960494DF}">
-              <a14:hiddenLine xmlns:a14="http://schemas.microsoft.com/office/drawing/2010/main" xmlns="" w="9525">
+              <a14:hiddenLine xmlns="" xmlns:a14="http://schemas.microsoft.com/office/drawing/2010/main" w="9525">
                 <a:solidFill>
                   <a:srgbClr val="000000"/>
                 </a:solidFill>
@@ -16497,7 +16516,7 @@
               <a:buFont typeface="Wingdings" charset="0"/>
               <a:buNone/>
             </a:pPr>
-            <a:endParaRPr lang="en-US" b="1"/>
+            <a:endParaRPr lang="en-US" b="1" dirty="0"/>
           </a:p>
           <a:p>
             <a:pPr marL="236538" indent="-236538" algn="l" defTabSz="814388">
@@ -16514,7 +16533,7 @@
               <a:buFont typeface="Wingdings" charset="0"/>
               <a:buChar char="§"/>
             </a:pPr>
-            <a:endParaRPr lang="fr-FR" b="1"/>
+            <a:endParaRPr lang="fr-FR" b="1" dirty="0"/>
           </a:p>
           <a:p>
             <a:pPr marL="236538" indent="-236538" algn="l" defTabSz="814388">
@@ -16532,7 +16551,11 @@
               <a:buChar char="§"/>
             </a:pPr>
             <a:r>
-              <a:rPr lang="fr-FR" b="1"/>
+              <a:rPr lang="fr-FR" b="1" dirty="0">
+                <a:highlight>
+                  <a:srgbClr val="00FF00"/>
+                </a:highlight>
+              </a:rPr>
               <a:t>False</a:t>
             </a:r>
           </a:p>
@@ -16549,7 +16572,7 @@
               </a:buClr>
               <a:buSzPct val="100000"/>
             </a:pPr>
-            <a:endParaRPr lang="fr-FR" b="1"/>
+            <a:endParaRPr lang="fr-FR" b="1" dirty="0"/>
           </a:p>
         </p:txBody>
       </p:sp>
@@ -16563,8 +16586,8 @@
         </p:nvSpPr>
         <p:spPr bwMode="auto">
           <a:xfrm>
-            <a:off x="687388" y="3733800"/>
-            <a:ext cx="7883525" cy="2019300"/>
+            <a:off x="827087" y="3731097"/>
+            <a:ext cx="7883525" cy="1242074"/>
           </a:xfrm>
           <a:prstGeom prst="rect">
             <a:avLst/>
@@ -16575,14 +16598,14 @@
           </a:ln>
           <a:extLst>
             <a:ext uri="{909E8E84-426E-40dd-AFC4-6F175D3DCCD1}">
-              <a14:hiddenFill xmlns:a14="http://schemas.microsoft.com/office/drawing/2010/main" xmlns="">
+              <a14:hiddenFill xmlns="" xmlns:a14="http://schemas.microsoft.com/office/drawing/2010/main">
                 <a:solidFill>
                   <a:srgbClr val="FFFFFF"/>
                 </a:solidFill>
               </a14:hiddenFill>
             </a:ext>
             <a:ext uri="{91240B29-F687-4f45-9708-019B960494DF}">
-              <a14:hiddenLine xmlns:a14="http://schemas.microsoft.com/office/drawing/2010/main" xmlns="" w="9525">
+              <a14:hiddenLine xmlns="" xmlns:a14="http://schemas.microsoft.com/office/drawing/2010/main" w="9525">
                 <a:solidFill>
                   <a:srgbClr val="000000"/>
                 </a:solidFill>
@@ -16611,7 +16634,7 @@
               <a:buFont typeface="Wingdings" charset="0"/>
               <a:buNone/>
             </a:pPr>
-            <a:endParaRPr lang="en-US" b="1"/>
+            <a:endParaRPr lang="en-US" b="1" dirty="0"/>
           </a:p>
           <a:p>
             <a:pPr marL="236538" indent="-236538" algn="l" defTabSz="814388">
@@ -16628,7 +16651,7 @@
               <a:buFont typeface="Wingdings" charset="0"/>
               <a:buChar char="§"/>
             </a:pPr>
-            <a:endParaRPr lang="fr-FR" b="1"/>
+            <a:endParaRPr lang="fr-FR" b="1" dirty="0"/>
           </a:p>
           <a:p>
             <a:pPr marL="236538" indent="-236538" algn="l" defTabSz="814388">
@@ -16646,24 +16669,25 @@
               <a:buChar char="§"/>
             </a:pPr>
             <a:r>
-              <a:rPr lang="fr-FR" b="1"/>
+              <a:rPr lang="fr-FR" b="1" dirty="0" err="1"/>
               <a:t>True</a:t>
             </a:r>
-          </a:p>
-          <a:p>
-            <a:pPr marL="236538" indent="-236538" algn="l" defTabSz="814388">
-              <a:lnSpc>
-                <a:spcPct val="95000"/>
-              </a:lnSpc>
-              <a:spcBef>
-                <a:spcPct val="50000"/>
-              </a:spcBef>
-              <a:buClr>
-                <a:schemeClr val="tx2"/>
-              </a:buClr>
-              <a:buSzPct val="100000"/>
-            </a:pPr>
-            <a:endParaRPr lang="fr-FR" b="1"/>
+            <a:endParaRPr lang="fr-FR" b="1" dirty="0"/>
+          </a:p>
+          <a:p>
+            <a:pPr marL="236538" indent="-236538" algn="l" defTabSz="814388">
+              <a:lnSpc>
+                <a:spcPct val="95000"/>
+              </a:lnSpc>
+              <a:spcBef>
+                <a:spcPct val="50000"/>
+              </a:spcBef>
+              <a:buClr>
+                <a:schemeClr val="tx2"/>
+              </a:buClr>
+              <a:buSzPct val="100000"/>
+            </a:pPr>
+            <a:endParaRPr lang="fr-FR" b="1" dirty="0"/>
           </a:p>
         </p:txBody>
       </p:sp>
@@ -16700,6 +16724,123 @@
       </p:grpSpPr>
       <p:sp>
         <p:nvSpPr>
+          <p:cNvPr id="16389" name="Rectangle 5"/>
+          <p:cNvSpPr>
+            <a:spLocks noChangeArrowheads="1"/>
+          </p:cNvSpPr>
+          <p:nvPr/>
+        </p:nvSpPr>
+        <p:spPr bwMode="auto">
+          <a:xfrm>
+            <a:off x="687388" y="3733800"/>
+            <a:ext cx="7883525" cy="2019300"/>
+          </a:xfrm>
+          <a:prstGeom prst="rect">
+            <a:avLst/>
+          </a:prstGeom>
+          <a:noFill/>
+          <a:ln>
+            <a:noFill/>
+          </a:ln>
+          <a:extLst>
+            <a:ext uri="{909E8E84-426E-40dd-AFC4-6F175D3DCCD1}">
+              <a14:hiddenFill xmlns="" xmlns:a14="http://schemas.microsoft.com/office/drawing/2010/main">
+                <a:solidFill>
+                  <a:srgbClr val="FFFFFF"/>
+                </a:solidFill>
+              </a14:hiddenFill>
+            </a:ext>
+            <a:ext uri="{91240B29-F687-4f45-9708-019B960494DF}">
+              <a14:hiddenLine xmlns="" xmlns:a14="http://schemas.microsoft.com/office/drawing/2010/main" w="9525">
+                <a:solidFill>
+                  <a:srgbClr val="000000"/>
+                </a:solidFill>
+                <a:miter lim="800000"/>
+                <a:headEnd/>
+                <a:tailEnd/>
+              </a14:hiddenLine>
+            </a:ext>
+          </a:extLst>
+        </p:spPr>
+        <p:txBody>
+          <a:bodyPr lIns="82124" tIns="41061" rIns="82124" bIns="41061"/>
+          <a:lstStyle/>
+          <a:p>
+            <a:pPr marL="236538" indent="-236538" algn="l" defTabSz="814388">
+              <a:lnSpc>
+                <a:spcPct val="95000"/>
+              </a:lnSpc>
+              <a:spcBef>
+                <a:spcPct val="50000"/>
+              </a:spcBef>
+              <a:buClr>
+                <a:schemeClr val="tx2"/>
+              </a:buClr>
+              <a:buSzPct val="100000"/>
+              <a:buFont typeface="Wingdings" charset="0"/>
+              <a:buNone/>
+            </a:pPr>
+            <a:r>
+              <a:rPr lang="en-US" b="1" dirty="0"/>
+              <a:t>			</a:t>
+            </a:r>
+          </a:p>
+          <a:p>
+            <a:pPr marL="236538" indent="-236538" algn="l" defTabSz="814388">
+              <a:lnSpc>
+                <a:spcPct val="95000"/>
+              </a:lnSpc>
+              <a:spcBef>
+                <a:spcPct val="50000"/>
+              </a:spcBef>
+              <a:buClr>
+                <a:schemeClr val="tx2"/>
+              </a:buClr>
+              <a:buSzPct val="100000"/>
+              <a:buFont typeface="Wingdings" charset="0"/>
+              <a:buChar char="§"/>
+            </a:pPr>
+            <a:endParaRPr lang="fr-FR" b="1" dirty="0"/>
+          </a:p>
+          <a:p>
+            <a:pPr marL="236538" indent="-236538" algn="l" defTabSz="814388">
+              <a:lnSpc>
+                <a:spcPct val="95000"/>
+              </a:lnSpc>
+              <a:spcBef>
+                <a:spcPct val="50000"/>
+              </a:spcBef>
+              <a:buClr>
+                <a:schemeClr val="tx2"/>
+              </a:buClr>
+              <a:buSzPct val="100000"/>
+              <a:buFont typeface="Wingdings" charset="0"/>
+              <a:buChar char="§"/>
+            </a:pPr>
+            <a:r>
+              <a:rPr lang="fr-FR" b="1" dirty="0"/>
+              <a:t>False</a:t>
+            </a:r>
+          </a:p>
+          <a:p>
+            <a:pPr marL="236538" indent="-236538" algn="l" defTabSz="814388">
+              <a:lnSpc>
+                <a:spcPct val="95000"/>
+              </a:lnSpc>
+              <a:spcBef>
+                <a:spcPct val="50000"/>
+              </a:spcBef>
+              <a:buClr>
+                <a:schemeClr val="tx2"/>
+              </a:buClr>
+              <a:buSzPct val="100000"/>
+            </a:pPr>
+            <a:endParaRPr lang="fr-FR" b="1" dirty="0"/>
+          </a:p>
+        </p:txBody>
+      </p:sp>
+      <p:sp>
+        <p:nvSpPr>
           <p:cNvPr id="16385" name="Rectangle 2"/>
           <p:cNvSpPr>
             <a:spLocks noGrp="1" noChangeArrowheads="1"/>
@@ -16752,14 +16893,14 @@
           </a:ln>
           <a:extLst>
             <a:ext uri="{909E8E84-426E-40dd-AFC4-6F175D3DCCD1}">
-              <a14:hiddenFill xmlns:a14="http://schemas.microsoft.com/office/drawing/2010/main" xmlns="">
+              <a14:hiddenFill xmlns="" xmlns:a14="http://schemas.microsoft.com/office/drawing/2010/main">
                 <a:solidFill>
                   <a:srgbClr val="FFFFFF"/>
                 </a:solidFill>
               </a14:hiddenFill>
             </a:ext>
             <a:ext uri="{91240B29-F687-4f45-9708-019B960494DF}">
-              <a14:hiddenLine xmlns:a14="http://schemas.microsoft.com/office/drawing/2010/main" xmlns="" w="9525">
+              <a14:hiddenLine xmlns="" xmlns:a14="http://schemas.microsoft.com/office/drawing/2010/main" w="9525">
                 <a:solidFill>
                   <a:srgbClr val="000000"/>
                 </a:solidFill>
@@ -16810,14 +16951,14 @@
           </a:ln>
           <a:extLst>
             <a:ext uri="{909E8E84-426E-40dd-AFC4-6F175D3DCCD1}">
-              <a14:hiddenFill xmlns:a14="http://schemas.microsoft.com/office/drawing/2010/main" xmlns="">
+              <a14:hiddenFill xmlns="" xmlns:a14="http://schemas.microsoft.com/office/drawing/2010/main">
                 <a:solidFill>
                   <a:srgbClr val="FFFFFF"/>
                 </a:solidFill>
               </a14:hiddenFill>
             </a:ext>
             <a:ext uri="{91240B29-F687-4f45-9708-019B960494DF}">
-              <a14:hiddenLine xmlns:a14="http://schemas.microsoft.com/office/drawing/2010/main" xmlns="" w="9525">
+              <a14:hiddenLine xmlns="" xmlns:a14="http://schemas.microsoft.com/office/drawing/2010/main" w="9525">
                 <a:solidFill>
                   <a:srgbClr val="000000"/>
                 </a:solidFill>
@@ -16959,14 +17100,14 @@
           </a:ln>
           <a:extLst>
             <a:ext uri="{909E8E84-426E-40dd-AFC4-6F175D3DCCD1}">
-              <a14:hiddenFill xmlns:a14="http://schemas.microsoft.com/office/drawing/2010/main" xmlns="">
+              <a14:hiddenFill xmlns="" xmlns:a14="http://schemas.microsoft.com/office/drawing/2010/main">
                 <a:solidFill>
                   <a:srgbClr val="FFFFFF"/>
                 </a:solidFill>
               </a14:hiddenFill>
             </a:ext>
             <a:ext uri="{91240B29-F687-4f45-9708-019B960494DF}">
-              <a14:hiddenLine xmlns:a14="http://schemas.microsoft.com/office/drawing/2010/main" xmlns="" w="9525">
+              <a14:hiddenLine xmlns="" xmlns:a14="http://schemas.microsoft.com/office/drawing/2010/main" w="9525">
                 <a:solidFill>
                   <a:srgbClr val="000000"/>
                 </a:solidFill>
@@ -16995,7 +17136,7 @@
               <a:buFont typeface="Wingdings" charset="0"/>
               <a:buNone/>
             </a:pPr>
-            <a:endParaRPr lang="en-US" b="1"/>
+            <a:endParaRPr lang="en-US" b="1" dirty="0"/>
           </a:p>
           <a:p>
             <a:pPr marL="236538" indent="-236538" algn="l" defTabSz="814388">
@@ -17012,7 +17153,7 @@
               <a:buFont typeface="Wingdings" charset="0"/>
               <a:buChar char="§"/>
             </a:pPr>
-            <a:endParaRPr lang="fr-FR" b="1"/>
+            <a:endParaRPr lang="fr-FR" b="1" dirty="0"/>
           </a:p>
           <a:p>
             <a:pPr marL="236538" indent="-236538" algn="l" defTabSz="814388">
@@ -17030,138 +17171,33 @@
               <a:buChar char="§"/>
             </a:pPr>
             <a:r>
-              <a:rPr lang="fr-FR" b="1"/>
+              <a:rPr lang="fr-FR" b="1" dirty="0" err="1">
+                <a:highlight>
+                  <a:srgbClr val="00FF00"/>
+                </a:highlight>
+              </a:rPr>
               <a:t>True</a:t>
             </a:r>
-          </a:p>
-          <a:p>
-            <a:pPr marL="236538" indent="-236538" algn="l" defTabSz="814388">
-              <a:lnSpc>
-                <a:spcPct val="95000"/>
-              </a:lnSpc>
-              <a:spcBef>
-                <a:spcPct val="50000"/>
-              </a:spcBef>
-              <a:buClr>
-                <a:schemeClr val="tx2"/>
-              </a:buClr>
-              <a:buSzPct val="100000"/>
-            </a:pPr>
-            <a:endParaRPr lang="fr-FR" b="1"/>
-          </a:p>
-        </p:txBody>
-      </p:sp>
-      <p:sp>
-        <p:nvSpPr>
-          <p:cNvPr id="16389" name="Rectangle 5"/>
-          <p:cNvSpPr>
-            <a:spLocks noChangeArrowheads="1"/>
-          </p:cNvSpPr>
-          <p:nvPr/>
-        </p:nvSpPr>
-        <p:spPr bwMode="auto">
-          <a:xfrm>
-            <a:off x="687388" y="3733800"/>
-            <a:ext cx="7883525" cy="2019300"/>
-          </a:xfrm>
-          <a:prstGeom prst="rect">
-            <a:avLst/>
-          </a:prstGeom>
-          <a:noFill/>
-          <a:ln>
-            <a:noFill/>
-          </a:ln>
-          <a:extLst>
-            <a:ext uri="{909E8E84-426E-40dd-AFC4-6F175D3DCCD1}">
-              <a14:hiddenFill xmlns:a14="http://schemas.microsoft.com/office/drawing/2010/main" xmlns="">
-                <a:solidFill>
-                  <a:srgbClr val="FFFFFF"/>
-                </a:solidFill>
-              </a14:hiddenFill>
-            </a:ext>
-            <a:ext uri="{91240B29-F687-4f45-9708-019B960494DF}">
-              <a14:hiddenLine xmlns:a14="http://schemas.microsoft.com/office/drawing/2010/main" xmlns="" w="9525">
-                <a:solidFill>
-                  <a:srgbClr val="000000"/>
-                </a:solidFill>
-                <a:miter lim="800000"/>
-                <a:headEnd/>
-                <a:tailEnd/>
-              </a14:hiddenLine>
-            </a:ext>
-          </a:extLst>
-        </p:spPr>
-        <p:txBody>
-          <a:bodyPr lIns="82124" tIns="41061" rIns="82124" bIns="41061"/>
-          <a:lstStyle/>
-          <a:p>
-            <a:pPr marL="236538" indent="-236538" algn="l" defTabSz="814388">
-              <a:lnSpc>
-                <a:spcPct val="95000"/>
-              </a:lnSpc>
-              <a:spcBef>
-                <a:spcPct val="50000"/>
-              </a:spcBef>
-              <a:buClr>
-                <a:schemeClr val="tx2"/>
-              </a:buClr>
-              <a:buSzPct val="100000"/>
-              <a:buFont typeface="Wingdings" charset="0"/>
-              <a:buNone/>
-            </a:pPr>
-            <a:endParaRPr lang="en-US" b="1"/>
-          </a:p>
-          <a:p>
-            <a:pPr marL="236538" indent="-236538" algn="l" defTabSz="814388">
-              <a:lnSpc>
-                <a:spcPct val="95000"/>
-              </a:lnSpc>
-              <a:spcBef>
-                <a:spcPct val="50000"/>
-              </a:spcBef>
-              <a:buClr>
-                <a:schemeClr val="tx2"/>
-              </a:buClr>
-              <a:buSzPct val="100000"/>
-              <a:buFont typeface="Wingdings" charset="0"/>
-              <a:buChar char="§"/>
-            </a:pPr>
-            <a:endParaRPr lang="fr-FR" b="1"/>
-          </a:p>
-          <a:p>
-            <a:pPr marL="236538" indent="-236538" algn="l" defTabSz="814388">
-              <a:lnSpc>
-                <a:spcPct val="95000"/>
-              </a:lnSpc>
-              <a:spcBef>
-                <a:spcPct val="50000"/>
-              </a:spcBef>
-              <a:buClr>
-                <a:schemeClr val="tx2"/>
-              </a:buClr>
-              <a:buSzPct val="100000"/>
-              <a:buFont typeface="Wingdings" charset="0"/>
-              <a:buChar char="§"/>
-            </a:pPr>
-            <a:r>
-              <a:rPr lang="fr-FR" b="1"/>
-              <a:t>False</a:t>
-            </a:r>
-          </a:p>
-          <a:p>
-            <a:pPr marL="236538" indent="-236538" algn="l" defTabSz="814388">
-              <a:lnSpc>
-                <a:spcPct val="95000"/>
-              </a:lnSpc>
-              <a:spcBef>
-                <a:spcPct val="50000"/>
-              </a:spcBef>
-              <a:buClr>
-                <a:schemeClr val="tx2"/>
-              </a:buClr>
-              <a:buSzPct val="100000"/>
-            </a:pPr>
-            <a:endParaRPr lang="fr-FR" b="1"/>
+            <a:endParaRPr lang="fr-FR" b="1" dirty="0">
+              <a:highlight>
+                <a:srgbClr val="00FF00"/>
+              </a:highlight>
+            </a:endParaRPr>
+          </a:p>
+          <a:p>
+            <a:pPr marL="236538" indent="-236538" algn="l" defTabSz="814388">
+              <a:lnSpc>
+                <a:spcPct val="95000"/>
+              </a:lnSpc>
+              <a:spcBef>
+                <a:spcPct val="50000"/>
+              </a:spcBef>
+              <a:buClr>
+                <a:schemeClr val="tx2"/>
+              </a:buClr>
+              <a:buSzPct val="100000"/>
+            </a:pPr>
+            <a:endParaRPr lang="fr-FR" b="1" dirty="0"/>
           </a:p>
         </p:txBody>
       </p:sp>
@@ -17250,14 +17286,14 @@
           </a:ln>
           <a:extLst>
             <a:ext uri="{909E8E84-426E-40dd-AFC4-6F175D3DCCD1}">
-              <a14:hiddenFill xmlns:a14="http://schemas.microsoft.com/office/drawing/2010/main" xmlns="">
+              <a14:hiddenFill xmlns="" xmlns:a14="http://schemas.microsoft.com/office/drawing/2010/main">
                 <a:solidFill>
                   <a:srgbClr val="FFFFFF"/>
                 </a:solidFill>
               </a14:hiddenFill>
             </a:ext>
             <a:ext uri="{91240B29-F687-4f45-9708-019B960494DF}">
-              <a14:hiddenLine xmlns:a14="http://schemas.microsoft.com/office/drawing/2010/main" xmlns="" w="9525">
+              <a14:hiddenLine xmlns="" xmlns:a14="http://schemas.microsoft.com/office/drawing/2010/main" w="9525">
                 <a:solidFill>
                   <a:srgbClr val="000000"/>
                 </a:solidFill>
@@ -17308,14 +17344,14 @@
           </a:ln>
           <a:extLst>
             <a:ext uri="{909E8E84-426E-40dd-AFC4-6F175D3DCCD1}">
-              <a14:hiddenFill xmlns:a14="http://schemas.microsoft.com/office/drawing/2010/main" xmlns="">
+              <a14:hiddenFill xmlns="" xmlns:a14="http://schemas.microsoft.com/office/drawing/2010/main">
                 <a:solidFill>
                   <a:srgbClr val="FFFFFF"/>
                 </a:solidFill>
               </a14:hiddenFill>
             </a:ext>
             <a:ext uri="{91240B29-F687-4f45-9708-019B960494DF}">
-              <a14:hiddenLine xmlns:a14="http://schemas.microsoft.com/office/drawing/2010/main" xmlns="" w="9525">
+              <a14:hiddenLine xmlns="" xmlns:a14="http://schemas.microsoft.com/office/drawing/2010/main" w="9525">
                 <a:solidFill>
                   <a:srgbClr val="000000"/>
                 </a:solidFill>
@@ -17488,6 +17524,120 @@
               <a:rPr lang="fr-FR" b="1" dirty="0"/>
               <a:t> </a:t>
             </a:r>
+          </a:p>
+        </p:txBody>
+      </p:sp>
+      <p:sp>
+        <p:nvSpPr>
+          <p:cNvPr id="17413" name="Rectangle 5"/>
+          <p:cNvSpPr>
+            <a:spLocks noChangeArrowheads="1"/>
+          </p:cNvSpPr>
+          <p:nvPr/>
+        </p:nvSpPr>
+        <p:spPr bwMode="auto">
+          <a:xfrm>
+            <a:off x="687388" y="3733800"/>
+            <a:ext cx="7883525" cy="2019300"/>
+          </a:xfrm>
+          <a:prstGeom prst="rect">
+            <a:avLst/>
+          </a:prstGeom>
+          <a:noFill/>
+          <a:ln>
+            <a:noFill/>
+          </a:ln>
+          <a:extLst>
+            <a:ext uri="{909E8E84-426E-40dd-AFC4-6F175D3DCCD1}">
+              <a14:hiddenFill xmlns="" xmlns:a14="http://schemas.microsoft.com/office/drawing/2010/main">
+                <a:solidFill>
+                  <a:srgbClr val="FFFFFF"/>
+                </a:solidFill>
+              </a14:hiddenFill>
+            </a:ext>
+            <a:ext uri="{91240B29-F687-4f45-9708-019B960494DF}">
+              <a14:hiddenLine xmlns="" xmlns:a14="http://schemas.microsoft.com/office/drawing/2010/main" w="9525">
+                <a:solidFill>
+                  <a:srgbClr val="000000"/>
+                </a:solidFill>
+                <a:miter lim="800000"/>
+                <a:headEnd/>
+                <a:tailEnd/>
+              </a14:hiddenLine>
+            </a:ext>
+          </a:extLst>
+        </p:spPr>
+        <p:txBody>
+          <a:bodyPr lIns="82124" tIns="41061" rIns="82124" bIns="41061"/>
+          <a:lstStyle/>
+          <a:p>
+            <a:pPr marL="236538" indent="-236538" algn="l" defTabSz="814388">
+              <a:lnSpc>
+                <a:spcPct val="95000"/>
+              </a:lnSpc>
+              <a:spcBef>
+                <a:spcPct val="50000"/>
+              </a:spcBef>
+              <a:buClr>
+                <a:schemeClr val="tx2"/>
+              </a:buClr>
+              <a:buSzPct val="100000"/>
+              <a:buFont typeface="Wingdings" charset="0"/>
+              <a:buNone/>
+            </a:pPr>
+            <a:endParaRPr lang="en-US" b="1" dirty="0"/>
+          </a:p>
+          <a:p>
+            <a:pPr marL="236538" indent="-236538" algn="l" defTabSz="814388">
+              <a:lnSpc>
+                <a:spcPct val="95000"/>
+              </a:lnSpc>
+              <a:spcBef>
+                <a:spcPct val="50000"/>
+              </a:spcBef>
+              <a:buClr>
+                <a:schemeClr val="tx2"/>
+              </a:buClr>
+              <a:buSzPct val="100000"/>
+              <a:buFont typeface="Wingdings" charset="0"/>
+              <a:buChar char="§"/>
+            </a:pPr>
+            <a:endParaRPr lang="fr-FR" b="1" dirty="0"/>
+          </a:p>
+          <a:p>
+            <a:pPr marL="236538" indent="-236538" algn="l" defTabSz="814388">
+              <a:lnSpc>
+                <a:spcPct val="95000"/>
+              </a:lnSpc>
+              <a:spcBef>
+                <a:spcPct val="50000"/>
+              </a:spcBef>
+              <a:buClr>
+                <a:schemeClr val="tx2"/>
+              </a:buClr>
+              <a:buSzPct val="100000"/>
+              <a:buFont typeface="Wingdings" charset="0"/>
+              <a:buChar char="§"/>
+            </a:pPr>
+            <a:r>
+              <a:rPr lang="fr-FR" b="1" dirty="0"/>
+              <a:t>False</a:t>
+            </a:r>
+          </a:p>
+          <a:p>
+            <a:pPr marL="236538" indent="-236538" algn="l" defTabSz="814388">
+              <a:lnSpc>
+                <a:spcPct val="95000"/>
+              </a:lnSpc>
+              <a:spcBef>
+                <a:spcPct val="50000"/>
+              </a:spcBef>
+              <a:buClr>
+                <a:schemeClr val="tx2"/>
+              </a:buClr>
+              <a:buSzPct val="100000"/>
+            </a:pPr>
+            <a:endParaRPr lang="fr-FR" b="1" dirty="0"/>
           </a:p>
         </p:txBody>
       </p:sp>
@@ -17513,14 +17663,14 @@
           </a:ln>
           <a:extLst>
             <a:ext uri="{909E8E84-426E-40dd-AFC4-6F175D3DCCD1}">
-              <a14:hiddenFill xmlns:a14="http://schemas.microsoft.com/office/drawing/2010/main" xmlns="">
+              <a14:hiddenFill xmlns="" xmlns:a14="http://schemas.microsoft.com/office/drawing/2010/main">
                 <a:solidFill>
                   <a:srgbClr val="FFFFFF"/>
                 </a:solidFill>
               </a14:hiddenFill>
             </a:ext>
             <a:ext uri="{91240B29-F687-4f45-9708-019B960494DF}">
-              <a14:hiddenLine xmlns:a14="http://schemas.microsoft.com/office/drawing/2010/main" xmlns="" w="9525">
+              <a14:hiddenLine xmlns="" xmlns:a14="http://schemas.microsoft.com/office/drawing/2010/main" w="9525">
                 <a:solidFill>
                   <a:srgbClr val="000000"/>
                 </a:solidFill>
@@ -17549,7 +17699,11 @@
               <a:buFont typeface="Wingdings" charset="0"/>
               <a:buNone/>
             </a:pPr>
-            <a:endParaRPr lang="en-US" b="1"/>
+            <a:endParaRPr lang="en-US" b="1" dirty="0">
+              <a:highlight>
+                <a:srgbClr val="00FF00"/>
+              </a:highlight>
+            </a:endParaRPr>
           </a:p>
           <a:p>
             <a:pPr marL="236538" indent="-236538" algn="l" defTabSz="814388">
@@ -17566,7 +17720,11 @@
               <a:buFont typeface="Wingdings" charset="0"/>
               <a:buChar char="§"/>
             </a:pPr>
-            <a:endParaRPr lang="fr-FR" b="1"/>
+            <a:endParaRPr lang="fr-FR" b="1" dirty="0">
+              <a:highlight>
+                <a:srgbClr val="00FF00"/>
+              </a:highlight>
+            </a:endParaRPr>
           </a:p>
           <a:p>
             <a:pPr marL="236538" indent="-236538" algn="l" defTabSz="814388">
@@ -17584,138 +17742,37 @@
               <a:buChar char="§"/>
             </a:pPr>
             <a:r>
-              <a:rPr lang="fr-FR" b="1"/>
+              <a:rPr lang="fr-FR" b="1" dirty="0" err="1">
+                <a:highlight>
+                  <a:srgbClr val="00FF00"/>
+                </a:highlight>
+              </a:rPr>
               <a:t>True</a:t>
             </a:r>
-          </a:p>
-          <a:p>
-            <a:pPr marL="236538" indent="-236538" algn="l" defTabSz="814388">
-              <a:lnSpc>
-                <a:spcPct val="95000"/>
-              </a:lnSpc>
-              <a:spcBef>
-                <a:spcPct val="50000"/>
-              </a:spcBef>
-              <a:buClr>
-                <a:schemeClr val="tx2"/>
-              </a:buClr>
-              <a:buSzPct val="100000"/>
-            </a:pPr>
-            <a:endParaRPr lang="fr-FR" b="1"/>
-          </a:p>
-        </p:txBody>
-      </p:sp>
-      <p:sp>
-        <p:nvSpPr>
-          <p:cNvPr id="17413" name="Rectangle 5"/>
-          <p:cNvSpPr>
-            <a:spLocks noChangeArrowheads="1"/>
-          </p:cNvSpPr>
-          <p:nvPr/>
-        </p:nvSpPr>
-        <p:spPr bwMode="auto">
-          <a:xfrm>
-            <a:off x="687388" y="3733800"/>
-            <a:ext cx="7883525" cy="2019300"/>
-          </a:xfrm>
-          <a:prstGeom prst="rect">
-            <a:avLst/>
-          </a:prstGeom>
-          <a:noFill/>
-          <a:ln>
-            <a:noFill/>
-          </a:ln>
-          <a:extLst>
-            <a:ext uri="{909E8E84-426E-40dd-AFC4-6F175D3DCCD1}">
-              <a14:hiddenFill xmlns:a14="http://schemas.microsoft.com/office/drawing/2010/main" xmlns="">
-                <a:solidFill>
-                  <a:srgbClr val="FFFFFF"/>
-                </a:solidFill>
-              </a14:hiddenFill>
-            </a:ext>
-            <a:ext uri="{91240B29-F687-4f45-9708-019B960494DF}">
-              <a14:hiddenLine xmlns:a14="http://schemas.microsoft.com/office/drawing/2010/main" xmlns="" w="9525">
-                <a:solidFill>
-                  <a:srgbClr val="000000"/>
-                </a:solidFill>
-                <a:miter lim="800000"/>
-                <a:headEnd/>
-                <a:tailEnd/>
-              </a14:hiddenLine>
-            </a:ext>
-          </a:extLst>
-        </p:spPr>
-        <p:txBody>
-          <a:bodyPr lIns="82124" tIns="41061" rIns="82124" bIns="41061"/>
-          <a:lstStyle/>
-          <a:p>
-            <a:pPr marL="236538" indent="-236538" algn="l" defTabSz="814388">
-              <a:lnSpc>
-                <a:spcPct val="95000"/>
-              </a:lnSpc>
-              <a:spcBef>
-                <a:spcPct val="50000"/>
-              </a:spcBef>
-              <a:buClr>
-                <a:schemeClr val="tx2"/>
-              </a:buClr>
-              <a:buSzPct val="100000"/>
-              <a:buFont typeface="Wingdings" charset="0"/>
-              <a:buNone/>
-            </a:pPr>
-            <a:endParaRPr lang="en-US" b="1"/>
-          </a:p>
-          <a:p>
-            <a:pPr marL="236538" indent="-236538" algn="l" defTabSz="814388">
-              <a:lnSpc>
-                <a:spcPct val="95000"/>
-              </a:lnSpc>
-              <a:spcBef>
-                <a:spcPct val="50000"/>
-              </a:spcBef>
-              <a:buClr>
-                <a:schemeClr val="tx2"/>
-              </a:buClr>
-              <a:buSzPct val="100000"/>
-              <a:buFont typeface="Wingdings" charset="0"/>
-              <a:buChar char="§"/>
-            </a:pPr>
-            <a:endParaRPr lang="fr-FR" b="1"/>
-          </a:p>
-          <a:p>
-            <a:pPr marL="236538" indent="-236538" algn="l" defTabSz="814388">
-              <a:lnSpc>
-                <a:spcPct val="95000"/>
-              </a:lnSpc>
-              <a:spcBef>
-                <a:spcPct val="50000"/>
-              </a:spcBef>
-              <a:buClr>
-                <a:schemeClr val="tx2"/>
-              </a:buClr>
-              <a:buSzPct val="100000"/>
-              <a:buFont typeface="Wingdings" charset="0"/>
-              <a:buChar char="§"/>
-            </a:pPr>
-            <a:r>
-              <a:rPr lang="fr-FR" b="1"/>
-              <a:t>False</a:t>
-            </a:r>
-          </a:p>
-          <a:p>
-            <a:pPr marL="236538" indent="-236538" algn="l" defTabSz="814388">
-              <a:lnSpc>
-                <a:spcPct val="95000"/>
-              </a:lnSpc>
-              <a:spcBef>
-                <a:spcPct val="50000"/>
-              </a:spcBef>
-              <a:buClr>
-                <a:schemeClr val="tx2"/>
-              </a:buClr>
-              <a:buSzPct val="100000"/>
-            </a:pPr>
-            <a:endParaRPr lang="fr-FR" b="1"/>
+            <a:endParaRPr lang="fr-FR" b="1" dirty="0">
+              <a:highlight>
+                <a:srgbClr val="00FF00"/>
+              </a:highlight>
+            </a:endParaRPr>
+          </a:p>
+          <a:p>
+            <a:pPr marL="236538" indent="-236538" algn="l" defTabSz="814388">
+              <a:lnSpc>
+                <a:spcPct val="95000"/>
+              </a:lnSpc>
+              <a:spcBef>
+                <a:spcPct val="50000"/>
+              </a:spcBef>
+              <a:buClr>
+                <a:schemeClr val="tx2"/>
+              </a:buClr>
+              <a:buSzPct val="100000"/>
+            </a:pPr>
+            <a:endParaRPr lang="fr-FR" b="1" dirty="0">
+              <a:highlight>
+                <a:srgbClr val="00FF00"/>
+              </a:highlight>
+            </a:endParaRPr>
           </a:p>
         </p:txBody>
       </p:sp>
@@ -17804,14 +17861,14 @@
           </a:ln>
           <a:extLst>
             <a:ext uri="{909E8E84-426E-40dd-AFC4-6F175D3DCCD1}">
-              <a14:hiddenFill xmlns:a14="http://schemas.microsoft.com/office/drawing/2010/main" xmlns="">
+              <a14:hiddenFill xmlns="" xmlns:a14="http://schemas.microsoft.com/office/drawing/2010/main">
                 <a:solidFill>
                   <a:srgbClr val="FFFFFF"/>
                 </a:solidFill>
               </a14:hiddenFill>
             </a:ext>
             <a:ext uri="{91240B29-F687-4f45-9708-019B960494DF}">
-              <a14:hiddenLine xmlns:a14="http://schemas.microsoft.com/office/drawing/2010/main" xmlns="" w="9525">
+              <a14:hiddenLine xmlns="" xmlns:a14="http://schemas.microsoft.com/office/drawing/2010/main" w="9525">
                 <a:solidFill>
                   <a:srgbClr val="000000"/>
                 </a:solidFill>
@@ -17862,14 +17919,14 @@
           </a:ln>
           <a:extLst>
             <a:ext uri="{909E8E84-426E-40dd-AFC4-6F175D3DCCD1}">
-              <a14:hiddenFill xmlns:a14="http://schemas.microsoft.com/office/drawing/2010/main" xmlns="">
+              <a14:hiddenFill xmlns="" xmlns:a14="http://schemas.microsoft.com/office/drawing/2010/main">
                 <a:solidFill>
                   <a:srgbClr val="FFFFFF"/>
                 </a:solidFill>
               </a14:hiddenFill>
             </a:ext>
             <a:ext uri="{91240B29-F687-4f45-9708-019B960494DF}">
-              <a14:hiddenLine xmlns:a14="http://schemas.microsoft.com/office/drawing/2010/main" xmlns="" w="9525">
+              <a14:hiddenLine xmlns="" xmlns:a14="http://schemas.microsoft.com/office/drawing/2010/main" w="9525">
                 <a:solidFill>
                   <a:srgbClr val="000000"/>
                 </a:solidFill>
@@ -18023,14 +18080,14 @@
           </a:ln>
           <a:extLst>
             <a:ext uri="{909E8E84-426E-40dd-AFC4-6F175D3DCCD1}">
-              <a14:hiddenFill xmlns:a14="http://schemas.microsoft.com/office/drawing/2010/main" xmlns="">
+              <a14:hiddenFill xmlns="" xmlns:a14="http://schemas.microsoft.com/office/drawing/2010/main">
                 <a:solidFill>
                   <a:srgbClr val="FFFFFF"/>
                 </a:solidFill>
               </a14:hiddenFill>
             </a:ext>
             <a:ext uri="{91240B29-F687-4f45-9708-019B960494DF}">
-              <a14:hiddenLine xmlns:a14="http://schemas.microsoft.com/office/drawing/2010/main" xmlns="" w="9525">
+              <a14:hiddenLine xmlns="" xmlns:a14="http://schemas.microsoft.com/office/drawing/2010/main" w="9525">
                 <a:solidFill>
                   <a:srgbClr val="000000"/>
                 </a:solidFill>
@@ -18059,7 +18116,7 @@
               <a:buFont typeface="Wingdings" charset="0"/>
               <a:buNone/>
             </a:pPr>
-            <a:endParaRPr lang="en-US" b="1"/>
+            <a:endParaRPr lang="en-US" b="1" dirty="0"/>
           </a:p>
           <a:p>
             <a:pPr marL="236538" indent="-236538" algn="l" defTabSz="814388">
@@ -18076,7 +18133,7 @@
               <a:buFont typeface="Wingdings" charset="0"/>
               <a:buChar char="§"/>
             </a:pPr>
-            <a:endParaRPr lang="fr-FR" b="1"/>
+            <a:endParaRPr lang="fr-FR" b="1" dirty="0"/>
           </a:p>
           <a:p>
             <a:pPr marL="236538" indent="-236538" algn="l" defTabSz="814388">
@@ -18094,24 +18151,33 @@
               <a:buChar char="§"/>
             </a:pPr>
             <a:r>
-              <a:rPr lang="fr-FR" b="1"/>
+              <a:rPr lang="fr-FR" b="1" dirty="0" err="1">
+                <a:highlight>
+                  <a:srgbClr val="00FF00"/>
+                </a:highlight>
+              </a:rPr>
               <a:t>True</a:t>
             </a:r>
-          </a:p>
-          <a:p>
-            <a:pPr marL="236538" indent="-236538" algn="l" defTabSz="814388">
-              <a:lnSpc>
-                <a:spcPct val="95000"/>
-              </a:lnSpc>
-              <a:spcBef>
-                <a:spcPct val="50000"/>
-              </a:spcBef>
-              <a:buClr>
-                <a:schemeClr val="tx2"/>
-              </a:buClr>
-              <a:buSzPct val="100000"/>
-            </a:pPr>
-            <a:endParaRPr lang="fr-FR" b="1"/>
+            <a:endParaRPr lang="fr-FR" b="1" dirty="0">
+              <a:highlight>
+                <a:srgbClr val="00FF00"/>
+              </a:highlight>
+            </a:endParaRPr>
+          </a:p>
+          <a:p>
+            <a:pPr marL="236538" indent="-236538" algn="l" defTabSz="814388">
+              <a:lnSpc>
+                <a:spcPct val="95000"/>
+              </a:lnSpc>
+              <a:spcBef>
+                <a:spcPct val="50000"/>
+              </a:spcBef>
+              <a:buClr>
+                <a:schemeClr val="tx2"/>
+              </a:buClr>
+              <a:buSzPct val="100000"/>
+            </a:pPr>
+            <a:endParaRPr lang="fr-FR" b="1" dirty="0"/>
           </a:p>
         </p:txBody>
       </p:sp>
@@ -18125,7 +18191,7 @@
         </p:nvSpPr>
         <p:spPr bwMode="auto">
           <a:xfrm>
-            <a:off x="687388" y="3733800"/>
+            <a:off x="687388" y="3600450"/>
             <a:ext cx="7883525" cy="2019300"/>
           </a:xfrm>
           <a:prstGeom prst="rect">
@@ -18137,14 +18203,14 @@
           </a:ln>
           <a:extLst>
             <a:ext uri="{909E8E84-426E-40dd-AFC4-6F175D3DCCD1}">
-              <a14:hiddenFill xmlns:a14="http://schemas.microsoft.com/office/drawing/2010/main" xmlns="">
+              <a14:hiddenFill xmlns="" xmlns:a14="http://schemas.microsoft.com/office/drawing/2010/main">
                 <a:solidFill>
                   <a:srgbClr val="FFFFFF"/>
                 </a:solidFill>
               </a14:hiddenFill>
             </a:ext>
             <a:ext uri="{91240B29-F687-4f45-9708-019B960494DF}">
-              <a14:hiddenLine xmlns:a14="http://schemas.microsoft.com/office/drawing/2010/main" xmlns="" w="9525">
+              <a14:hiddenLine xmlns="" xmlns:a14="http://schemas.microsoft.com/office/drawing/2010/main" w="9525">
                 <a:solidFill>
                   <a:srgbClr val="000000"/>
                 </a:solidFill>
@@ -18173,7 +18239,7 @@
               <a:buFont typeface="Wingdings" charset="0"/>
               <a:buNone/>
             </a:pPr>
-            <a:endParaRPr lang="en-US" b="1"/>
+            <a:endParaRPr lang="en-US" b="1" dirty="0"/>
           </a:p>
           <a:p>
             <a:pPr marL="236538" indent="-236538" algn="l" defTabSz="814388">
@@ -18190,7 +18256,7 @@
               <a:buFont typeface="Wingdings" charset="0"/>
               <a:buChar char="§"/>
             </a:pPr>
-            <a:endParaRPr lang="fr-FR" b="1"/>
+            <a:endParaRPr lang="fr-FR" b="1" dirty="0"/>
           </a:p>
           <a:p>
             <a:pPr marL="236538" indent="-236538" algn="l" defTabSz="814388">
@@ -18208,7 +18274,7 @@
               <a:buChar char="§"/>
             </a:pPr>
             <a:r>
-              <a:rPr lang="fr-FR" b="1"/>
+              <a:rPr lang="fr-FR" b="1" dirty="0"/>
               <a:t>False</a:t>
             </a:r>
           </a:p>
@@ -18225,7 +18291,7 @@
               </a:buClr>
               <a:buSzPct val="100000"/>
             </a:pPr>
-            <a:endParaRPr lang="fr-FR" b="1"/>
+            <a:endParaRPr lang="fr-FR" b="1" dirty="0"/>
           </a:p>
         </p:txBody>
       </p:sp>
@@ -18314,14 +18380,14 @@
           </a:ln>
           <a:extLst>
             <a:ext uri="{909E8E84-426E-40dd-AFC4-6F175D3DCCD1}">
-              <a14:hiddenFill xmlns:a14="http://schemas.microsoft.com/office/drawing/2010/main" xmlns="">
+              <a14:hiddenFill xmlns="" xmlns:a14="http://schemas.microsoft.com/office/drawing/2010/main">
                 <a:solidFill>
                   <a:srgbClr val="FFFFFF"/>
                 </a:solidFill>
               </a14:hiddenFill>
             </a:ext>
             <a:ext uri="{91240B29-F687-4f45-9708-019B960494DF}">
-              <a14:hiddenLine xmlns:a14="http://schemas.microsoft.com/office/drawing/2010/main" xmlns="" w="9525">
+              <a14:hiddenLine xmlns="" xmlns:a14="http://schemas.microsoft.com/office/drawing/2010/main" w="9525">
                 <a:solidFill>
                   <a:srgbClr val="000000"/>
                 </a:solidFill>
@@ -18372,14 +18438,14 @@
           </a:ln>
           <a:extLst>
             <a:ext uri="{909E8E84-426E-40dd-AFC4-6F175D3DCCD1}">
-              <a14:hiddenFill xmlns:a14="http://schemas.microsoft.com/office/drawing/2010/main" xmlns="">
+              <a14:hiddenFill xmlns="" xmlns:a14="http://schemas.microsoft.com/office/drawing/2010/main">
                 <a:solidFill>
                   <a:srgbClr val="FFFFFF"/>
                 </a:solidFill>
               </a14:hiddenFill>
             </a:ext>
             <a:ext uri="{91240B29-F687-4f45-9708-019B960494DF}">
-              <a14:hiddenLine xmlns:a14="http://schemas.microsoft.com/office/drawing/2010/main" xmlns="" w="9525">
+              <a14:hiddenLine xmlns="" xmlns:a14="http://schemas.microsoft.com/office/drawing/2010/main" w="9525">
                 <a:solidFill>
                   <a:srgbClr val="000000"/>
                 </a:solidFill>
@@ -18537,14 +18603,14 @@
           </a:ln>
           <a:extLst>
             <a:ext uri="{909E8E84-426E-40dd-AFC4-6F175D3DCCD1}">
-              <a14:hiddenFill xmlns:a14="http://schemas.microsoft.com/office/drawing/2010/main" xmlns="">
+              <a14:hiddenFill xmlns="" xmlns:a14="http://schemas.microsoft.com/office/drawing/2010/main">
                 <a:solidFill>
                   <a:srgbClr val="FFFFFF"/>
                 </a:solidFill>
               </a14:hiddenFill>
             </a:ext>
             <a:ext uri="{91240B29-F687-4f45-9708-019B960494DF}">
-              <a14:hiddenLine xmlns:a14="http://schemas.microsoft.com/office/drawing/2010/main" xmlns="" w="9525">
+              <a14:hiddenLine xmlns="" xmlns:a14="http://schemas.microsoft.com/office/drawing/2010/main" w="9525">
                 <a:solidFill>
                   <a:srgbClr val="000000"/>
                 </a:solidFill>
@@ -18651,14 +18717,14 @@
           </a:ln>
           <a:extLst>
             <a:ext uri="{909E8E84-426E-40dd-AFC4-6F175D3DCCD1}">
-              <a14:hiddenFill xmlns:a14="http://schemas.microsoft.com/office/drawing/2010/main" xmlns="">
+              <a14:hiddenFill xmlns="" xmlns:a14="http://schemas.microsoft.com/office/drawing/2010/main">
                 <a:solidFill>
                   <a:srgbClr val="FFFFFF"/>
                 </a:solidFill>
               </a14:hiddenFill>
             </a:ext>
             <a:ext uri="{91240B29-F687-4f45-9708-019B960494DF}">
-              <a14:hiddenLine xmlns:a14="http://schemas.microsoft.com/office/drawing/2010/main" xmlns="" w="9525">
+              <a14:hiddenLine xmlns="" xmlns:a14="http://schemas.microsoft.com/office/drawing/2010/main" w="9525">
                 <a:solidFill>
                   <a:srgbClr val="000000"/>
                 </a:solidFill>
@@ -18687,7 +18753,7 @@
               <a:buFont typeface="Wingdings" charset="0"/>
               <a:buNone/>
             </a:pPr>
-            <a:endParaRPr lang="en-US" b="1"/>
+            <a:endParaRPr lang="en-US" b="1" dirty="0"/>
           </a:p>
           <a:p>
             <a:pPr marL="236538" indent="-236538" algn="l" defTabSz="814388">
@@ -18704,7 +18770,7 @@
               <a:buFont typeface="Wingdings" charset="0"/>
               <a:buChar char="§"/>
             </a:pPr>
-            <a:endParaRPr lang="fr-FR" b="1"/>
+            <a:endParaRPr lang="fr-FR" b="1" dirty="0"/>
           </a:p>
           <a:p>
             <a:pPr marL="236538" indent="-236538" algn="l" defTabSz="814388">
@@ -18722,7 +18788,11 @@
               <a:buChar char="§"/>
             </a:pPr>
             <a:r>
-              <a:rPr lang="fr-FR" b="1"/>
+              <a:rPr lang="fr-FR" b="1" dirty="0">
+                <a:highlight>
+                  <a:srgbClr val="00FF00"/>
+                </a:highlight>
+              </a:rPr>
               <a:t>False</a:t>
             </a:r>
           </a:p>
@@ -18739,7 +18809,7 @@
               </a:buClr>
               <a:buSzPct val="100000"/>
             </a:pPr>
-            <a:endParaRPr lang="fr-FR" b="1"/>
+            <a:endParaRPr lang="fr-FR" b="1" dirty="0"/>
           </a:p>
         </p:txBody>
       </p:sp>
@@ -18828,14 +18898,14 @@
           </a:ln>
           <a:extLst>
             <a:ext uri="{909E8E84-426E-40dd-AFC4-6F175D3DCCD1}">
-              <a14:hiddenFill xmlns:a14="http://schemas.microsoft.com/office/drawing/2010/main" xmlns="">
+              <a14:hiddenFill xmlns="" xmlns:a14="http://schemas.microsoft.com/office/drawing/2010/main">
                 <a:solidFill>
                   <a:srgbClr val="FFFFFF"/>
                 </a:solidFill>
               </a14:hiddenFill>
             </a:ext>
             <a:ext uri="{91240B29-F687-4f45-9708-019B960494DF}">
-              <a14:hiddenLine xmlns:a14="http://schemas.microsoft.com/office/drawing/2010/main" xmlns="" w="9525">
+              <a14:hiddenLine xmlns="" xmlns:a14="http://schemas.microsoft.com/office/drawing/2010/main" w="9525">
                 <a:solidFill>
                   <a:srgbClr val="000000"/>
                 </a:solidFill>
@@ -18886,14 +18956,14 @@
           </a:ln>
           <a:extLst>
             <a:ext uri="{909E8E84-426E-40dd-AFC4-6F175D3DCCD1}">
-              <a14:hiddenFill xmlns:a14="http://schemas.microsoft.com/office/drawing/2010/main" xmlns="">
+              <a14:hiddenFill xmlns="" xmlns:a14="http://schemas.microsoft.com/office/drawing/2010/main">
                 <a:solidFill>
                   <a:srgbClr val="FFFFFF"/>
                 </a:solidFill>
               </a14:hiddenFill>
             </a:ext>
             <a:ext uri="{91240B29-F687-4f45-9708-019B960494DF}">
-              <a14:hiddenLine xmlns:a14="http://schemas.microsoft.com/office/drawing/2010/main" xmlns="" w="9525">
+              <a14:hiddenLine xmlns="" xmlns:a14="http://schemas.microsoft.com/office/drawing/2010/main" w="9525">
                 <a:solidFill>
                   <a:srgbClr val="000000"/>
                 </a:solidFill>
@@ -19169,14 +19239,14 @@
           </a:ln>
           <a:extLst>
             <a:ext uri="{909E8E84-426E-40dd-AFC4-6F175D3DCCD1}">
-              <a14:hiddenFill xmlns:a14="http://schemas.microsoft.com/office/drawing/2010/main" xmlns="">
+              <a14:hiddenFill xmlns="" xmlns:a14="http://schemas.microsoft.com/office/drawing/2010/main">
                 <a:solidFill>
                   <a:srgbClr val="FFFFFF"/>
                 </a:solidFill>
               </a14:hiddenFill>
             </a:ext>
             <a:ext uri="{91240B29-F687-4f45-9708-019B960494DF}">
-              <a14:hiddenLine xmlns:a14="http://schemas.microsoft.com/office/drawing/2010/main" xmlns="" w="9525">
+              <a14:hiddenLine xmlns="" xmlns:a14="http://schemas.microsoft.com/office/drawing/2010/main" w="9525">
                 <a:solidFill>
                   <a:srgbClr val="000000"/>
                 </a:solidFill>
@@ -19227,14 +19297,14 @@
           </a:ln>
           <a:extLst>
             <a:ext uri="{909E8E84-426E-40dd-AFC4-6F175D3DCCD1}">
-              <a14:hiddenFill xmlns:a14="http://schemas.microsoft.com/office/drawing/2010/main" xmlns="">
+              <a14:hiddenFill xmlns="" xmlns:a14="http://schemas.microsoft.com/office/drawing/2010/main">
                 <a:solidFill>
                   <a:srgbClr val="FFFFFF"/>
                 </a:solidFill>
               </a14:hiddenFill>
             </a:ext>
             <a:ext uri="{91240B29-F687-4f45-9708-019B960494DF}">
-              <a14:hiddenLine xmlns:a14="http://schemas.microsoft.com/office/drawing/2010/main" xmlns="" w="9525">
+              <a14:hiddenLine xmlns="" xmlns:a14="http://schemas.microsoft.com/office/drawing/2010/main" w="9525">
                 <a:solidFill>
                   <a:srgbClr val="000000"/>
                 </a:solidFill>
@@ -19543,14 +19613,14 @@
           </a:ln>
           <a:extLst>
             <a:ext uri="{909E8E84-426E-40dd-AFC4-6F175D3DCCD1}">
-              <a14:hiddenFill xmlns:a14="http://schemas.microsoft.com/office/drawing/2010/main" xmlns="">
+              <a14:hiddenFill xmlns="" xmlns:a14="http://schemas.microsoft.com/office/drawing/2010/main">
                 <a:solidFill>
                   <a:srgbClr val="FFFFFF"/>
                 </a:solidFill>
               </a14:hiddenFill>
             </a:ext>
             <a:ext uri="{91240B29-F687-4f45-9708-019B960494DF}">
-              <a14:hiddenLine xmlns:a14="http://schemas.microsoft.com/office/drawing/2010/main" xmlns="" w="9525">
+              <a14:hiddenLine xmlns="" xmlns:a14="http://schemas.microsoft.com/office/drawing/2010/main" w="9525">
                 <a:solidFill>
                   <a:srgbClr val="000000"/>
                 </a:solidFill>
@@ -19601,14 +19671,14 @@
           </a:ln>
           <a:extLst>
             <a:ext uri="{909E8E84-426E-40dd-AFC4-6F175D3DCCD1}">
-              <a14:hiddenFill xmlns:a14="http://schemas.microsoft.com/office/drawing/2010/main" xmlns="">
+              <a14:hiddenFill xmlns="" xmlns:a14="http://schemas.microsoft.com/office/drawing/2010/main">
                 <a:solidFill>
                   <a:srgbClr val="FFFFFF"/>
                 </a:solidFill>
               </a14:hiddenFill>
             </a:ext>
             <a:ext uri="{91240B29-F687-4f45-9708-019B960494DF}">
-              <a14:hiddenLine xmlns:a14="http://schemas.microsoft.com/office/drawing/2010/main" xmlns="" w="9525">
+              <a14:hiddenLine xmlns="" xmlns:a14="http://schemas.microsoft.com/office/drawing/2010/main" w="9525">
                 <a:solidFill>
                   <a:srgbClr val="000000"/>
                 </a:solidFill>
@@ -19902,14 +19972,14 @@
           </a:ln>
           <a:extLst>
             <a:ext uri="{909E8E84-426E-40dd-AFC4-6F175D3DCCD1}">
-              <a14:hiddenFill xmlns:a14="http://schemas.microsoft.com/office/drawing/2010/main" xmlns="">
+              <a14:hiddenFill xmlns="" xmlns:a14="http://schemas.microsoft.com/office/drawing/2010/main">
                 <a:solidFill>
                   <a:srgbClr val="FFFFFF"/>
                 </a:solidFill>
               </a14:hiddenFill>
             </a:ext>
             <a:ext uri="{91240B29-F687-4f45-9708-019B960494DF}">
-              <a14:hiddenLine xmlns:a14="http://schemas.microsoft.com/office/drawing/2010/main" xmlns="" w="9525">
+              <a14:hiddenLine xmlns="" xmlns:a14="http://schemas.microsoft.com/office/drawing/2010/main" w="9525">
                 <a:solidFill>
                   <a:srgbClr val="000000"/>
                 </a:solidFill>
@@ -19960,14 +20030,14 @@
           </a:ln>
           <a:extLst>
             <a:ext uri="{909E8E84-426E-40dd-AFC4-6F175D3DCCD1}">
-              <a14:hiddenFill xmlns:a14="http://schemas.microsoft.com/office/drawing/2010/main" xmlns="">
+              <a14:hiddenFill xmlns="" xmlns:a14="http://schemas.microsoft.com/office/drawing/2010/main">
                 <a:solidFill>
                   <a:srgbClr val="FFFFFF"/>
                 </a:solidFill>
               </a14:hiddenFill>
             </a:ext>
             <a:ext uri="{91240B29-F687-4f45-9708-019B960494DF}">
-              <a14:hiddenLine xmlns:a14="http://schemas.microsoft.com/office/drawing/2010/main" xmlns="" w="9525">
+              <a14:hiddenLine xmlns="" xmlns:a14="http://schemas.microsoft.com/office/drawing/2010/main" w="9525">
                 <a:solidFill>
                   <a:srgbClr val="000000"/>
                 </a:solidFill>
@@ -20315,14 +20385,14 @@
           </a:ln>
           <a:extLst>
             <a:ext uri="{909E8E84-426E-40dd-AFC4-6F175D3DCCD1}">
-              <a14:hiddenFill xmlns:a14="http://schemas.microsoft.com/office/drawing/2010/main" xmlns="">
+              <a14:hiddenFill xmlns="" xmlns:a14="http://schemas.microsoft.com/office/drawing/2010/main">
                 <a:solidFill>
                   <a:srgbClr val="FFFFFF"/>
                 </a:solidFill>
               </a14:hiddenFill>
             </a:ext>
             <a:ext uri="{91240B29-F687-4f45-9708-019B960494DF}">
-              <a14:hiddenLine xmlns:a14="http://schemas.microsoft.com/office/drawing/2010/main" xmlns="" w="9525">
+              <a14:hiddenLine xmlns="" xmlns:a14="http://schemas.microsoft.com/office/drawing/2010/main" w="9525">
                 <a:solidFill>
                   <a:srgbClr val="000000"/>
                 </a:solidFill>
@@ -20373,14 +20443,14 @@
           </a:ln>
           <a:extLst>
             <a:ext uri="{909E8E84-426E-40dd-AFC4-6F175D3DCCD1}">
-              <a14:hiddenFill xmlns:a14="http://schemas.microsoft.com/office/drawing/2010/main" xmlns="">
+              <a14:hiddenFill xmlns="" xmlns:a14="http://schemas.microsoft.com/office/drawing/2010/main">
                 <a:solidFill>
                   <a:srgbClr val="FFFFFF"/>
                 </a:solidFill>
               </a14:hiddenFill>
             </a:ext>
             <a:ext uri="{91240B29-F687-4f45-9708-019B960494DF}">
-              <a14:hiddenLine xmlns:a14="http://schemas.microsoft.com/office/drawing/2010/main" xmlns="" w="9525">
+              <a14:hiddenLine xmlns="" xmlns:a14="http://schemas.microsoft.com/office/drawing/2010/main" w="9525">
                 <a:solidFill>
                   <a:srgbClr val="000000"/>
                 </a:solidFill>
@@ -20673,14 +20743,14 @@
           </a:ln>
           <a:extLst>
             <a:ext uri="{909E8E84-426E-40dd-AFC4-6F175D3DCCD1}">
-              <a14:hiddenFill xmlns:a14="http://schemas.microsoft.com/office/drawing/2010/main" xmlns="">
+              <a14:hiddenFill xmlns="" xmlns:a14="http://schemas.microsoft.com/office/drawing/2010/main">
                 <a:solidFill>
                   <a:srgbClr val="FFFFFF"/>
                 </a:solidFill>
               </a14:hiddenFill>
             </a:ext>
             <a:ext uri="{91240B29-F687-4f45-9708-019B960494DF}">
-              <a14:hiddenLine xmlns:a14="http://schemas.microsoft.com/office/drawing/2010/main" xmlns="" w="9525">
+              <a14:hiddenLine xmlns="" xmlns:a14="http://schemas.microsoft.com/office/drawing/2010/main" w="9525">
                 <a:solidFill>
                   <a:srgbClr val="000000"/>
                 </a:solidFill>
@@ -20731,14 +20801,14 @@
           </a:ln>
           <a:extLst>
             <a:ext uri="{909E8E84-426E-40dd-AFC4-6F175D3DCCD1}">
-              <a14:hiddenFill xmlns:a14="http://schemas.microsoft.com/office/drawing/2010/main" xmlns="">
+              <a14:hiddenFill xmlns="" xmlns:a14="http://schemas.microsoft.com/office/drawing/2010/main">
                 <a:solidFill>
                   <a:srgbClr val="FFFFFF"/>
                 </a:solidFill>
               </a14:hiddenFill>
             </a:ext>
             <a:ext uri="{91240B29-F687-4f45-9708-019B960494DF}">
-              <a14:hiddenLine xmlns:a14="http://schemas.microsoft.com/office/drawing/2010/main" xmlns="" w="9525">
+              <a14:hiddenLine xmlns="" xmlns:a14="http://schemas.microsoft.com/office/drawing/2010/main" w="9525">
                 <a:solidFill>
                   <a:srgbClr val="000000"/>
                 </a:solidFill>
@@ -21015,14 +21085,14 @@
           </a:ln>
           <a:extLst>
             <a:ext uri="{909E8E84-426E-40dd-AFC4-6F175D3DCCD1}">
-              <a14:hiddenFill xmlns:a14="http://schemas.microsoft.com/office/drawing/2010/main" xmlns="">
+              <a14:hiddenFill xmlns="" xmlns:a14="http://schemas.microsoft.com/office/drawing/2010/main">
                 <a:solidFill>
                   <a:srgbClr val="FFFFFF"/>
                 </a:solidFill>
               </a14:hiddenFill>
             </a:ext>
             <a:ext uri="{91240B29-F687-4f45-9708-019B960494DF}">
-              <a14:hiddenLine xmlns:a14="http://schemas.microsoft.com/office/drawing/2010/main" xmlns="" w="9525">
+              <a14:hiddenLine xmlns="" xmlns:a14="http://schemas.microsoft.com/office/drawing/2010/main" w="9525">
                 <a:solidFill>
                   <a:srgbClr val="000000"/>
                 </a:solidFill>
@@ -21073,14 +21143,14 @@
           </a:ln>
           <a:extLst>
             <a:ext uri="{909E8E84-426E-40dd-AFC4-6F175D3DCCD1}">
-              <a14:hiddenFill xmlns:a14="http://schemas.microsoft.com/office/drawing/2010/main" xmlns="">
+              <a14:hiddenFill xmlns="" xmlns:a14="http://schemas.microsoft.com/office/drawing/2010/main">
                 <a:solidFill>
                   <a:srgbClr val="FFFFFF"/>
                 </a:solidFill>
               </a14:hiddenFill>
             </a:ext>
             <a:ext uri="{91240B29-F687-4f45-9708-019B960494DF}">
-              <a14:hiddenLine xmlns:a14="http://schemas.microsoft.com/office/drawing/2010/main" xmlns="" w="9525">
+              <a14:hiddenLine xmlns="" xmlns:a14="http://schemas.microsoft.com/office/drawing/2010/main" w="9525">
                 <a:solidFill>
                   <a:srgbClr val="000000"/>
                 </a:solidFill>
@@ -21352,14 +21422,14 @@
           </a:ln>
           <a:extLst>
             <a:ext uri="{909E8E84-426E-40dd-AFC4-6F175D3DCCD1}">
-              <a14:hiddenFill xmlns:a14="http://schemas.microsoft.com/office/drawing/2010/main" xmlns="">
+              <a14:hiddenFill xmlns="" xmlns:a14="http://schemas.microsoft.com/office/drawing/2010/main">
                 <a:solidFill>
                   <a:srgbClr val="FFFFFF"/>
                 </a:solidFill>
               </a14:hiddenFill>
             </a:ext>
             <a:ext uri="{91240B29-F687-4f45-9708-019B960494DF}">
-              <a14:hiddenLine xmlns:a14="http://schemas.microsoft.com/office/drawing/2010/main" xmlns="" w="9525">
+              <a14:hiddenLine xmlns="" xmlns:a14="http://schemas.microsoft.com/office/drawing/2010/main" w="9525">
                 <a:solidFill>
                   <a:srgbClr val="000000"/>
                 </a:solidFill>
@@ -21410,14 +21480,14 @@
           </a:ln>
           <a:extLst>
             <a:ext uri="{909E8E84-426E-40dd-AFC4-6F175D3DCCD1}">
-              <a14:hiddenFill xmlns:a14="http://schemas.microsoft.com/office/drawing/2010/main" xmlns="">
+              <a14:hiddenFill xmlns="" xmlns:a14="http://schemas.microsoft.com/office/drawing/2010/main">
                 <a:solidFill>
                   <a:srgbClr val="FFFFFF"/>
                 </a:solidFill>
               </a14:hiddenFill>
             </a:ext>
             <a:ext uri="{91240B29-F687-4f45-9708-019B960494DF}">
-              <a14:hiddenLine xmlns:a14="http://schemas.microsoft.com/office/drawing/2010/main" xmlns="" w="9525">
+              <a14:hiddenLine xmlns="" xmlns:a14="http://schemas.microsoft.com/office/drawing/2010/main" w="9525">
                 <a:solidFill>
                   <a:srgbClr val="000000"/>
                 </a:solidFill>
@@ -21724,14 +21794,14 @@
           </a:ln>
           <a:extLst>
             <a:ext uri="{909E8E84-426E-40dd-AFC4-6F175D3DCCD1}">
-              <a14:hiddenFill xmlns:a14="http://schemas.microsoft.com/office/drawing/2010/main" xmlns="">
+              <a14:hiddenFill xmlns="" xmlns:a14="http://schemas.microsoft.com/office/drawing/2010/main">
                 <a:solidFill>
                   <a:srgbClr val="FFFFFF"/>
                 </a:solidFill>
               </a14:hiddenFill>
             </a:ext>
             <a:ext uri="{91240B29-F687-4f45-9708-019B960494DF}">
-              <a14:hiddenLine xmlns:a14="http://schemas.microsoft.com/office/drawing/2010/main" xmlns="" w="9525">
+              <a14:hiddenLine xmlns="" xmlns:a14="http://schemas.microsoft.com/office/drawing/2010/main" w="9525">
                 <a:solidFill>
                   <a:srgbClr val="000000"/>
                 </a:solidFill>
@@ -21782,14 +21852,14 @@
           </a:ln>
           <a:extLst>
             <a:ext uri="{909E8E84-426E-40dd-AFC4-6F175D3DCCD1}">
-              <a14:hiddenFill xmlns:a14="http://schemas.microsoft.com/office/drawing/2010/main" xmlns="">
+              <a14:hiddenFill xmlns="" xmlns:a14="http://schemas.microsoft.com/office/drawing/2010/main">
                 <a:solidFill>
                   <a:srgbClr val="FFFFFF"/>
                 </a:solidFill>
               </a14:hiddenFill>
             </a:ext>
             <a:ext uri="{91240B29-F687-4f45-9708-019B960494DF}">
-              <a14:hiddenLine xmlns:a14="http://schemas.microsoft.com/office/drawing/2010/main" xmlns="" w="9525">
+              <a14:hiddenLine xmlns="" xmlns:a14="http://schemas.microsoft.com/office/drawing/2010/main" w="9525">
                 <a:solidFill>
                   <a:srgbClr val="000000"/>
                 </a:solidFill>
@@ -22061,14 +22131,14 @@
           </a:ln>
           <a:extLst>
             <a:ext uri="{909E8E84-426E-40dd-AFC4-6F175D3DCCD1}">
-              <a14:hiddenFill xmlns:a14="http://schemas.microsoft.com/office/drawing/2010/main" xmlns="">
+              <a14:hiddenFill xmlns="" xmlns:a14="http://schemas.microsoft.com/office/drawing/2010/main">
                 <a:solidFill>
                   <a:srgbClr val="FFFFFF"/>
                 </a:solidFill>
               </a14:hiddenFill>
             </a:ext>
             <a:ext uri="{91240B29-F687-4f45-9708-019B960494DF}">
-              <a14:hiddenLine xmlns:a14="http://schemas.microsoft.com/office/drawing/2010/main" xmlns="" w="9525">
+              <a14:hiddenLine xmlns="" xmlns:a14="http://schemas.microsoft.com/office/drawing/2010/main" w="9525">
                 <a:solidFill>
                   <a:srgbClr val="000000"/>
                 </a:solidFill>
@@ -22119,14 +22189,14 @@
           </a:ln>
           <a:extLst>
             <a:ext uri="{909E8E84-426E-40dd-AFC4-6F175D3DCCD1}">
-              <a14:hiddenFill xmlns:a14="http://schemas.microsoft.com/office/drawing/2010/main" xmlns="">
+              <a14:hiddenFill xmlns="" xmlns:a14="http://schemas.microsoft.com/office/drawing/2010/main">
                 <a:solidFill>
                   <a:srgbClr val="FFFFFF"/>
                 </a:solidFill>
               </a14:hiddenFill>
             </a:ext>
             <a:ext uri="{91240B29-F687-4f45-9708-019B960494DF}">
-              <a14:hiddenLine xmlns:a14="http://schemas.microsoft.com/office/drawing/2010/main" xmlns="" w="9525">
+              <a14:hiddenLine xmlns="" xmlns:a14="http://schemas.microsoft.com/office/drawing/2010/main" w="9525">
                 <a:solidFill>
                   <a:srgbClr val="000000"/>
                 </a:solidFill>
@@ -22416,14 +22486,14 @@
           </a:ln>
           <a:extLst>
             <a:ext uri="{909E8E84-426E-40dd-AFC4-6F175D3DCCD1}">
-              <a14:hiddenFill xmlns:a14="http://schemas.microsoft.com/office/drawing/2010/main" xmlns="">
+              <a14:hiddenFill xmlns="" xmlns:a14="http://schemas.microsoft.com/office/drawing/2010/main">
                 <a:solidFill>
                   <a:srgbClr val="FFFFFF"/>
                 </a:solidFill>
               </a14:hiddenFill>
             </a:ext>
             <a:ext uri="{91240B29-F687-4f45-9708-019B960494DF}">
-              <a14:hiddenLine xmlns:a14="http://schemas.microsoft.com/office/drawing/2010/main" xmlns="" w="9525">
+              <a14:hiddenLine xmlns="" xmlns:a14="http://schemas.microsoft.com/office/drawing/2010/main" w="9525">
                 <a:solidFill>
                   <a:srgbClr val="000000"/>
                 </a:solidFill>
@@ -22474,14 +22544,14 @@
           </a:ln>
           <a:extLst>
             <a:ext uri="{909E8E84-426E-40dd-AFC4-6F175D3DCCD1}">
-              <a14:hiddenFill xmlns:a14="http://schemas.microsoft.com/office/drawing/2010/main" xmlns="">
+              <a14:hiddenFill xmlns="" xmlns:a14="http://schemas.microsoft.com/office/drawing/2010/main">
                 <a:solidFill>
                   <a:srgbClr val="FFFFFF"/>
                 </a:solidFill>
               </a14:hiddenFill>
             </a:ext>
             <a:ext uri="{91240B29-F687-4f45-9708-019B960494DF}">
-              <a14:hiddenLine xmlns:a14="http://schemas.microsoft.com/office/drawing/2010/main" xmlns="" w="9525">
+              <a14:hiddenLine xmlns="" xmlns:a14="http://schemas.microsoft.com/office/drawing/2010/main" w="9525">
                 <a:solidFill>
                   <a:srgbClr val="000000"/>
                 </a:solidFill>
@@ -22701,14 +22771,14 @@
           </a:ln>
           <a:extLst>
             <a:ext uri="{909E8E84-426E-40dd-AFC4-6F175D3DCCD1}">
-              <a14:hiddenFill xmlns:a14="http://schemas.microsoft.com/office/drawing/2010/main" xmlns="">
+              <a14:hiddenFill xmlns="" xmlns:a14="http://schemas.microsoft.com/office/drawing/2010/main">
                 <a:solidFill>
                   <a:srgbClr val="FFFFFF"/>
                 </a:solidFill>
               </a14:hiddenFill>
             </a:ext>
             <a:ext uri="{91240B29-F687-4f45-9708-019B960494DF}">
-              <a14:hiddenLine xmlns:a14="http://schemas.microsoft.com/office/drawing/2010/main" xmlns="" w="9525">
+              <a14:hiddenLine xmlns="" xmlns:a14="http://schemas.microsoft.com/office/drawing/2010/main" w="9525">
                 <a:solidFill>
                   <a:srgbClr val="000000"/>
                 </a:solidFill>
@@ -22759,14 +22829,14 @@
           </a:ln>
           <a:extLst>
             <a:ext uri="{909E8E84-426E-40dd-AFC4-6F175D3DCCD1}">
-              <a14:hiddenFill xmlns:a14="http://schemas.microsoft.com/office/drawing/2010/main" xmlns="">
+              <a14:hiddenFill xmlns="" xmlns:a14="http://schemas.microsoft.com/office/drawing/2010/main">
                 <a:solidFill>
                   <a:srgbClr val="FFFFFF"/>
                 </a:solidFill>
               </a14:hiddenFill>
             </a:ext>
             <a:ext uri="{91240B29-F687-4f45-9708-019B960494DF}">
-              <a14:hiddenLine xmlns:a14="http://schemas.microsoft.com/office/drawing/2010/main" xmlns="" w="9525">
+              <a14:hiddenLine xmlns="" xmlns:a14="http://schemas.microsoft.com/office/drawing/2010/main" w="9525">
                 <a:solidFill>
                   <a:srgbClr val="000000"/>
                 </a:solidFill>
@@ -22978,14 +23048,14 @@
           </a:ln>
           <a:extLst>
             <a:ext uri="{909E8E84-426E-40dd-AFC4-6F175D3DCCD1}">
-              <a14:hiddenFill xmlns:a14="http://schemas.microsoft.com/office/drawing/2010/main" xmlns="">
+              <a14:hiddenFill xmlns="" xmlns:a14="http://schemas.microsoft.com/office/drawing/2010/main">
                 <a:solidFill>
                   <a:srgbClr val="FFFFFF"/>
                 </a:solidFill>
               </a14:hiddenFill>
             </a:ext>
             <a:ext uri="{91240B29-F687-4f45-9708-019B960494DF}">
-              <a14:hiddenLine xmlns:a14="http://schemas.microsoft.com/office/drawing/2010/main" xmlns="" w="9525">
+              <a14:hiddenLine xmlns="" xmlns:a14="http://schemas.microsoft.com/office/drawing/2010/main" w="9525">
                 <a:solidFill>
                   <a:srgbClr val="000000"/>
                 </a:solidFill>
@@ -23036,14 +23106,14 @@
           </a:ln>
           <a:extLst>
             <a:ext uri="{909E8E84-426E-40dd-AFC4-6F175D3DCCD1}">
-              <a14:hiddenFill xmlns:a14="http://schemas.microsoft.com/office/drawing/2010/main" xmlns="">
+              <a14:hiddenFill xmlns="" xmlns:a14="http://schemas.microsoft.com/office/drawing/2010/main">
                 <a:solidFill>
                   <a:srgbClr val="FFFFFF"/>
                 </a:solidFill>
               </a14:hiddenFill>
             </a:ext>
             <a:ext uri="{91240B29-F687-4f45-9708-019B960494DF}">
-              <a14:hiddenLine xmlns:a14="http://schemas.microsoft.com/office/drawing/2010/main" xmlns="" w="9525">
+              <a14:hiddenLine xmlns="" xmlns:a14="http://schemas.microsoft.com/office/drawing/2010/main" w="9525">
                 <a:solidFill>
                   <a:srgbClr val="000000"/>
                 </a:solidFill>
@@ -23275,14 +23345,14 @@
           </a:ln>
           <a:extLst>
             <a:ext uri="{909E8E84-426E-40dd-AFC4-6F175D3DCCD1}">
-              <a14:hiddenFill xmlns:a14="http://schemas.microsoft.com/office/drawing/2010/main" xmlns="">
+              <a14:hiddenFill xmlns="" xmlns:a14="http://schemas.microsoft.com/office/drawing/2010/main">
                 <a:solidFill>
                   <a:srgbClr val="FFFFFF"/>
                 </a:solidFill>
               </a14:hiddenFill>
             </a:ext>
             <a:ext uri="{91240B29-F687-4f45-9708-019B960494DF}">
-              <a14:hiddenLine xmlns:a14="http://schemas.microsoft.com/office/drawing/2010/main" xmlns="" w="9525">
+              <a14:hiddenLine xmlns="" xmlns:a14="http://schemas.microsoft.com/office/drawing/2010/main" w="9525">
                 <a:solidFill>
                   <a:srgbClr val="000000"/>
                 </a:solidFill>
@@ -23333,14 +23403,14 @@
           </a:ln>
           <a:extLst>
             <a:ext uri="{909E8E84-426E-40dd-AFC4-6F175D3DCCD1}">
-              <a14:hiddenFill xmlns:a14="http://schemas.microsoft.com/office/drawing/2010/main" xmlns="">
+              <a14:hiddenFill xmlns="" xmlns:a14="http://schemas.microsoft.com/office/drawing/2010/main">
                 <a:solidFill>
                   <a:srgbClr val="FFFFFF"/>
                 </a:solidFill>
               </a14:hiddenFill>
             </a:ext>
             <a:ext uri="{91240B29-F687-4f45-9708-019B960494DF}">
-              <a14:hiddenLine xmlns:a14="http://schemas.microsoft.com/office/drawing/2010/main" xmlns="" w="9525">
+              <a14:hiddenLine xmlns="" xmlns:a14="http://schemas.microsoft.com/office/drawing/2010/main" w="9525">
                 <a:solidFill>
                   <a:srgbClr val="000000"/>
                 </a:solidFill>
@@ -23572,14 +23642,14 @@
           </a:ln>
           <a:extLst>
             <a:ext uri="{909E8E84-426E-40dd-AFC4-6F175D3DCCD1}">
-              <a14:hiddenFill xmlns:a14="http://schemas.microsoft.com/office/drawing/2010/main" xmlns="">
+              <a14:hiddenFill xmlns="" xmlns:a14="http://schemas.microsoft.com/office/drawing/2010/main">
                 <a:solidFill>
                   <a:srgbClr val="FFFFFF"/>
                 </a:solidFill>
               </a14:hiddenFill>
             </a:ext>
             <a:ext uri="{91240B29-F687-4f45-9708-019B960494DF}">
-              <a14:hiddenLine xmlns:a14="http://schemas.microsoft.com/office/drawing/2010/main" xmlns="" w="9525">
+              <a14:hiddenLine xmlns="" xmlns:a14="http://schemas.microsoft.com/office/drawing/2010/main" w="9525">
                 <a:solidFill>
                   <a:srgbClr val="000000"/>
                 </a:solidFill>
@@ -23630,14 +23700,14 @@
           </a:ln>
           <a:extLst>
             <a:ext uri="{909E8E84-426E-40dd-AFC4-6F175D3DCCD1}">
-              <a14:hiddenFill xmlns:a14="http://schemas.microsoft.com/office/drawing/2010/main" xmlns="">
+              <a14:hiddenFill xmlns="" xmlns:a14="http://schemas.microsoft.com/office/drawing/2010/main">
                 <a:solidFill>
                   <a:srgbClr val="FFFFFF"/>
                 </a:solidFill>
               </a14:hiddenFill>
             </a:ext>
             <a:ext uri="{91240B29-F687-4f45-9708-019B960494DF}">
-              <a14:hiddenLine xmlns:a14="http://schemas.microsoft.com/office/drawing/2010/main" xmlns="" w="9525">
+              <a14:hiddenLine xmlns="" xmlns:a14="http://schemas.microsoft.com/office/drawing/2010/main" w="9525">
                 <a:solidFill>
                   <a:srgbClr val="000000"/>
                 </a:solidFill>
@@ -23784,14 +23854,14 @@
           </a:ln>
           <a:extLst>
             <a:ext uri="{909E8E84-426E-40dd-AFC4-6F175D3DCCD1}">
-              <a14:hiddenFill xmlns:a14="http://schemas.microsoft.com/office/drawing/2010/main" xmlns="">
+              <a14:hiddenFill xmlns="" xmlns:a14="http://schemas.microsoft.com/office/drawing/2010/main">
                 <a:solidFill>
                   <a:srgbClr val="FFFFFF"/>
                 </a:solidFill>
               </a14:hiddenFill>
             </a:ext>
             <a:ext uri="{91240B29-F687-4f45-9708-019B960494DF}">
-              <a14:hiddenLine xmlns:a14="http://schemas.microsoft.com/office/drawing/2010/main" xmlns="" w="9525">
+              <a14:hiddenLine xmlns="" xmlns:a14="http://schemas.microsoft.com/office/drawing/2010/main" w="9525">
                 <a:solidFill>
                   <a:srgbClr val="000000"/>
                 </a:solidFill>
@@ -23898,14 +23968,14 @@
           </a:ln>
           <a:extLst>
             <a:ext uri="{909E8E84-426E-40dd-AFC4-6F175D3DCCD1}">
-              <a14:hiddenFill xmlns:a14="http://schemas.microsoft.com/office/drawing/2010/main" xmlns="">
+              <a14:hiddenFill xmlns="" xmlns:a14="http://schemas.microsoft.com/office/drawing/2010/main">
                 <a:solidFill>
                   <a:srgbClr val="FFFFFF"/>
                 </a:solidFill>
               </a14:hiddenFill>
             </a:ext>
             <a:ext uri="{91240B29-F687-4f45-9708-019B960494DF}">
-              <a14:hiddenLine xmlns:a14="http://schemas.microsoft.com/office/drawing/2010/main" xmlns="" w="9525">
+              <a14:hiddenLine xmlns="" xmlns:a14="http://schemas.microsoft.com/office/drawing/2010/main" w="9525">
                 <a:solidFill>
                   <a:srgbClr val="000000"/>
                 </a:solidFill>
@@ -23934,7 +24004,7 @@
               <a:buFont typeface="Wingdings" charset="0"/>
               <a:buNone/>
             </a:pPr>
-            <a:endParaRPr lang="en-US" b="1"/>
+            <a:endParaRPr lang="en-US" b="1" dirty="0"/>
           </a:p>
           <a:p>
             <a:pPr marL="236538" indent="-236538" algn="l" defTabSz="814388">
@@ -23951,7 +24021,7 @@
               <a:buFont typeface="Wingdings" charset="0"/>
               <a:buChar char="§"/>
             </a:pPr>
-            <a:endParaRPr lang="fr-FR" b="1"/>
+            <a:endParaRPr lang="fr-FR" b="1" dirty="0"/>
           </a:p>
           <a:p>
             <a:pPr marL="236538" indent="-236538" algn="l" defTabSz="814388">
@@ -23969,24 +24039,33 @@
               <a:buChar char="§"/>
             </a:pPr>
             <a:r>
-              <a:rPr lang="fr-FR" b="1"/>
+              <a:rPr lang="fr-FR" b="1" dirty="0" err="1">
+                <a:highlight>
+                  <a:srgbClr val="00FF00"/>
+                </a:highlight>
+              </a:rPr>
               <a:t>True</a:t>
             </a:r>
-          </a:p>
-          <a:p>
-            <a:pPr marL="236538" indent="-236538" algn="l" defTabSz="814388">
-              <a:lnSpc>
-                <a:spcPct val="95000"/>
-              </a:lnSpc>
-              <a:spcBef>
-                <a:spcPct val="50000"/>
-              </a:spcBef>
-              <a:buClr>
-                <a:schemeClr val="tx2"/>
-              </a:buClr>
-              <a:buSzPct val="100000"/>
-            </a:pPr>
-            <a:endParaRPr lang="fr-FR" b="1"/>
+            <a:endParaRPr lang="fr-FR" b="1" dirty="0">
+              <a:highlight>
+                <a:srgbClr val="00FF00"/>
+              </a:highlight>
+            </a:endParaRPr>
+          </a:p>
+          <a:p>
+            <a:pPr marL="236538" indent="-236538" algn="l" defTabSz="814388">
+              <a:lnSpc>
+                <a:spcPct val="95000"/>
+              </a:lnSpc>
+              <a:spcBef>
+                <a:spcPct val="50000"/>
+              </a:spcBef>
+              <a:buClr>
+                <a:schemeClr val="tx2"/>
+              </a:buClr>
+              <a:buSzPct val="100000"/>
+            </a:pPr>
+            <a:endParaRPr lang="fr-FR" b="1" dirty="0"/>
           </a:p>
         </p:txBody>
       </p:sp>
@@ -24158,14 +24237,14 @@
           </a:ln>
           <a:extLst>
             <a:ext uri="{909E8E84-426E-40dd-AFC4-6F175D3DCCD1}">
-              <a14:hiddenFill xmlns:a14="http://schemas.microsoft.com/office/drawing/2010/main" xmlns="">
+              <a14:hiddenFill xmlns="" xmlns:a14="http://schemas.microsoft.com/office/drawing/2010/main">
                 <a:solidFill>
                   <a:srgbClr val="FFFFFF"/>
                 </a:solidFill>
               </a14:hiddenFill>
             </a:ext>
             <a:ext uri="{91240B29-F687-4f45-9708-019B960494DF}">
-              <a14:hiddenLine xmlns:a14="http://schemas.microsoft.com/office/drawing/2010/main" xmlns="" w="9525">
+              <a14:hiddenLine xmlns="" xmlns:a14="http://schemas.microsoft.com/office/drawing/2010/main" w="9525">
                 <a:solidFill>
                   <a:srgbClr val="000000"/>
                 </a:solidFill>
@@ -24216,14 +24295,14 @@
           </a:ln>
           <a:extLst>
             <a:ext uri="{909E8E84-426E-40dd-AFC4-6F175D3DCCD1}">
-              <a14:hiddenFill xmlns:a14="http://schemas.microsoft.com/office/drawing/2010/main" xmlns="">
+              <a14:hiddenFill xmlns="" xmlns:a14="http://schemas.microsoft.com/office/drawing/2010/main">
                 <a:solidFill>
                   <a:srgbClr val="FFFFFF"/>
                 </a:solidFill>
               </a14:hiddenFill>
             </a:ext>
             <a:ext uri="{91240B29-F687-4f45-9708-019B960494DF}">
-              <a14:hiddenLine xmlns:a14="http://schemas.microsoft.com/office/drawing/2010/main" xmlns="" w="9525">
+              <a14:hiddenLine xmlns="" xmlns:a14="http://schemas.microsoft.com/office/drawing/2010/main" w="9525">
                 <a:solidFill>
                   <a:srgbClr val="000000"/>
                 </a:solidFill>
@@ -24434,14 +24513,14 @@
           </a:ln>
           <a:extLst>
             <a:ext uri="{909E8E84-426E-40dd-AFC4-6F175D3DCCD1}">
-              <a14:hiddenFill xmlns:a14="http://schemas.microsoft.com/office/drawing/2010/main" xmlns="">
+              <a14:hiddenFill xmlns="" xmlns:a14="http://schemas.microsoft.com/office/drawing/2010/main">
                 <a:solidFill>
                   <a:srgbClr val="FFFFFF"/>
                 </a:solidFill>
               </a14:hiddenFill>
             </a:ext>
             <a:ext uri="{91240B29-F687-4f45-9708-019B960494DF}">
-              <a14:hiddenLine xmlns:a14="http://schemas.microsoft.com/office/drawing/2010/main" xmlns="" w="9525">
+              <a14:hiddenLine xmlns="" xmlns:a14="http://schemas.microsoft.com/office/drawing/2010/main" w="9525">
                 <a:solidFill>
                   <a:srgbClr val="000000"/>
                 </a:solidFill>
@@ -24548,14 +24627,14 @@
           </a:ln>
           <a:extLst>
             <a:ext uri="{909E8E84-426E-40dd-AFC4-6F175D3DCCD1}">
-              <a14:hiddenFill xmlns:a14="http://schemas.microsoft.com/office/drawing/2010/main" xmlns="">
+              <a14:hiddenFill xmlns="" xmlns:a14="http://schemas.microsoft.com/office/drawing/2010/main">
                 <a:solidFill>
                   <a:srgbClr val="FFFFFF"/>
                 </a:solidFill>
               </a14:hiddenFill>
             </a:ext>
             <a:ext uri="{91240B29-F687-4f45-9708-019B960494DF}">
-              <a14:hiddenLine xmlns:a14="http://schemas.microsoft.com/office/drawing/2010/main" xmlns="" w="9525">
+              <a14:hiddenLine xmlns="" xmlns:a14="http://schemas.microsoft.com/office/drawing/2010/main" w="9525">
                 <a:solidFill>
                   <a:srgbClr val="000000"/>
                 </a:solidFill>
@@ -24584,7 +24663,7 @@
               <a:buFont typeface="Wingdings" charset="0"/>
               <a:buNone/>
             </a:pPr>
-            <a:endParaRPr lang="en-US" b="1"/>
+            <a:endParaRPr lang="en-US" b="1" dirty="0"/>
           </a:p>
           <a:p>
             <a:pPr marL="236538" indent="-236538" algn="l" defTabSz="814388">
@@ -24601,7 +24680,7 @@
               <a:buFont typeface="Wingdings" charset="0"/>
               <a:buChar char="§"/>
             </a:pPr>
-            <a:endParaRPr lang="fr-FR" b="1"/>
+            <a:endParaRPr lang="fr-FR" b="1" dirty="0"/>
           </a:p>
           <a:p>
             <a:pPr marL="236538" indent="-236538" algn="l" defTabSz="814388">
@@ -24619,24 +24698,33 @@
               <a:buChar char="§"/>
             </a:pPr>
             <a:r>
-              <a:rPr lang="fr-FR" b="1"/>
+              <a:rPr lang="fr-FR" b="1" dirty="0" err="1">
+                <a:highlight>
+                  <a:srgbClr val="00FF00"/>
+                </a:highlight>
+              </a:rPr>
               <a:t>True</a:t>
             </a:r>
-          </a:p>
-          <a:p>
-            <a:pPr marL="236538" indent="-236538" algn="l" defTabSz="814388">
-              <a:lnSpc>
-                <a:spcPct val="95000"/>
-              </a:lnSpc>
-              <a:spcBef>
-                <a:spcPct val="50000"/>
-              </a:spcBef>
-              <a:buClr>
-                <a:schemeClr val="tx2"/>
-              </a:buClr>
-              <a:buSzPct val="100000"/>
-            </a:pPr>
-            <a:endParaRPr lang="fr-FR" b="1"/>
+            <a:endParaRPr lang="fr-FR" b="1" dirty="0">
+              <a:highlight>
+                <a:srgbClr val="00FF00"/>
+              </a:highlight>
+            </a:endParaRPr>
+          </a:p>
+          <a:p>
+            <a:pPr marL="236538" indent="-236538" algn="l" defTabSz="814388">
+              <a:lnSpc>
+                <a:spcPct val="95000"/>
+              </a:lnSpc>
+              <a:spcBef>
+                <a:spcPct val="50000"/>
+              </a:spcBef>
+              <a:buClr>
+                <a:schemeClr val="tx2"/>
+              </a:buClr>
+              <a:buSzPct val="100000"/>
+            </a:pPr>
+            <a:endParaRPr lang="fr-FR" b="1" dirty="0"/>
           </a:p>
         </p:txBody>
       </p:sp>
@@ -24693,7 +24781,7 @@
           <a:p>
             <a:pPr eaLnBrk="1" hangingPunct="1"/>
             <a:r>
-              <a:rPr lang="en-US">
+              <a:rPr lang="en-US" dirty="0">
                 <a:latin typeface="Arial" charset="0"/>
                 <a:ea typeface="ＭＳ Ｐゴシック" charset="0"/>
                 <a:cs typeface="ＭＳ Ｐゴシック" charset="0"/>
@@ -24725,14 +24813,14 @@
           </a:ln>
           <a:extLst>
             <a:ext uri="{909E8E84-426E-40dd-AFC4-6F175D3DCCD1}">
-              <a14:hiddenFill xmlns:a14="http://schemas.microsoft.com/office/drawing/2010/main" xmlns="">
+              <a14:hiddenFill xmlns="" xmlns:a14="http://schemas.microsoft.com/office/drawing/2010/main">
                 <a:solidFill>
                   <a:srgbClr val="FFFFFF"/>
                 </a:solidFill>
               </a14:hiddenFill>
             </a:ext>
             <a:ext uri="{91240B29-F687-4f45-9708-019B960494DF}">
-              <a14:hiddenLine xmlns:a14="http://schemas.microsoft.com/office/drawing/2010/main" xmlns="" w="9525">
+              <a14:hiddenLine xmlns="" xmlns:a14="http://schemas.microsoft.com/office/drawing/2010/main" w="9525">
                 <a:solidFill>
                   <a:srgbClr val="000000"/>
                 </a:solidFill>
@@ -24783,14 +24871,14 @@
           </a:ln>
           <a:extLst>
             <a:ext uri="{909E8E84-426E-40dd-AFC4-6F175D3DCCD1}">
-              <a14:hiddenFill xmlns:a14="http://schemas.microsoft.com/office/drawing/2010/main" xmlns="">
+              <a14:hiddenFill xmlns="" xmlns:a14="http://schemas.microsoft.com/office/drawing/2010/main">
                 <a:solidFill>
                   <a:srgbClr val="FFFFFF"/>
                 </a:solidFill>
               </a14:hiddenFill>
             </a:ext>
             <a:ext uri="{91240B29-F687-4f45-9708-019B960494DF}">
-              <a14:hiddenLine xmlns:a14="http://schemas.microsoft.com/office/drawing/2010/main" xmlns="" w="9525">
+              <a14:hiddenLine xmlns="" xmlns:a14="http://schemas.microsoft.com/office/drawing/2010/main" w="9525">
                 <a:solidFill>
                   <a:srgbClr val="000000"/>
                 </a:solidFill>
@@ -24950,14 +25038,14 @@
           </a:ln>
           <a:extLst>
             <a:ext uri="{909E8E84-426E-40dd-AFC4-6F175D3DCCD1}">
-              <a14:hiddenFill xmlns:a14="http://schemas.microsoft.com/office/drawing/2010/main" xmlns="">
+              <a14:hiddenFill xmlns="" xmlns:a14="http://schemas.microsoft.com/office/drawing/2010/main">
                 <a:solidFill>
                   <a:srgbClr val="FFFFFF"/>
                 </a:solidFill>
               </a14:hiddenFill>
             </a:ext>
             <a:ext uri="{91240B29-F687-4f45-9708-019B960494DF}">
-              <a14:hiddenLine xmlns:a14="http://schemas.microsoft.com/office/drawing/2010/main" xmlns="" w="9525">
+              <a14:hiddenLine xmlns="" xmlns:a14="http://schemas.microsoft.com/office/drawing/2010/main" w="9525">
                 <a:solidFill>
                   <a:srgbClr val="000000"/>
                 </a:solidFill>
@@ -25064,14 +25152,14 @@
           </a:ln>
           <a:extLst>
             <a:ext uri="{909E8E84-426E-40dd-AFC4-6F175D3DCCD1}">
-              <a14:hiddenFill xmlns:a14="http://schemas.microsoft.com/office/drawing/2010/main" xmlns="">
+              <a14:hiddenFill xmlns="" xmlns:a14="http://schemas.microsoft.com/office/drawing/2010/main">
                 <a:solidFill>
                   <a:srgbClr val="FFFFFF"/>
                 </a:solidFill>
               </a14:hiddenFill>
             </a:ext>
             <a:ext uri="{91240B29-F687-4f45-9708-019B960494DF}">
-              <a14:hiddenLine xmlns:a14="http://schemas.microsoft.com/office/drawing/2010/main" xmlns="" w="9525">
+              <a14:hiddenLine xmlns="" xmlns:a14="http://schemas.microsoft.com/office/drawing/2010/main" w="9525">
                 <a:solidFill>
                   <a:srgbClr val="000000"/>
                 </a:solidFill>
@@ -25100,7 +25188,7 @@
               <a:buFont typeface="Wingdings" charset="0"/>
               <a:buNone/>
             </a:pPr>
-            <a:endParaRPr lang="en-US" b="1"/>
+            <a:endParaRPr lang="en-US" b="1" dirty="0"/>
           </a:p>
           <a:p>
             <a:pPr marL="236538" indent="-236538" algn="l" defTabSz="814388">
@@ -25117,7 +25205,7 @@
               <a:buFont typeface="Wingdings" charset="0"/>
               <a:buChar char="§"/>
             </a:pPr>
-            <a:endParaRPr lang="fr-FR" b="1"/>
+            <a:endParaRPr lang="fr-FR" b="1" dirty="0"/>
           </a:p>
           <a:p>
             <a:pPr marL="236538" indent="-236538" algn="l" defTabSz="814388">
@@ -25135,24 +25223,33 @@
               <a:buChar char="§"/>
             </a:pPr>
             <a:r>
-              <a:rPr lang="fr-FR" b="1"/>
+              <a:rPr lang="fr-FR" b="1" dirty="0" err="1">
+                <a:highlight>
+                  <a:srgbClr val="00FF00"/>
+                </a:highlight>
+              </a:rPr>
               <a:t>True</a:t>
             </a:r>
-          </a:p>
-          <a:p>
-            <a:pPr marL="236538" indent="-236538" algn="l" defTabSz="814388">
-              <a:lnSpc>
-                <a:spcPct val="95000"/>
-              </a:lnSpc>
-              <a:spcBef>
-                <a:spcPct val="50000"/>
-              </a:spcBef>
-              <a:buClr>
-                <a:schemeClr val="tx2"/>
-              </a:buClr>
-              <a:buSzPct val="100000"/>
-            </a:pPr>
-            <a:endParaRPr lang="fr-FR" b="1"/>
+            <a:endParaRPr lang="fr-FR" b="1" dirty="0">
+              <a:highlight>
+                <a:srgbClr val="00FF00"/>
+              </a:highlight>
+            </a:endParaRPr>
+          </a:p>
+          <a:p>
+            <a:pPr marL="236538" indent="-236538" algn="l" defTabSz="814388">
+              <a:lnSpc>
+                <a:spcPct val="95000"/>
+              </a:lnSpc>
+              <a:spcBef>
+                <a:spcPct val="50000"/>
+              </a:spcBef>
+              <a:buClr>
+                <a:schemeClr val="tx2"/>
+              </a:buClr>
+              <a:buSzPct val="100000"/>
+            </a:pPr>
+            <a:endParaRPr lang="fr-FR" b="1" dirty="0"/>
           </a:p>
         </p:txBody>
       </p:sp>
@@ -25241,14 +25338,14 @@
           </a:ln>
           <a:extLst>
             <a:ext uri="{909E8E84-426E-40dd-AFC4-6F175D3DCCD1}">
-              <a14:hiddenFill xmlns:a14="http://schemas.microsoft.com/office/drawing/2010/main" xmlns="">
+              <a14:hiddenFill xmlns="" xmlns:a14="http://schemas.microsoft.com/office/drawing/2010/main">
                 <a:solidFill>
                   <a:srgbClr val="FFFFFF"/>
                 </a:solidFill>
               </a14:hiddenFill>
             </a:ext>
             <a:ext uri="{91240B29-F687-4f45-9708-019B960494DF}">
-              <a14:hiddenLine xmlns:a14="http://schemas.microsoft.com/office/drawing/2010/main" xmlns="" w="9525">
+              <a14:hiddenLine xmlns="" xmlns:a14="http://schemas.microsoft.com/office/drawing/2010/main" w="9525">
                 <a:solidFill>
                   <a:srgbClr val="000000"/>
                 </a:solidFill>
@@ -25299,14 +25396,14 @@
           </a:ln>
           <a:extLst>
             <a:ext uri="{909E8E84-426E-40dd-AFC4-6F175D3DCCD1}">
-              <a14:hiddenFill xmlns:a14="http://schemas.microsoft.com/office/drawing/2010/main" xmlns="">
+              <a14:hiddenFill xmlns="" xmlns:a14="http://schemas.microsoft.com/office/drawing/2010/main">
                 <a:solidFill>
                   <a:srgbClr val="FFFFFF"/>
                 </a:solidFill>
               </a14:hiddenFill>
             </a:ext>
             <a:ext uri="{91240B29-F687-4f45-9708-019B960494DF}">
-              <a14:hiddenLine xmlns:a14="http://schemas.microsoft.com/office/drawing/2010/main" xmlns="" w="9525">
+              <a14:hiddenLine xmlns="" xmlns:a14="http://schemas.microsoft.com/office/drawing/2010/main" w="9525">
                 <a:solidFill>
                   <a:srgbClr val="000000"/>
                 </a:solidFill>
@@ -25474,14 +25571,14 @@
           </a:ln>
           <a:extLst>
             <a:ext uri="{909E8E84-426E-40dd-AFC4-6F175D3DCCD1}">
-              <a14:hiddenFill xmlns:a14="http://schemas.microsoft.com/office/drawing/2010/main" xmlns="">
+              <a14:hiddenFill xmlns="" xmlns:a14="http://schemas.microsoft.com/office/drawing/2010/main">
                 <a:solidFill>
                   <a:srgbClr val="FFFFFF"/>
                 </a:solidFill>
               </a14:hiddenFill>
             </a:ext>
             <a:ext uri="{91240B29-F687-4f45-9708-019B960494DF}">
-              <a14:hiddenLine xmlns:a14="http://schemas.microsoft.com/office/drawing/2010/main" xmlns="" w="9525">
+              <a14:hiddenLine xmlns="" xmlns:a14="http://schemas.microsoft.com/office/drawing/2010/main" w="9525">
                 <a:solidFill>
                   <a:srgbClr val="000000"/>
                 </a:solidFill>
@@ -25588,14 +25685,14 @@
           </a:ln>
           <a:extLst>
             <a:ext uri="{909E8E84-426E-40dd-AFC4-6F175D3DCCD1}">
-              <a14:hiddenFill xmlns:a14="http://schemas.microsoft.com/office/drawing/2010/main" xmlns="">
+              <a14:hiddenFill xmlns="" xmlns:a14="http://schemas.microsoft.com/office/drawing/2010/main">
                 <a:solidFill>
                   <a:srgbClr val="FFFFFF"/>
                 </a:solidFill>
               </a14:hiddenFill>
             </a:ext>
             <a:ext uri="{91240B29-F687-4f45-9708-019B960494DF}">
-              <a14:hiddenLine xmlns:a14="http://schemas.microsoft.com/office/drawing/2010/main" xmlns="" w="9525">
+              <a14:hiddenLine xmlns="" xmlns:a14="http://schemas.microsoft.com/office/drawing/2010/main" w="9525">
                 <a:solidFill>
                   <a:srgbClr val="000000"/>
                 </a:solidFill>
@@ -25624,7 +25721,7 @@
               <a:buFont typeface="Wingdings" charset="0"/>
               <a:buNone/>
             </a:pPr>
-            <a:endParaRPr lang="en-US" b="1"/>
+            <a:endParaRPr lang="en-US" b="1" dirty="0"/>
           </a:p>
           <a:p>
             <a:pPr marL="236538" indent="-236538" algn="l" defTabSz="814388">
@@ -25641,7 +25738,7 @@
               <a:buFont typeface="Wingdings" charset="0"/>
               <a:buChar char="§"/>
             </a:pPr>
-            <a:endParaRPr lang="fr-FR" b="1"/>
+            <a:endParaRPr lang="fr-FR" b="1" dirty="0"/>
           </a:p>
           <a:p>
             <a:pPr marL="236538" indent="-236538" algn="l" defTabSz="814388">
@@ -25659,24 +25756,33 @@
               <a:buChar char="§"/>
             </a:pPr>
             <a:r>
-              <a:rPr lang="fr-FR" b="1"/>
+              <a:rPr lang="fr-FR" b="1" dirty="0" err="1">
+                <a:highlight>
+                  <a:srgbClr val="00FF00"/>
+                </a:highlight>
+              </a:rPr>
               <a:t>True</a:t>
             </a:r>
-          </a:p>
-          <a:p>
-            <a:pPr marL="236538" indent="-236538" algn="l" defTabSz="814388">
-              <a:lnSpc>
-                <a:spcPct val="95000"/>
-              </a:lnSpc>
-              <a:spcBef>
-                <a:spcPct val="50000"/>
-              </a:spcBef>
-              <a:buClr>
-                <a:schemeClr val="tx2"/>
-              </a:buClr>
-              <a:buSzPct val="100000"/>
-            </a:pPr>
-            <a:endParaRPr lang="fr-FR" b="1"/>
+            <a:endParaRPr lang="fr-FR" b="1" dirty="0">
+              <a:highlight>
+                <a:srgbClr val="00FF00"/>
+              </a:highlight>
+            </a:endParaRPr>
+          </a:p>
+          <a:p>
+            <a:pPr marL="236538" indent="-236538" algn="l" defTabSz="814388">
+              <a:lnSpc>
+                <a:spcPct val="95000"/>
+              </a:lnSpc>
+              <a:spcBef>
+                <a:spcPct val="50000"/>
+              </a:spcBef>
+              <a:buClr>
+                <a:schemeClr val="tx2"/>
+              </a:buClr>
+              <a:buSzPct val="100000"/>
+            </a:pPr>
+            <a:endParaRPr lang="fr-FR" b="1" dirty="0"/>
           </a:p>
         </p:txBody>
       </p:sp>
@@ -25765,14 +25871,14 @@
           </a:ln>
           <a:extLst>
             <a:ext uri="{909E8E84-426E-40dd-AFC4-6F175D3DCCD1}">
-              <a14:hiddenFill xmlns:a14="http://schemas.microsoft.com/office/drawing/2010/main" xmlns="">
+              <a14:hiddenFill xmlns="" xmlns:a14="http://schemas.microsoft.com/office/drawing/2010/main">
                 <a:solidFill>
                   <a:srgbClr val="FFFFFF"/>
                 </a:solidFill>
               </a14:hiddenFill>
             </a:ext>
             <a:ext uri="{91240B29-F687-4f45-9708-019B960494DF}">
-              <a14:hiddenLine xmlns:a14="http://schemas.microsoft.com/office/drawing/2010/main" xmlns="" w="9525">
+              <a14:hiddenLine xmlns="" xmlns:a14="http://schemas.microsoft.com/office/drawing/2010/main" w="9525">
                 <a:solidFill>
                   <a:srgbClr val="000000"/>
                 </a:solidFill>
@@ -25823,14 +25929,14 @@
           </a:ln>
           <a:extLst>
             <a:ext uri="{909E8E84-426E-40dd-AFC4-6F175D3DCCD1}">
-              <a14:hiddenFill xmlns:a14="http://schemas.microsoft.com/office/drawing/2010/main" xmlns="">
+              <a14:hiddenFill xmlns="" xmlns:a14="http://schemas.microsoft.com/office/drawing/2010/main">
                 <a:solidFill>
                   <a:srgbClr val="FFFFFF"/>
                 </a:solidFill>
               </a14:hiddenFill>
             </a:ext>
             <a:ext uri="{91240B29-F687-4f45-9708-019B960494DF}">
-              <a14:hiddenLine xmlns:a14="http://schemas.microsoft.com/office/drawing/2010/main" xmlns="" w="9525">
+              <a14:hiddenLine xmlns="" xmlns:a14="http://schemas.microsoft.com/office/drawing/2010/main" w="9525">
                 <a:solidFill>
                   <a:srgbClr val="000000"/>
                 </a:solidFill>
@@ -25974,14 +26080,14 @@
           </a:ln>
           <a:extLst>
             <a:ext uri="{909E8E84-426E-40dd-AFC4-6F175D3DCCD1}">
-              <a14:hiddenFill xmlns:a14="http://schemas.microsoft.com/office/drawing/2010/main" xmlns="">
+              <a14:hiddenFill xmlns="" xmlns:a14="http://schemas.microsoft.com/office/drawing/2010/main">
                 <a:solidFill>
                   <a:srgbClr val="FFFFFF"/>
                 </a:solidFill>
               </a14:hiddenFill>
             </a:ext>
             <a:ext uri="{91240B29-F687-4f45-9708-019B960494DF}">
-              <a14:hiddenLine xmlns:a14="http://schemas.microsoft.com/office/drawing/2010/main" xmlns="" w="9525">
+              <a14:hiddenLine xmlns="" xmlns:a14="http://schemas.microsoft.com/office/drawing/2010/main" w="9525">
                 <a:solidFill>
                   <a:srgbClr val="000000"/>
                 </a:solidFill>
@@ -26010,7 +26116,7 @@
               <a:buFont typeface="Wingdings" charset="0"/>
               <a:buNone/>
             </a:pPr>
-            <a:endParaRPr lang="en-US" b="1"/>
+            <a:endParaRPr lang="en-US" b="1" dirty="0"/>
           </a:p>
           <a:p>
             <a:pPr marL="236538" indent="-236538" algn="l" defTabSz="814388">
@@ -26027,7 +26133,7 @@
               <a:buFont typeface="Wingdings" charset="0"/>
               <a:buChar char="§"/>
             </a:pPr>
-            <a:endParaRPr lang="fr-FR" b="1"/>
+            <a:endParaRPr lang="fr-FR" b="1" dirty="0"/>
           </a:p>
           <a:p>
             <a:pPr marL="236538" indent="-236538" algn="l" defTabSz="814388">
@@ -26045,7 +26151,11 @@
               <a:buChar char="§"/>
             </a:pPr>
             <a:r>
-              <a:rPr lang="fr-FR" b="1"/>
+              <a:rPr lang="fr-FR" b="1" dirty="0">
+                <a:highlight>
+                  <a:srgbClr val="00FF00"/>
+                </a:highlight>
+              </a:rPr>
               <a:t>False</a:t>
             </a:r>
           </a:p>
@@ -26062,7 +26172,7 @@
               </a:buClr>
               <a:buSzPct val="100000"/>
             </a:pPr>
-            <a:endParaRPr lang="fr-FR" b="1"/>
+            <a:endParaRPr lang="fr-FR" b="1" dirty="0"/>
           </a:p>
         </p:txBody>
       </p:sp>
@@ -26088,14 +26198,14 @@
           </a:ln>
           <a:extLst>
             <a:ext uri="{909E8E84-426E-40dd-AFC4-6F175D3DCCD1}">
-              <a14:hiddenFill xmlns:a14="http://schemas.microsoft.com/office/drawing/2010/main" xmlns="">
+              <a14:hiddenFill xmlns="" xmlns:a14="http://schemas.microsoft.com/office/drawing/2010/main">
                 <a:solidFill>
                   <a:srgbClr val="FFFFFF"/>
                 </a:solidFill>
               </a14:hiddenFill>
             </a:ext>
             <a:ext uri="{91240B29-F687-4f45-9708-019B960494DF}">
-              <a14:hiddenLine xmlns:a14="http://schemas.microsoft.com/office/drawing/2010/main" xmlns="" w="9525">
+              <a14:hiddenLine xmlns="" xmlns:a14="http://schemas.microsoft.com/office/drawing/2010/main" w="9525">
                 <a:solidFill>
                   <a:srgbClr val="000000"/>
                 </a:solidFill>
@@ -26124,7 +26234,7 @@
               <a:buFont typeface="Wingdings" charset="0"/>
               <a:buNone/>
             </a:pPr>
-            <a:endParaRPr lang="en-US" b="1"/>
+            <a:endParaRPr lang="en-US" b="1" dirty="0"/>
           </a:p>
           <a:p>
             <a:pPr marL="236538" indent="-236538" algn="l" defTabSz="814388">
@@ -26141,7 +26251,7 @@
               <a:buFont typeface="Wingdings" charset="0"/>
               <a:buChar char="§"/>
             </a:pPr>
-            <a:endParaRPr lang="fr-FR" b="1"/>
+            <a:endParaRPr lang="fr-FR" b="1" dirty="0"/>
           </a:p>
           <a:p>
             <a:pPr marL="236538" indent="-236538" algn="l" defTabSz="814388">
@@ -26159,24 +26269,25 @@
               <a:buChar char="§"/>
             </a:pPr>
             <a:r>
-              <a:rPr lang="fr-FR" b="1"/>
+              <a:rPr lang="fr-FR" b="1" dirty="0" err="1"/>
               <a:t>True</a:t>
             </a:r>
-          </a:p>
-          <a:p>
-            <a:pPr marL="236538" indent="-236538" algn="l" defTabSz="814388">
-              <a:lnSpc>
-                <a:spcPct val="95000"/>
-              </a:lnSpc>
-              <a:spcBef>
-                <a:spcPct val="50000"/>
-              </a:spcBef>
-              <a:buClr>
-                <a:schemeClr val="tx2"/>
-              </a:buClr>
-              <a:buSzPct val="100000"/>
-            </a:pPr>
-            <a:endParaRPr lang="fr-FR" b="1"/>
+            <a:endParaRPr lang="fr-FR" b="1" dirty="0"/>
+          </a:p>
+          <a:p>
+            <a:pPr marL="236538" indent="-236538" algn="l" defTabSz="814388">
+              <a:lnSpc>
+                <a:spcPct val="95000"/>
+              </a:lnSpc>
+              <a:spcBef>
+                <a:spcPct val="50000"/>
+              </a:spcBef>
+              <a:buClr>
+                <a:schemeClr val="tx2"/>
+              </a:buClr>
+              <a:buSzPct val="100000"/>
+            </a:pPr>
+            <a:endParaRPr lang="fr-FR" b="1" dirty="0"/>
           </a:p>
         </p:txBody>
       </p:sp>
@@ -26228,7 +26339,9 @@
           </a:xfrm>
         </p:spPr>
         <p:txBody>
-          <a:bodyPr/>
+          <a:bodyPr>
+            <a:normAutofit fontScale="90000"/>
+          </a:bodyPr>
           <a:lstStyle/>
           <a:p>
             <a:pPr eaLnBrk="1" hangingPunct="1"/>
@@ -26277,14 +26390,14 @@
           </a:ln>
           <a:extLst>
             <a:ext uri="{909E8E84-426E-40dd-AFC4-6F175D3DCCD1}">
-              <a14:hiddenFill xmlns:a14="http://schemas.microsoft.com/office/drawing/2010/main" xmlns="">
+              <a14:hiddenFill xmlns="" xmlns:a14="http://schemas.microsoft.com/office/drawing/2010/main">
                 <a:solidFill>
                   <a:srgbClr val="FFFFFF"/>
                 </a:solidFill>
               </a14:hiddenFill>
             </a:ext>
             <a:ext uri="{91240B29-F687-4f45-9708-019B960494DF}">
-              <a14:hiddenLine xmlns:a14="http://schemas.microsoft.com/office/drawing/2010/main" xmlns="" w="9525">
+              <a14:hiddenLine xmlns="" xmlns:a14="http://schemas.microsoft.com/office/drawing/2010/main" w="9525">
                 <a:solidFill>
                   <a:srgbClr val="000000"/>
                 </a:solidFill>
@@ -26335,14 +26448,14 @@
           </a:ln>
           <a:extLst>
             <a:ext uri="{909E8E84-426E-40dd-AFC4-6F175D3DCCD1}">
-              <a14:hiddenFill xmlns:a14="http://schemas.microsoft.com/office/drawing/2010/main" xmlns="">
+              <a14:hiddenFill xmlns="" xmlns:a14="http://schemas.microsoft.com/office/drawing/2010/main">
                 <a:solidFill>
                   <a:srgbClr val="FFFFFF"/>
                 </a:solidFill>
               </a14:hiddenFill>
             </a:ext>
             <a:ext uri="{91240B29-F687-4f45-9708-019B960494DF}">
-              <a14:hiddenLine xmlns:a14="http://schemas.microsoft.com/office/drawing/2010/main" xmlns="" w="9525">
+              <a14:hiddenLine xmlns="" xmlns:a14="http://schemas.microsoft.com/office/drawing/2010/main" w="9525">
                 <a:solidFill>
                   <a:srgbClr val="000000"/>
                 </a:solidFill>
@@ -26529,14 +26642,14 @@
           </a:ln>
           <a:extLst>
             <a:ext uri="{909E8E84-426E-40dd-AFC4-6F175D3DCCD1}">
-              <a14:hiddenFill xmlns:a14="http://schemas.microsoft.com/office/drawing/2010/main" xmlns="">
+              <a14:hiddenFill xmlns="" xmlns:a14="http://schemas.microsoft.com/office/drawing/2010/main">
                 <a:solidFill>
                   <a:srgbClr val="FFFFFF"/>
                 </a:solidFill>
               </a14:hiddenFill>
             </a:ext>
             <a:ext uri="{91240B29-F687-4f45-9708-019B960494DF}">
-              <a14:hiddenLine xmlns:a14="http://schemas.microsoft.com/office/drawing/2010/main" xmlns="" w="9525">
+              <a14:hiddenLine xmlns="" xmlns:a14="http://schemas.microsoft.com/office/drawing/2010/main" w="9525">
                 <a:solidFill>
                   <a:srgbClr val="000000"/>
                 </a:solidFill>
@@ -26643,14 +26756,14 @@
           </a:ln>
           <a:extLst>
             <a:ext uri="{909E8E84-426E-40dd-AFC4-6F175D3DCCD1}">
-              <a14:hiddenFill xmlns:a14="http://schemas.microsoft.com/office/drawing/2010/main" xmlns="">
+              <a14:hiddenFill xmlns="" xmlns:a14="http://schemas.microsoft.com/office/drawing/2010/main">
                 <a:solidFill>
                   <a:srgbClr val="FFFFFF"/>
                 </a:solidFill>
               </a14:hiddenFill>
             </a:ext>
             <a:ext uri="{91240B29-F687-4f45-9708-019B960494DF}">
-              <a14:hiddenLine xmlns:a14="http://schemas.microsoft.com/office/drawing/2010/main" xmlns="" w="9525">
+              <a14:hiddenLine xmlns="" xmlns:a14="http://schemas.microsoft.com/office/drawing/2010/main" w="9525">
                 <a:solidFill>
                   <a:srgbClr val="000000"/>
                 </a:solidFill>
@@ -26757,14 +26870,14 @@
           </a:ln>
           <a:extLst>
             <a:ext uri="{909E8E84-426E-40dd-AFC4-6F175D3DCCD1}">
-              <a14:hiddenFill xmlns:a14="http://schemas.microsoft.com/office/drawing/2010/main" xmlns="">
+              <a14:hiddenFill xmlns="" xmlns:a14="http://schemas.microsoft.com/office/drawing/2010/main">
                 <a:solidFill>
                   <a:srgbClr val="FFFFFF"/>
                 </a:solidFill>
               </a14:hiddenFill>
             </a:ext>
             <a:ext uri="{91240B29-F687-4f45-9708-019B960494DF}">
-              <a14:hiddenLine xmlns:a14="http://schemas.microsoft.com/office/drawing/2010/main" xmlns="" w="9525">
+              <a14:hiddenLine xmlns="" xmlns:a14="http://schemas.microsoft.com/office/drawing/2010/main" w="9525">
                 <a:solidFill>
                   <a:srgbClr val="000000"/>
                 </a:solidFill>
@@ -26871,14 +26984,14 @@
           </a:ln>
           <a:extLst>
             <a:ext uri="{909E8E84-426E-40dd-AFC4-6F175D3DCCD1}">
-              <a14:hiddenFill xmlns:a14="http://schemas.microsoft.com/office/drawing/2010/main" xmlns="">
+              <a14:hiddenFill xmlns="" xmlns:a14="http://schemas.microsoft.com/office/drawing/2010/main">
                 <a:solidFill>
                   <a:srgbClr val="FFFFFF"/>
                 </a:solidFill>
               </a14:hiddenFill>
             </a:ext>
             <a:ext uri="{91240B29-F687-4f45-9708-019B960494DF}">
-              <a14:hiddenLine xmlns:a14="http://schemas.microsoft.com/office/drawing/2010/main" xmlns="" w="9525">
+              <a14:hiddenLine xmlns="" xmlns:a14="http://schemas.microsoft.com/office/drawing/2010/main" w="9525">
                 <a:solidFill>
                   <a:srgbClr val="000000"/>
                 </a:solidFill>
@@ -26907,7 +27020,7 @@
               <a:buFont typeface="Wingdings" charset="0"/>
               <a:buNone/>
             </a:pPr>
-            <a:endParaRPr lang="en-US" b="1"/>
+            <a:endParaRPr lang="en-US" b="1" dirty="0"/>
           </a:p>
           <a:p>
             <a:pPr marL="236538" indent="-236538" algn="l" defTabSz="814388">
@@ -26924,7 +27037,7 @@
               <a:buFont typeface="Wingdings" charset="0"/>
               <a:buChar char="§"/>
             </a:pPr>
-            <a:endParaRPr lang="fr-FR" b="1"/>
+            <a:endParaRPr lang="fr-FR" b="1" dirty="0"/>
           </a:p>
           <a:p>
             <a:pPr marL="236538" indent="-236538" algn="l" defTabSz="814388">
@@ -26942,24 +27055,49 @@
               <a:buChar char="§"/>
             </a:pPr>
             <a:r>
-              <a:rPr lang="fr-FR" b="1"/>
-              <a:t>Income statement</a:t>
-            </a:r>
-          </a:p>
-          <a:p>
-            <a:pPr marL="236538" indent="-236538" algn="l" defTabSz="814388">
-              <a:lnSpc>
-                <a:spcPct val="95000"/>
-              </a:lnSpc>
-              <a:spcBef>
-                <a:spcPct val="50000"/>
-              </a:spcBef>
-              <a:buClr>
-                <a:schemeClr val="tx2"/>
-              </a:buClr>
-              <a:buSzPct val="100000"/>
-            </a:pPr>
-            <a:endParaRPr lang="fr-FR" b="1"/>
+              <a:rPr lang="fr-FR" b="1" dirty="0" err="1">
+                <a:highlight>
+                  <a:srgbClr val="00FF00"/>
+                </a:highlight>
+              </a:rPr>
+              <a:t>Income</a:t>
+            </a:r>
+            <a:r>
+              <a:rPr lang="fr-FR" b="1" dirty="0">
+                <a:highlight>
+                  <a:srgbClr val="00FF00"/>
+                </a:highlight>
+              </a:rPr>
+              <a:t> </a:t>
+            </a:r>
+            <a:r>
+              <a:rPr lang="fr-FR" b="1" dirty="0" err="1">
+                <a:highlight>
+                  <a:srgbClr val="00FF00"/>
+                </a:highlight>
+              </a:rPr>
+              <a:t>statement</a:t>
+            </a:r>
+            <a:endParaRPr lang="fr-FR" b="1" dirty="0">
+              <a:highlight>
+                <a:srgbClr val="00FF00"/>
+              </a:highlight>
+            </a:endParaRPr>
+          </a:p>
+          <a:p>
+            <a:pPr marL="236538" indent="-236538" algn="l" defTabSz="814388">
+              <a:lnSpc>
+                <a:spcPct val="95000"/>
+              </a:lnSpc>
+              <a:spcBef>
+                <a:spcPct val="50000"/>
+              </a:spcBef>
+              <a:buClr>
+                <a:schemeClr val="tx2"/>
+              </a:buClr>
+              <a:buSzPct val="100000"/>
+            </a:pPr>
+            <a:endParaRPr lang="fr-FR" b="1" dirty="0"/>
           </a:p>
         </p:txBody>
       </p:sp>
@@ -27011,7 +27149,9 @@
           </a:xfrm>
         </p:spPr>
         <p:txBody>
-          <a:bodyPr/>
+          <a:bodyPr>
+            <a:normAutofit fontScale="90000"/>
+          </a:bodyPr>
           <a:lstStyle/>
           <a:p>
             <a:pPr eaLnBrk="1" hangingPunct="1"/>
@@ -27060,14 +27200,14 @@
           </a:ln>
           <a:extLst>
             <a:ext uri="{909E8E84-426E-40dd-AFC4-6F175D3DCCD1}">
-              <a14:hiddenFill xmlns:a14="http://schemas.microsoft.com/office/drawing/2010/main" xmlns="">
+              <a14:hiddenFill xmlns="" xmlns:a14="http://schemas.microsoft.com/office/drawing/2010/main">
                 <a:solidFill>
                   <a:srgbClr val="FFFFFF"/>
                 </a:solidFill>
               </a14:hiddenFill>
             </a:ext>
             <a:ext uri="{91240B29-F687-4f45-9708-019B960494DF}">
-              <a14:hiddenLine xmlns:a14="http://schemas.microsoft.com/office/drawing/2010/main" xmlns="" w="9525">
+              <a14:hiddenLine xmlns="" xmlns:a14="http://schemas.microsoft.com/office/drawing/2010/main" w="9525">
                 <a:solidFill>
                   <a:srgbClr val="000000"/>
                 </a:solidFill>
@@ -27118,14 +27258,14 @@
           </a:ln>
           <a:extLst>
             <a:ext uri="{909E8E84-426E-40dd-AFC4-6F175D3DCCD1}">
-              <a14:hiddenFill xmlns:a14="http://schemas.microsoft.com/office/drawing/2010/main" xmlns="">
+              <a14:hiddenFill xmlns="" xmlns:a14="http://schemas.microsoft.com/office/drawing/2010/main">
                 <a:solidFill>
                   <a:srgbClr val="FFFFFF"/>
                 </a:solidFill>
               </a14:hiddenFill>
             </a:ext>
             <a:ext uri="{91240B29-F687-4f45-9708-019B960494DF}">
-              <a14:hiddenLine xmlns:a14="http://schemas.microsoft.com/office/drawing/2010/main" xmlns="" w="9525">
+              <a14:hiddenLine xmlns="" xmlns:a14="http://schemas.microsoft.com/office/drawing/2010/main" w="9525">
                 <a:solidFill>
                   <a:srgbClr val="000000"/>
                 </a:solidFill>
@@ -27292,14 +27432,14 @@
           </a:ln>
           <a:extLst>
             <a:ext uri="{909E8E84-426E-40dd-AFC4-6F175D3DCCD1}">
-              <a14:hiddenFill xmlns:a14="http://schemas.microsoft.com/office/drawing/2010/main" xmlns="">
+              <a14:hiddenFill xmlns="" xmlns:a14="http://schemas.microsoft.com/office/drawing/2010/main">
                 <a:solidFill>
                   <a:srgbClr val="FFFFFF"/>
                 </a:solidFill>
               </a14:hiddenFill>
             </a:ext>
             <a:ext uri="{91240B29-F687-4f45-9708-019B960494DF}">
-              <a14:hiddenLine xmlns:a14="http://schemas.microsoft.com/office/drawing/2010/main" xmlns="" w="9525">
+              <a14:hiddenLine xmlns="" xmlns:a14="http://schemas.microsoft.com/office/drawing/2010/main" w="9525">
                 <a:solidFill>
                   <a:srgbClr val="000000"/>
                 </a:solidFill>
@@ -27328,7 +27468,7 @@
               <a:buFont typeface="Wingdings" charset="0"/>
               <a:buNone/>
             </a:pPr>
-            <a:endParaRPr lang="en-US" b="1"/>
+            <a:endParaRPr lang="en-US" b="1" dirty="0"/>
           </a:p>
           <a:p>
             <a:pPr marL="236538" indent="-236538" algn="l" defTabSz="814388">
@@ -27345,7 +27485,7 @@
               <a:buFont typeface="Wingdings" charset="0"/>
               <a:buChar char="§"/>
             </a:pPr>
-            <a:endParaRPr lang="fr-FR" b="1"/>
+            <a:endParaRPr lang="fr-FR" b="1" dirty="0"/>
           </a:p>
           <a:p>
             <a:pPr marL="236538" indent="-236538" algn="l" defTabSz="814388">
@@ -27363,24 +27503,29 @@
               <a:buChar char="§"/>
             </a:pPr>
             <a:r>
-              <a:rPr lang="fr-FR" b="1"/>
-              <a:t>Management summary</a:t>
-            </a:r>
-          </a:p>
-          <a:p>
-            <a:pPr marL="236538" indent="-236538" algn="l" defTabSz="814388">
-              <a:lnSpc>
-                <a:spcPct val="95000"/>
-              </a:lnSpc>
-              <a:spcBef>
-                <a:spcPct val="50000"/>
-              </a:spcBef>
-              <a:buClr>
-                <a:schemeClr val="tx2"/>
-              </a:buClr>
-              <a:buSzPct val="100000"/>
-            </a:pPr>
-            <a:endParaRPr lang="fr-FR" b="1"/>
+              <a:rPr lang="fr-FR" b="1" dirty="0"/>
+              <a:t>Management </a:t>
+            </a:r>
+            <a:r>
+              <a:rPr lang="fr-FR" b="1" dirty="0" err="1"/>
+              <a:t>summary</a:t>
+            </a:r>
+            <a:endParaRPr lang="fr-FR" b="1" dirty="0"/>
+          </a:p>
+          <a:p>
+            <a:pPr marL="236538" indent="-236538" algn="l" defTabSz="814388">
+              <a:lnSpc>
+                <a:spcPct val="95000"/>
+              </a:lnSpc>
+              <a:spcBef>
+                <a:spcPct val="50000"/>
+              </a:spcBef>
+              <a:buClr>
+                <a:schemeClr val="tx2"/>
+              </a:buClr>
+              <a:buSzPct val="100000"/>
+            </a:pPr>
+            <a:endParaRPr lang="fr-FR" b="1" dirty="0"/>
           </a:p>
         </p:txBody>
       </p:sp>
@@ -27406,14 +27551,14 @@
           </a:ln>
           <a:extLst>
             <a:ext uri="{909E8E84-426E-40dd-AFC4-6F175D3DCCD1}">
-              <a14:hiddenFill xmlns:a14="http://schemas.microsoft.com/office/drawing/2010/main" xmlns="">
+              <a14:hiddenFill xmlns="" xmlns:a14="http://schemas.microsoft.com/office/drawing/2010/main">
                 <a:solidFill>
                   <a:srgbClr val="FFFFFF"/>
                 </a:solidFill>
               </a14:hiddenFill>
             </a:ext>
             <a:ext uri="{91240B29-F687-4f45-9708-019B960494DF}">
-              <a14:hiddenLine xmlns:a14="http://schemas.microsoft.com/office/drawing/2010/main" xmlns="" w="9525">
+              <a14:hiddenLine xmlns="" xmlns:a14="http://schemas.microsoft.com/office/drawing/2010/main" w="9525">
                 <a:solidFill>
                   <a:srgbClr val="000000"/>
                 </a:solidFill>
@@ -27520,14 +27665,14 @@
           </a:ln>
           <a:extLst>
             <a:ext uri="{909E8E84-426E-40dd-AFC4-6F175D3DCCD1}">
-              <a14:hiddenFill xmlns:a14="http://schemas.microsoft.com/office/drawing/2010/main" xmlns="">
+              <a14:hiddenFill xmlns="" xmlns:a14="http://schemas.microsoft.com/office/drawing/2010/main">
                 <a:solidFill>
                   <a:srgbClr val="FFFFFF"/>
                 </a:solidFill>
               </a14:hiddenFill>
             </a:ext>
             <a:ext uri="{91240B29-F687-4f45-9708-019B960494DF}">
-              <a14:hiddenLine xmlns:a14="http://schemas.microsoft.com/office/drawing/2010/main" xmlns="" w="9525">
+              <a14:hiddenLine xmlns="" xmlns:a14="http://schemas.microsoft.com/office/drawing/2010/main" w="9525">
                 <a:solidFill>
                   <a:srgbClr val="000000"/>
                 </a:solidFill>
@@ -27556,7 +27701,7 @@
               <a:buFont typeface="Wingdings" charset="0"/>
               <a:buNone/>
             </a:pPr>
-            <a:endParaRPr lang="en-US" b="1"/>
+            <a:endParaRPr lang="en-US" b="1" dirty="0"/>
           </a:p>
           <a:p>
             <a:pPr marL="236538" indent="-236538" algn="l" defTabSz="814388">
@@ -27573,7 +27718,7 @@
               <a:buFont typeface="Wingdings" charset="0"/>
               <a:buChar char="§"/>
             </a:pPr>
-            <a:endParaRPr lang="fr-FR" b="1"/>
+            <a:endParaRPr lang="fr-FR" b="1" dirty="0"/>
           </a:p>
           <a:p>
             <a:pPr marL="236538" indent="-236538" algn="l" defTabSz="814388">
@@ -27591,24 +27736,41 @@
               <a:buChar char="§"/>
             </a:pPr>
             <a:r>
-              <a:rPr lang="fr-FR" b="1"/>
-              <a:t>Notes to the Financial statements</a:t>
-            </a:r>
-          </a:p>
-          <a:p>
-            <a:pPr marL="236538" indent="-236538" algn="l" defTabSz="814388">
-              <a:lnSpc>
-                <a:spcPct val="95000"/>
-              </a:lnSpc>
-              <a:spcBef>
-                <a:spcPct val="50000"/>
-              </a:spcBef>
-              <a:buClr>
-                <a:schemeClr val="tx2"/>
-              </a:buClr>
-              <a:buSzPct val="100000"/>
-            </a:pPr>
-            <a:endParaRPr lang="fr-FR" b="1"/>
+              <a:rPr lang="fr-FR" b="1" dirty="0">
+                <a:highlight>
+                  <a:srgbClr val="00FF00"/>
+                </a:highlight>
+              </a:rPr>
+              <a:t>Notes to the Financial </a:t>
+            </a:r>
+            <a:r>
+              <a:rPr lang="fr-FR" b="1" dirty="0" err="1">
+                <a:highlight>
+                  <a:srgbClr val="00FF00"/>
+                </a:highlight>
+              </a:rPr>
+              <a:t>statements</a:t>
+            </a:r>
+            <a:endParaRPr lang="fr-FR" b="1" dirty="0">
+              <a:highlight>
+                <a:srgbClr val="00FF00"/>
+              </a:highlight>
+            </a:endParaRPr>
+          </a:p>
+          <a:p>
+            <a:pPr marL="236538" indent="-236538" algn="l" defTabSz="814388">
+              <a:lnSpc>
+                <a:spcPct val="95000"/>
+              </a:lnSpc>
+              <a:spcBef>
+                <a:spcPct val="50000"/>
+              </a:spcBef>
+              <a:buClr>
+                <a:schemeClr val="tx2"/>
+              </a:buClr>
+              <a:buSzPct val="100000"/>
+            </a:pPr>
+            <a:endParaRPr lang="fr-FR" b="1" dirty="0"/>
           </a:p>
         </p:txBody>
       </p:sp>
@@ -27634,14 +27796,14 @@
           </a:ln>
           <a:extLst>
             <a:ext uri="{909E8E84-426E-40dd-AFC4-6F175D3DCCD1}">
-              <a14:hiddenFill xmlns:a14="http://schemas.microsoft.com/office/drawing/2010/main" xmlns="">
+              <a14:hiddenFill xmlns="" xmlns:a14="http://schemas.microsoft.com/office/drawing/2010/main">
                 <a:solidFill>
                   <a:srgbClr val="FFFFFF"/>
                 </a:solidFill>
               </a14:hiddenFill>
             </a:ext>
             <a:ext uri="{91240B29-F687-4f45-9708-019B960494DF}">
-              <a14:hiddenLine xmlns:a14="http://schemas.microsoft.com/office/drawing/2010/main" xmlns="" w="9525">
+              <a14:hiddenLine xmlns="" xmlns:a14="http://schemas.microsoft.com/office/drawing/2010/main" w="9525">
                 <a:solidFill>
                   <a:srgbClr val="000000"/>
                 </a:solidFill>
@@ -27670,7 +27832,7 @@
               <a:buFont typeface="Wingdings" charset="0"/>
               <a:buNone/>
             </a:pPr>
-            <a:endParaRPr lang="en-US" b="1"/>
+            <a:endParaRPr lang="en-US" b="1" dirty="0"/>
           </a:p>
           <a:p>
             <a:pPr marL="236538" indent="-236538" algn="l" defTabSz="814388">
@@ -27687,7 +27849,7 @@
               <a:buFont typeface="Wingdings" charset="0"/>
               <a:buChar char="§"/>
             </a:pPr>
-            <a:endParaRPr lang="fr-FR" b="1"/>
+            <a:endParaRPr lang="fr-FR" b="1" dirty="0"/>
           </a:p>
           <a:p>
             <a:pPr marL="236538" indent="-236538" algn="l" defTabSz="814388">
@@ -27705,24 +27867,28 @@
               <a:buChar char="§"/>
             </a:pPr>
             <a:r>
-              <a:rPr lang="fr-FR" b="1"/>
-              <a:t>Creditor’s notes</a:t>
-            </a:r>
-          </a:p>
-          <a:p>
-            <a:pPr marL="236538" indent="-236538" algn="l" defTabSz="814388">
-              <a:lnSpc>
-                <a:spcPct val="95000"/>
-              </a:lnSpc>
-              <a:spcBef>
-                <a:spcPct val="50000"/>
-              </a:spcBef>
-              <a:buClr>
-                <a:schemeClr val="tx2"/>
-              </a:buClr>
-              <a:buSzPct val="100000"/>
-            </a:pPr>
-            <a:endParaRPr lang="fr-FR" b="1"/>
+              <a:rPr lang="fr-FR" b="1" dirty="0" err="1"/>
+              <a:t>Creditor’s</a:t>
+            </a:r>
+            <a:r>
+              <a:rPr lang="fr-FR" b="1" dirty="0"/>
+              <a:t> notes</a:t>
+            </a:r>
+          </a:p>
+          <a:p>
+            <a:pPr marL="236538" indent="-236538" algn="l" defTabSz="814388">
+              <a:lnSpc>
+                <a:spcPct val="95000"/>
+              </a:lnSpc>
+              <a:spcBef>
+                <a:spcPct val="50000"/>
+              </a:spcBef>
+              <a:buClr>
+                <a:schemeClr val="tx2"/>
+              </a:buClr>
+              <a:buSzPct val="100000"/>
+            </a:pPr>
+            <a:endParaRPr lang="fr-FR" b="1" dirty="0"/>
           </a:p>
         </p:txBody>
       </p:sp>
